--- a/docs/NeighbourShells.pptx
+++ b/docs/NeighbourShells.pptx
@@ -4,9 +4,13 @@
   <p:sldMasterIdLst>
     <p:sldMasterId id="2147483660" r:id="rId1"/>
   </p:sldMasterIdLst>
+  <p:notesMasterIdLst>
+    <p:notesMasterId r:id="rId5"/>
+  </p:notesMasterIdLst>
   <p:sldIdLst>
     <p:sldId id="256" r:id="rId2"/>
     <p:sldId id="257" r:id="rId3"/>
+    <p:sldId id="258" r:id="rId4"/>
   </p:sldIdLst>
   <p:sldSz cx="9144000" cy="6858000" type="screen4x3"/>
   <p:notesSz cx="6858000" cy="9144000"/>
@@ -105,7 +109,456 @@
       </a:defRPr>
     </a:lvl9pPr>
   </p:defaultTextStyle>
+  <p:extLst>
+    <p:ext uri="{EFAFB233-063F-42B5-8137-9DF3F51BA10A}">
+      <p15:sldGuideLst xmlns:p15="http://schemas.microsoft.com/office/powerpoint/2012/main"/>
+    </p:ext>
+  </p:extLst>
 </p:presentation>
+</file>
+
+<file path=ppt/notesMasters/notesMaster1.xml><?xml version="1.0" encoding="utf-8"?>
+<p:notesMaster xmlns:a="http://schemas.openxmlformats.org/drawingml/2006/main" xmlns:r="http://schemas.openxmlformats.org/officeDocument/2006/relationships" xmlns:p="http://schemas.openxmlformats.org/presentationml/2006/main">
+  <p:cSld>
+    <p:bg>
+      <p:bgRef idx="1001">
+        <a:schemeClr val="bg1"/>
+      </p:bgRef>
+    </p:bg>
+    <p:spTree>
+      <p:nvGrpSpPr>
+        <p:cNvPr id="1" name=""/>
+        <p:cNvGrpSpPr/>
+        <p:nvPr/>
+      </p:nvGrpSpPr>
+      <p:grpSpPr>
+        <a:xfrm>
+          <a:off x="0" y="0"/>
+          <a:ext cx="0" cy="0"/>
+          <a:chOff x="0" y="0"/>
+          <a:chExt cx="0" cy="0"/>
+        </a:xfrm>
+      </p:grpSpPr>
+      <p:sp>
+        <p:nvSpPr>
+          <p:cNvPr id="2" name="Header Placeholder 1"/>
+          <p:cNvSpPr>
+            <a:spLocks noGrp="1"/>
+          </p:cNvSpPr>
+          <p:nvPr>
+            <p:ph type="hdr" sz="quarter"/>
+          </p:nvPr>
+        </p:nvSpPr>
+        <p:spPr>
+          <a:xfrm>
+            <a:off x="0" y="0"/>
+            <a:ext cx="2971800" cy="458788"/>
+          </a:xfrm>
+          <a:prstGeom prst="rect">
+            <a:avLst/>
+          </a:prstGeom>
+        </p:spPr>
+        <p:txBody>
+          <a:bodyPr vert="horz" lIns="91440" tIns="45720" rIns="91440" bIns="45720" rtlCol="0"/>
+          <a:lstStyle>
+            <a:lvl1pPr algn="l">
+              <a:defRPr sz="1200"/>
+            </a:lvl1pPr>
+          </a:lstStyle>
+          <a:p>
+            <a:endParaRPr lang="en-US"/>
+          </a:p>
+        </p:txBody>
+      </p:sp>
+      <p:sp>
+        <p:nvSpPr>
+          <p:cNvPr id="3" name="Date Placeholder 2"/>
+          <p:cNvSpPr>
+            <a:spLocks noGrp="1"/>
+          </p:cNvSpPr>
+          <p:nvPr>
+            <p:ph type="dt" idx="1"/>
+          </p:nvPr>
+        </p:nvSpPr>
+        <p:spPr>
+          <a:xfrm>
+            <a:off x="3884613" y="0"/>
+            <a:ext cx="2971800" cy="458788"/>
+          </a:xfrm>
+          <a:prstGeom prst="rect">
+            <a:avLst/>
+          </a:prstGeom>
+        </p:spPr>
+        <p:txBody>
+          <a:bodyPr vert="horz" lIns="91440" tIns="45720" rIns="91440" bIns="45720" rtlCol="0"/>
+          <a:lstStyle>
+            <a:lvl1pPr algn="r">
+              <a:defRPr sz="1200"/>
+            </a:lvl1pPr>
+          </a:lstStyle>
+          <a:p>
+            <a:fld id="{9DF8E8A1-7F5E-B946-B0BF-5A810BC7CA04}" type="datetimeFigureOut">
+              <a:rPr lang="en-US" smtClean="0"/>
+              <a:t>10/7/18</a:t>
+            </a:fld>
+            <a:endParaRPr lang="en-US"/>
+          </a:p>
+        </p:txBody>
+      </p:sp>
+      <p:sp>
+        <p:nvSpPr>
+          <p:cNvPr id="4" name="Slide Image Placeholder 3"/>
+          <p:cNvSpPr>
+            <a:spLocks noGrp="1" noRot="1" noChangeAspect="1"/>
+          </p:cNvSpPr>
+          <p:nvPr>
+            <p:ph type="sldImg" idx="2"/>
+          </p:nvPr>
+        </p:nvSpPr>
+        <p:spPr>
+          <a:xfrm>
+            <a:off x="1371600" y="1143000"/>
+            <a:ext cx="4114800" cy="3086100"/>
+          </a:xfrm>
+          <a:prstGeom prst="rect">
+            <a:avLst/>
+          </a:prstGeom>
+          <a:noFill/>
+          <a:ln w="12700">
+            <a:solidFill>
+              <a:prstClr val="black"/>
+            </a:solidFill>
+          </a:ln>
+        </p:spPr>
+        <p:txBody>
+          <a:bodyPr vert="horz" lIns="91440" tIns="45720" rIns="91440" bIns="45720" rtlCol="0" anchor="ctr"/>
+          <a:lstStyle/>
+          <a:p>
+            <a:endParaRPr lang="en-US"/>
+          </a:p>
+        </p:txBody>
+      </p:sp>
+      <p:sp>
+        <p:nvSpPr>
+          <p:cNvPr id="5" name="Notes Placeholder 4"/>
+          <p:cNvSpPr>
+            <a:spLocks noGrp="1"/>
+          </p:cNvSpPr>
+          <p:nvPr>
+            <p:ph type="body" sz="quarter" idx="3"/>
+          </p:nvPr>
+        </p:nvSpPr>
+        <p:spPr>
+          <a:xfrm>
+            <a:off x="685800" y="4400550"/>
+            <a:ext cx="5486400" cy="3600450"/>
+          </a:xfrm>
+          <a:prstGeom prst="rect">
+            <a:avLst/>
+          </a:prstGeom>
+        </p:spPr>
+        <p:txBody>
+          <a:bodyPr vert="horz" lIns="91440" tIns="45720" rIns="91440" bIns="45720" rtlCol="0"/>
+          <a:lstStyle/>
+          <a:p>
+            <a:pPr lvl="0"/>
+            <a:r>
+              <a:rPr lang="en-US"/>
+              <a:t>Edit Master text styles</a:t>
+            </a:r>
+          </a:p>
+          <a:p>
+            <a:pPr lvl="1"/>
+            <a:r>
+              <a:rPr lang="en-US"/>
+              <a:t>Second level</a:t>
+            </a:r>
+          </a:p>
+          <a:p>
+            <a:pPr lvl="2"/>
+            <a:r>
+              <a:rPr lang="en-US"/>
+              <a:t>Third level</a:t>
+            </a:r>
+          </a:p>
+          <a:p>
+            <a:pPr lvl="3"/>
+            <a:r>
+              <a:rPr lang="en-US"/>
+              <a:t>Fourth level</a:t>
+            </a:r>
+          </a:p>
+          <a:p>
+            <a:pPr lvl="4"/>
+            <a:r>
+              <a:rPr lang="en-US"/>
+              <a:t>Fifth level</a:t>
+            </a:r>
+          </a:p>
+        </p:txBody>
+      </p:sp>
+      <p:sp>
+        <p:nvSpPr>
+          <p:cNvPr id="6" name="Footer Placeholder 5"/>
+          <p:cNvSpPr>
+            <a:spLocks noGrp="1"/>
+          </p:cNvSpPr>
+          <p:nvPr>
+            <p:ph type="ftr" sz="quarter" idx="4"/>
+          </p:nvPr>
+        </p:nvSpPr>
+        <p:spPr>
+          <a:xfrm>
+            <a:off x="0" y="8685213"/>
+            <a:ext cx="2971800" cy="458787"/>
+          </a:xfrm>
+          <a:prstGeom prst="rect">
+            <a:avLst/>
+          </a:prstGeom>
+        </p:spPr>
+        <p:txBody>
+          <a:bodyPr vert="horz" lIns="91440" tIns="45720" rIns="91440" bIns="45720" rtlCol="0" anchor="b"/>
+          <a:lstStyle>
+            <a:lvl1pPr algn="l">
+              <a:defRPr sz="1200"/>
+            </a:lvl1pPr>
+          </a:lstStyle>
+          <a:p>
+            <a:endParaRPr lang="en-US"/>
+          </a:p>
+        </p:txBody>
+      </p:sp>
+      <p:sp>
+        <p:nvSpPr>
+          <p:cNvPr id="7" name="Slide Number Placeholder 6"/>
+          <p:cNvSpPr>
+            <a:spLocks noGrp="1"/>
+          </p:cNvSpPr>
+          <p:nvPr>
+            <p:ph type="sldNum" sz="quarter" idx="5"/>
+          </p:nvPr>
+        </p:nvSpPr>
+        <p:spPr>
+          <a:xfrm>
+            <a:off x="3884613" y="8685213"/>
+            <a:ext cx="2971800" cy="458787"/>
+          </a:xfrm>
+          <a:prstGeom prst="rect">
+            <a:avLst/>
+          </a:prstGeom>
+        </p:spPr>
+        <p:txBody>
+          <a:bodyPr vert="horz" lIns="91440" tIns="45720" rIns="91440" bIns="45720" rtlCol="0" anchor="b"/>
+          <a:lstStyle>
+            <a:lvl1pPr algn="r">
+              <a:defRPr sz="1200"/>
+            </a:lvl1pPr>
+          </a:lstStyle>
+          <a:p>
+            <a:fld id="{3C1978B8-961C-BA46-984B-FBDF38CDB475}" type="slidenum">
+              <a:rPr lang="en-US" smtClean="0"/>
+              <a:t>‹#›</a:t>
+            </a:fld>
+            <a:endParaRPr lang="en-US"/>
+          </a:p>
+        </p:txBody>
+      </p:sp>
+    </p:spTree>
+    <p:extLst>
+      <p:ext uri="{BB962C8B-B14F-4D97-AF65-F5344CB8AC3E}">
+        <p14:creationId xmlns:p14="http://schemas.microsoft.com/office/powerpoint/2010/main" val="111447052"/>
+      </p:ext>
+    </p:extLst>
+  </p:cSld>
+  <p:clrMap bg1="lt1" tx1="dk1" bg2="lt2" tx2="dk2" accent1="accent1" accent2="accent2" accent3="accent3" accent4="accent4" accent5="accent5" accent6="accent6" hlink="hlink" folHlink="folHlink"/>
+  <p:notesStyle>
+    <a:lvl1pPr marL="0" algn="l" defTabSz="914400" rtl="0" eaLnBrk="1" latinLnBrk="0" hangingPunct="1">
+      <a:defRPr sz="1200" kern="1200">
+        <a:solidFill>
+          <a:schemeClr val="tx1"/>
+        </a:solidFill>
+        <a:latin typeface="+mn-lt"/>
+        <a:ea typeface="+mn-ea"/>
+        <a:cs typeface="+mn-cs"/>
+      </a:defRPr>
+    </a:lvl1pPr>
+    <a:lvl2pPr marL="457200" algn="l" defTabSz="914400" rtl="0" eaLnBrk="1" latinLnBrk="0" hangingPunct="1">
+      <a:defRPr sz="1200" kern="1200">
+        <a:solidFill>
+          <a:schemeClr val="tx1"/>
+        </a:solidFill>
+        <a:latin typeface="+mn-lt"/>
+        <a:ea typeface="+mn-ea"/>
+        <a:cs typeface="+mn-cs"/>
+      </a:defRPr>
+    </a:lvl2pPr>
+    <a:lvl3pPr marL="914400" algn="l" defTabSz="914400" rtl="0" eaLnBrk="1" latinLnBrk="0" hangingPunct="1">
+      <a:defRPr sz="1200" kern="1200">
+        <a:solidFill>
+          <a:schemeClr val="tx1"/>
+        </a:solidFill>
+        <a:latin typeface="+mn-lt"/>
+        <a:ea typeface="+mn-ea"/>
+        <a:cs typeface="+mn-cs"/>
+      </a:defRPr>
+    </a:lvl3pPr>
+    <a:lvl4pPr marL="1371600" algn="l" defTabSz="914400" rtl="0" eaLnBrk="1" latinLnBrk="0" hangingPunct="1">
+      <a:defRPr sz="1200" kern="1200">
+        <a:solidFill>
+          <a:schemeClr val="tx1"/>
+        </a:solidFill>
+        <a:latin typeface="+mn-lt"/>
+        <a:ea typeface="+mn-ea"/>
+        <a:cs typeface="+mn-cs"/>
+      </a:defRPr>
+    </a:lvl4pPr>
+    <a:lvl5pPr marL="1828800" algn="l" defTabSz="914400" rtl="0" eaLnBrk="1" latinLnBrk="0" hangingPunct="1">
+      <a:defRPr sz="1200" kern="1200">
+        <a:solidFill>
+          <a:schemeClr val="tx1"/>
+        </a:solidFill>
+        <a:latin typeface="+mn-lt"/>
+        <a:ea typeface="+mn-ea"/>
+        <a:cs typeface="+mn-cs"/>
+      </a:defRPr>
+    </a:lvl5pPr>
+    <a:lvl6pPr marL="2286000" algn="l" defTabSz="914400" rtl="0" eaLnBrk="1" latinLnBrk="0" hangingPunct="1">
+      <a:defRPr sz="1200" kern="1200">
+        <a:solidFill>
+          <a:schemeClr val="tx1"/>
+        </a:solidFill>
+        <a:latin typeface="+mn-lt"/>
+        <a:ea typeface="+mn-ea"/>
+        <a:cs typeface="+mn-cs"/>
+      </a:defRPr>
+    </a:lvl6pPr>
+    <a:lvl7pPr marL="2743200" algn="l" defTabSz="914400" rtl="0" eaLnBrk="1" latinLnBrk="0" hangingPunct="1">
+      <a:defRPr sz="1200" kern="1200">
+        <a:solidFill>
+          <a:schemeClr val="tx1"/>
+        </a:solidFill>
+        <a:latin typeface="+mn-lt"/>
+        <a:ea typeface="+mn-ea"/>
+        <a:cs typeface="+mn-cs"/>
+      </a:defRPr>
+    </a:lvl7pPr>
+    <a:lvl8pPr marL="3200400" algn="l" defTabSz="914400" rtl="0" eaLnBrk="1" latinLnBrk="0" hangingPunct="1">
+      <a:defRPr sz="1200" kern="1200">
+        <a:solidFill>
+          <a:schemeClr val="tx1"/>
+        </a:solidFill>
+        <a:latin typeface="+mn-lt"/>
+        <a:ea typeface="+mn-ea"/>
+        <a:cs typeface="+mn-cs"/>
+      </a:defRPr>
+    </a:lvl8pPr>
+    <a:lvl9pPr marL="3657600" algn="l" defTabSz="914400" rtl="0" eaLnBrk="1" latinLnBrk="0" hangingPunct="1">
+      <a:defRPr sz="1200" kern="1200">
+        <a:solidFill>
+          <a:schemeClr val="tx1"/>
+        </a:solidFill>
+        <a:latin typeface="+mn-lt"/>
+        <a:ea typeface="+mn-ea"/>
+        <a:cs typeface="+mn-cs"/>
+      </a:defRPr>
+    </a:lvl9pPr>
+  </p:notesStyle>
+</p:notesMaster>
+</file>
+
+<file path=ppt/notesSlides/notesSlide1.xml><?xml version="1.0" encoding="utf-8"?>
+<p:notes xmlns:a="http://schemas.openxmlformats.org/drawingml/2006/main" xmlns:r="http://schemas.openxmlformats.org/officeDocument/2006/relationships" xmlns:p="http://schemas.openxmlformats.org/presentationml/2006/main">
+  <p:cSld>
+    <p:spTree>
+      <p:nvGrpSpPr>
+        <p:cNvPr id="1" name=""/>
+        <p:cNvGrpSpPr/>
+        <p:nvPr/>
+      </p:nvGrpSpPr>
+      <p:grpSpPr>
+        <a:xfrm>
+          <a:off x="0" y="0"/>
+          <a:ext cx="0" cy="0"/>
+          <a:chOff x="0" y="0"/>
+          <a:chExt cx="0" cy="0"/>
+        </a:xfrm>
+      </p:grpSpPr>
+      <p:sp>
+        <p:nvSpPr>
+          <p:cNvPr id="2" name="Slide Image Placeholder 1"/>
+          <p:cNvSpPr>
+            <a:spLocks noGrp="1" noRot="1" noChangeAspect="1"/>
+          </p:cNvSpPr>
+          <p:nvPr>
+            <p:ph type="sldImg"/>
+          </p:nvPr>
+        </p:nvSpPr>
+        <p:spPr/>
+      </p:sp>
+      <p:sp>
+        <p:nvSpPr>
+          <p:cNvPr id="3" name="Notes Placeholder 2"/>
+          <p:cNvSpPr>
+            <a:spLocks noGrp="1"/>
+          </p:cNvSpPr>
+          <p:nvPr>
+            <p:ph type="body" idx="1"/>
+          </p:nvPr>
+        </p:nvSpPr>
+        <p:spPr/>
+        <p:txBody>
+          <a:bodyPr/>
+          <a:lstStyle/>
+          <a:p>
+            <a:r>
+              <a:rPr lang="en-US" dirty="0"/>
+              <a:t>And canonical rotations to minimum value encoded bit patterns. Top right, unrotated neighbor numbering. Mid right, example of rotation from canonical encoding </a:t>
+            </a:r>
+            <a:r>
+              <a:rPr lang="en-US"/>
+              <a:t>for the adjacent </a:t>
+            </a:r>
+            <a:r>
+              <a:rPr lang="en-US" dirty="0"/>
+              <a:t>pattern.</a:t>
+            </a:r>
+          </a:p>
+        </p:txBody>
+      </p:sp>
+      <p:sp>
+        <p:nvSpPr>
+          <p:cNvPr id="4" name="Slide Number Placeholder 3"/>
+          <p:cNvSpPr>
+            <a:spLocks noGrp="1"/>
+          </p:cNvSpPr>
+          <p:nvPr>
+            <p:ph type="sldNum" sz="quarter" idx="5"/>
+          </p:nvPr>
+        </p:nvSpPr>
+        <p:spPr/>
+        <p:txBody>
+          <a:bodyPr/>
+          <a:lstStyle/>
+          <a:p>
+            <a:fld id="{3C1978B8-961C-BA46-984B-FBDF38CDB475}" type="slidenum">
+              <a:rPr lang="en-US" smtClean="0"/>
+              <a:t>3</a:t>
+            </a:fld>
+            <a:endParaRPr lang="en-US"/>
+          </a:p>
+        </p:txBody>
+      </p:sp>
+    </p:spTree>
+    <p:extLst>
+      <p:ext uri="{BB962C8B-B14F-4D97-AF65-F5344CB8AC3E}">
+        <p14:creationId xmlns:p14="http://schemas.microsoft.com/office/powerpoint/2010/main" val="4133896509"/>
+      </p:ext>
+    </p:extLst>
+  </p:cSld>
+  <p:clrMapOvr>
+    <a:masterClrMapping/>
+  </p:clrMapOvr>
+</p:notes>
 </file>
 
 <file path=ppt/slideLayouts/slideLayout1.xml><?xml version="1.0" encoding="utf-8"?>
@@ -239,7 +692,7 @@
           <a:p>
             <a:fld id="{B3C8DAF2-8992-D940-951E-CD71294AEB5F}" type="datetimeFigureOut">
               <a:rPr lang="en-US" smtClean="0"/>
-              <a:t>10/4/18</a:t>
+              <a:t>10/7/18</a:t>
             </a:fld>
             <a:endParaRPr lang="en-US"/>
           </a:p>
@@ -409,7 +862,7 @@
           <a:p>
             <a:fld id="{B3C8DAF2-8992-D940-951E-CD71294AEB5F}" type="datetimeFigureOut">
               <a:rPr lang="en-US" smtClean="0"/>
-              <a:t>10/4/18</a:t>
+              <a:t>10/7/18</a:t>
             </a:fld>
             <a:endParaRPr lang="en-US"/>
           </a:p>
@@ -589,7 +1042,7 @@
           <a:p>
             <a:fld id="{B3C8DAF2-8992-D940-951E-CD71294AEB5F}" type="datetimeFigureOut">
               <a:rPr lang="en-US" smtClean="0"/>
-              <a:t>10/4/18</a:t>
+              <a:t>10/7/18</a:t>
             </a:fld>
             <a:endParaRPr lang="en-US"/>
           </a:p>
@@ -759,7 +1212,7 @@
           <a:p>
             <a:fld id="{B3C8DAF2-8992-D940-951E-CD71294AEB5F}" type="datetimeFigureOut">
               <a:rPr lang="en-US" smtClean="0"/>
-              <a:t>10/4/18</a:t>
+              <a:t>10/7/18</a:t>
             </a:fld>
             <a:endParaRPr lang="en-US"/>
           </a:p>
@@ -1003,7 +1456,7 @@
           <a:p>
             <a:fld id="{B3C8DAF2-8992-D940-951E-CD71294AEB5F}" type="datetimeFigureOut">
               <a:rPr lang="en-US" smtClean="0"/>
-              <a:t>10/4/18</a:t>
+              <a:t>10/7/18</a:t>
             </a:fld>
             <a:endParaRPr lang="en-US"/>
           </a:p>
@@ -1235,7 +1688,7 @@
           <a:p>
             <a:fld id="{B3C8DAF2-8992-D940-951E-CD71294AEB5F}" type="datetimeFigureOut">
               <a:rPr lang="en-US" smtClean="0"/>
-              <a:t>10/4/18</a:t>
+              <a:t>10/7/18</a:t>
             </a:fld>
             <a:endParaRPr lang="en-US"/>
           </a:p>
@@ -1602,7 +2055,7 @@
           <a:p>
             <a:fld id="{B3C8DAF2-8992-D940-951E-CD71294AEB5F}" type="datetimeFigureOut">
               <a:rPr lang="en-US" smtClean="0"/>
-              <a:t>10/4/18</a:t>
+              <a:t>10/7/18</a:t>
             </a:fld>
             <a:endParaRPr lang="en-US"/>
           </a:p>
@@ -1720,7 +2173,7 @@
           <a:p>
             <a:fld id="{B3C8DAF2-8992-D940-951E-CD71294AEB5F}" type="datetimeFigureOut">
               <a:rPr lang="en-US" smtClean="0"/>
-              <a:t>10/4/18</a:t>
+              <a:t>10/7/18</a:t>
             </a:fld>
             <a:endParaRPr lang="en-US"/>
           </a:p>
@@ -1815,7 +2268,7 @@
           <a:p>
             <a:fld id="{B3C8DAF2-8992-D940-951E-CD71294AEB5F}" type="datetimeFigureOut">
               <a:rPr lang="en-US" smtClean="0"/>
-              <a:t>10/4/18</a:t>
+              <a:t>10/7/18</a:t>
             </a:fld>
             <a:endParaRPr lang="en-US"/>
           </a:p>
@@ -2092,7 +2545,7 @@
           <a:p>
             <a:fld id="{B3C8DAF2-8992-D940-951E-CD71294AEB5F}" type="datetimeFigureOut">
               <a:rPr lang="en-US" smtClean="0"/>
-              <a:t>10/4/18</a:t>
+              <a:t>10/7/18</a:t>
             </a:fld>
             <a:endParaRPr lang="en-US"/>
           </a:p>
@@ -2349,7 +2802,7 @@
           <a:p>
             <a:fld id="{B3C8DAF2-8992-D940-951E-CD71294AEB5F}" type="datetimeFigureOut">
               <a:rPr lang="en-US" smtClean="0"/>
-              <a:t>10/4/18</a:t>
+              <a:t>10/7/18</a:t>
             </a:fld>
             <a:endParaRPr lang="en-US"/>
           </a:p>
@@ -2562,7 +3015,7 @@
           <a:p>
             <a:fld id="{B3C8DAF2-8992-D940-951E-CD71294AEB5F}" type="datetimeFigureOut">
               <a:rPr lang="en-US" smtClean="0"/>
-              <a:t>10/4/18</a:t>
+              <a:t>10/7/18</a:t>
             </a:fld>
             <a:endParaRPr lang="en-US"/>
           </a:p>
@@ -7893,6 +8346,8974 @@
 </p:sld>
 </file>
 
+<file path=ppt/slides/slide3.xml><?xml version="1.0" encoding="utf-8"?>
+<p:sld xmlns:a="http://schemas.openxmlformats.org/drawingml/2006/main" xmlns:r="http://schemas.openxmlformats.org/officeDocument/2006/relationships" xmlns:p="http://schemas.openxmlformats.org/presentationml/2006/main">
+  <p:cSld>
+    <p:spTree>
+      <p:nvGrpSpPr>
+        <p:cNvPr id="1" name=""/>
+        <p:cNvGrpSpPr/>
+        <p:nvPr/>
+      </p:nvGrpSpPr>
+      <p:grpSpPr>
+        <a:xfrm>
+          <a:off x="0" y="0"/>
+          <a:ext cx="0" cy="0"/>
+          <a:chOff x="0" y="0"/>
+          <a:chExt cx="0" cy="0"/>
+        </a:xfrm>
+      </p:grpSpPr>
+      <p:sp>
+        <p:nvSpPr>
+          <p:cNvPr id="299" name="Arc 298">
+            <a:extLst>
+              <a:ext uri="{FF2B5EF4-FFF2-40B4-BE49-F238E27FC236}">
+                <a16:creationId xmlns:a16="http://schemas.microsoft.com/office/drawing/2014/main" id="{1965666B-F6FC-FF43-A54F-36818172D346}"/>
+              </a:ext>
+            </a:extLst>
+          </p:cNvPr>
+          <p:cNvSpPr/>
+          <p:nvPr/>
+        </p:nvSpPr>
+        <p:spPr>
+          <a:xfrm>
+            <a:off x="7217228" y="3042576"/>
+            <a:ext cx="1303537" cy="1164765"/>
+          </a:xfrm>
+          <a:prstGeom prst="arc">
+            <a:avLst>
+              <a:gd name="adj1" fmla="val 13368338"/>
+              <a:gd name="adj2" fmla="val 9643649"/>
+            </a:avLst>
+          </a:prstGeom>
+          <a:ln w="28575">
+            <a:solidFill>
+              <a:schemeClr val="tx1"/>
+            </a:solidFill>
+            <a:headEnd type="none" w="med" len="med"/>
+            <a:tailEnd type="triangle" w="med" len="med"/>
+          </a:ln>
+        </p:spPr>
+        <p:style>
+          <a:lnRef idx="1">
+            <a:schemeClr val="accent1"/>
+          </a:lnRef>
+          <a:fillRef idx="0">
+            <a:schemeClr val="accent1"/>
+          </a:fillRef>
+          <a:effectRef idx="0">
+            <a:schemeClr val="accent1"/>
+          </a:effectRef>
+          <a:fontRef idx="minor">
+            <a:schemeClr val="tx1"/>
+          </a:fontRef>
+        </p:style>
+        <p:txBody>
+          <a:bodyPr rtlCol="0" anchor="ctr"/>
+          <a:lstStyle/>
+          <a:p>
+            <a:pPr algn="ctr"/>
+            <a:endParaRPr lang="en-US"/>
+          </a:p>
+        </p:txBody>
+      </p:sp>
+      <p:sp>
+        <p:nvSpPr>
+          <p:cNvPr id="11" name="Oval 10">
+            <a:extLst>
+              <a:ext uri="{FF2B5EF4-FFF2-40B4-BE49-F238E27FC236}">
+                <a16:creationId xmlns:a16="http://schemas.microsoft.com/office/drawing/2014/main" id="{41EF69D4-93BB-CB4E-80DA-40E6FD2E5D7D}"/>
+              </a:ext>
+            </a:extLst>
+          </p:cNvPr>
+          <p:cNvSpPr/>
+          <p:nvPr/>
+        </p:nvSpPr>
+        <p:spPr>
+          <a:xfrm>
+            <a:off x="8324831" y="1028714"/>
+            <a:ext cx="261257" cy="272142"/>
+          </a:xfrm>
+          <a:prstGeom prst="ellipse">
+            <a:avLst/>
+          </a:prstGeom>
+          <a:ln>
+            <a:solidFill>
+              <a:srgbClr val="0070C0"/>
+            </a:solidFill>
+          </a:ln>
+        </p:spPr>
+        <p:style>
+          <a:lnRef idx="2">
+            <a:schemeClr val="accent1">
+              <a:shade val="50000"/>
+            </a:schemeClr>
+          </a:lnRef>
+          <a:fillRef idx="1">
+            <a:schemeClr val="accent1"/>
+          </a:fillRef>
+          <a:effectRef idx="0">
+            <a:schemeClr val="accent1"/>
+          </a:effectRef>
+          <a:fontRef idx="minor">
+            <a:schemeClr val="lt1"/>
+          </a:fontRef>
+        </p:style>
+        <p:txBody>
+          <a:bodyPr rtlCol="0" anchor="ctr"/>
+          <a:lstStyle/>
+          <a:p>
+            <a:pPr algn="ctr"/>
+            <a:endParaRPr lang="en-US"/>
+          </a:p>
+        </p:txBody>
+      </p:sp>
+      <p:sp>
+        <p:nvSpPr>
+          <p:cNvPr id="22" name="Oval 21">
+            <a:extLst>
+              <a:ext uri="{FF2B5EF4-FFF2-40B4-BE49-F238E27FC236}">
+                <a16:creationId xmlns:a16="http://schemas.microsoft.com/office/drawing/2014/main" id="{DEB5FA43-6ECB-4248-8034-14100D496B7B}"/>
+              </a:ext>
+            </a:extLst>
+          </p:cNvPr>
+          <p:cNvSpPr/>
+          <p:nvPr/>
+        </p:nvSpPr>
+        <p:spPr>
+          <a:xfrm>
+            <a:off x="8324835" y="1583886"/>
+            <a:ext cx="261257" cy="272142"/>
+          </a:xfrm>
+          <a:prstGeom prst="ellipse">
+            <a:avLst/>
+          </a:prstGeom>
+          <a:ln>
+            <a:solidFill>
+              <a:srgbClr val="0070C0"/>
+            </a:solidFill>
+          </a:ln>
+        </p:spPr>
+        <p:style>
+          <a:lnRef idx="2">
+            <a:schemeClr val="accent1">
+              <a:shade val="50000"/>
+            </a:schemeClr>
+          </a:lnRef>
+          <a:fillRef idx="1">
+            <a:schemeClr val="accent1"/>
+          </a:fillRef>
+          <a:effectRef idx="0">
+            <a:schemeClr val="accent1"/>
+          </a:effectRef>
+          <a:fontRef idx="minor">
+            <a:schemeClr val="lt1"/>
+          </a:fontRef>
+        </p:style>
+        <p:txBody>
+          <a:bodyPr rtlCol="0" anchor="ctr"/>
+          <a:lstStyle/>
+          <a:p>
+            <a:pPr algn="ctr"/>
+            <a:endParaRPr lang="en-US"/>
+          </a:p>
+        </p:txBody>
+      </p:sp>
+      <p:sp>
+        <p:nvSpPr>
+          <p:cNvPr id="23" name="Oval 22">
+            <a:extLst>
+              <a:ext uri="{FF2B5EF4-FFF2-40B4-BE49-F238E27FC236}">
+                <a16:creationId xmlns:a16="http://schemas.microsoft.com/office/drawing/2014/main" id="{89D2D50C-0E8D-B947-8F9C-369A2871AC63}"/>
+              </a:ext>
+            </a:extLst>
+          </p:cNvPr>
+          <p:cNvSpPr/>
+          <p:nvPr/>
+        </p:nvSpPr>
+        <p:spPr>
+          <a:xfrm>
+            <a:off x="8324831" y="2149946"/>
+            <a:ext cx="261257" cy="272142"/>
+          </a:xfrm>
+          <a:prstGeom prst="ellipse">
+            <a:avLst/>
+          </a:prstGeom>
+          <a:ln>
+            <a:solidFill>
+              <a:srgbClr val="0070C0"/>
+            </a:solidFill>
+          </a:ln>
+        </p:spPr>
+        <p:style>
+          <a:lnRef idx="2">
+            <a:schemeClr val="accent1">
+              <a:shade val="50000"/>
+            </a:schemeClr>
+          </a:lnRef>
+          <a:fillRef idx="1">
+            <a:schemeClr val="accent1"/>
+          </a:fillRef>
+          <a:effectRef idx="0">
+            <a:schemeClr val="accent1"/>
+          </a:effectRef>
+          <a:fontRef idx="minor">
+            <a:schemeClr val="lt1"/>
+          </a:fontRef>
+        </p:style>
+        <p:txBody>
+          <a:bodyPr rtlCol="0" anchor="ctr"/>
+          <a:lstStyle/>
+          <a:p>
+            <a:pPr algn="ctr"/>
+            <a:endParaRPr lang="en-US"/>
+          </a:p>
+        </p:txBody>
+      </p:sp>
+      <p:sp>
+        <p:nvSpPr>
+          <p:cNvPr id="24" name="Oval 23">
+            <a:extLst>
+              <a:ext uri="{FF2B5EF4-FFF2-40B4-BE49-F238E27FC236}">
+                <a16:creationId xmlns:a16="http://schemas.microsoft.com/office/drawing/2014/main" id="{4362FC74-7F4C-AF4C-BD82-1B17FB0473D9}"/>
+              </a:ext>
+            </a:extLst>
+          </p:cNvPr>
+          <p:cNvSpPr/>
+          <p:nvPr/>
+        </p:nvSpPr>
+        <p:spPr>
+          <a:xfrm>
+            <a:off x="7715230" y="2160829"/>
+            <a:ext cx="261257" cy="272142"/>
+          </a:xfrm>
+          <a:prstGeom prst="ellipse">
+            <a:avLst/>
+          </a:prstGeom>
+          <a:ln>
+            <a:solidFill>
+              <a:srgbClr val="0070C0"/>
+            </a:solidFill>
+          </a:ln>
+        </p:spPr>
+        <p:style>
+          <a:lnRef idx="2">
+            <a:schemeClr val="accent1">
+              <a:shade val="50000"/>
+            </a:schemeClr>
+          </a:lnRef>
+          <a:fillRef idx="1">
+            <a:schemeClr val="accent1"/>
+          </a:fillRef>
+          <a:effectRef idx="0">
+            <a:schemeClr val="accent1"/>
+          </a:effectRef>
+          <a:fontRef idx="minor">
+            <a:schemeClr val="lt1"/>
+          </a:fontRef>
+        </p:style>
+        <p:txBody>
+          <a:bodyPr rtlCol="0" anchor="ctr"/>
+          <a:lstStyle/>
+          <a:p>
+            <a:pPr algn="ctr"/>
+            <a:endParaRPr lang="en-US"/>
+          </a:p>
+        </p:txBody>
+      </p:sp>
+      <p:sp>
+        <p:nvSpPr>
+          <p:cNvPr id="25" name="Oval 24">
+            <a:extLst>
+              <a:ext uri="{FF2B5EF4-FFF2-40B4-BE49-F238E27FC236}">
+                <a16:creationId xmlns:a16="http://schemas.microsoft.com/office/drawing/2014/main" id="{9396D65F-B79A-1644-B4B4-88F77CB92A59}"/>
+              </a:ext>
+            </a:extLst>
+          </p:cNvPr>
+          <p:cNvSpPr/>
+          <p:nvPr/>
+        </p:nvSpPr>
+        <p:spPr>
+          <a:xfrm>
+            <a:off x="7094744" y="2160831"/>
+            <a:ext cx="261257" cy="272142"/>
+          </a:xfrm>
+          <a:prstGeom prst="ellipse">
+            <a:avLst/>
+          </a:prstGeom>
+          <a:ln>
+            <a:solidFill>
+              <a:srgbClr val="0070C0"/>
+            </a:solidFill>
+          </a:ln>
+        </p:spPr>
+        <p:style>
+          <a:lnRef idx="2">
+            <a:schemeClr val="accent1">
+              <a:shade val="50000"/>
+            </a:schemeClr>
+          </a:lnRef>
+          <a:fillRef idx="1">
+            <a:schemeClr val="accent1"/>
+          </a:fillRef>
+          <a:effectRef idx="0">
+            <a:schemeClr val="accent1"/>
+          </a:effectRef>
+          <a:fontRef idx="minor">
+            <a:schemeClr val="lt1"/>
+          </a:fontRef>
+        </p:style>
+        <p:txBody>
+          <a:bodyPr rtlCol="0" anchor="ctr"/>
+          <a:lstStyle/>
+          <a:p>
+            <a:pPr algn="ctr"/>
+            <a:endParaRPr lang="en-US"/>
+          </a:p>
+        </p:txBody>
+      </p:sp>
+      <p:sp>
+        <p:nvSpPr>
+          <p:cNvPr id="26" name="Oval 25">
+            <a:extLst>
+              <a:ext uri="{FF2B5EF4-FFF2-40B4-BE49-F238E27FC236}">
+                <a16:creationId xmlns:a16="http://schemas.microsoft.com/office/drawing/2014/main" id="{AF12871F-6851-3341-946B-357ADF416930}"/>
+              </a:ext>
+            </a:extLst>
+          </p:cNvPr>
+          <p:cNvSpPr/>
+          <p:nvPr/>
+        </p:nvSpPr>
+        <p:spPr>
+          <a:xfrm>
+            <a:off x="7704343" y="1028714"/>
+            <a:ext cx="261257" cy="272142"/>
+          </a:xfrm>
+          <a:prstGeom prst="ellipse">
+            <a:avLst/>
+          </a:prstGeom>
+          <a:ln>
+            <a:solidFill>
+              <a:srgbClr val="0070C0"/>
+            </a:solidFill>
+          </a:ln>
+        </p:spPr>
+        <p:style>
+          <a:lnRef idx="2">
+            <a:schemeClr val="accent1">
+              <a:shade val="50000"/>
+            </a:schemeClr>
+          </a:lnRef>
+          <a:fillRef idx="1">
+            <a:schemeClr val="accent1"/>
+          </a:fillRef>
+          <a:effectRef idx="0">
+            <a:schemeClr val="accent1"/>
+          </a:effectRef>
+          <a:fontRef idx="minor">
+            <a:schemeClr val="lt1"/>
+          </a:fontRef>
+        </p:style>
+        <p:txBody>
+          <a:bodyPr rtlCol="0" anchor="ctr"/>
+          <a:lstStyle/>
+          <a:p>
+            <a:pPr algn="ctr"/>
+            <a:endParaRPr lang="en-US"/>
+          </a:p>
+        </p:txBody>
+      </p:sp>
+      <p:sp>
+        <p:nvSpPr>
+          <p:cNvPr id="27" name="Oval 26">
+            <a:extLst>
+              <a:ext uri="{FF2B5EF4-FFF2-40B4-BE49-F238E27FC236}">
+                <a16:creationId xmlns:a16="http://schemas.microsoft.com/office/drawing/2014/main" id="{E14F3C7F-26CF-2841-9EC6-B474B6E6613D}"/>
+              </a:ext>
+            </a:extLst>
+          </p:cNvPr>
+          <p:cNvSpPr/>
+          <p:nvPr/>
+        </p:nvSpPr>
+        <p:spPr>
+          <a:xfrm>
+            <a:off x="7704347" y="1594772"/>
+            <a:ext cx="261257" cy="272142"/>
+          </a:xfrm>
+          <a:prstGeom prst="ellipse">
+            <a:avLst/>
+          </a:prstGeom>
+          <a:ln>
+            <a:solidFill>
+              <a:srgbClr val="0070C0"/>
+            </a:solidFill>
+          </a:ln>
+        </p:spPr>
+        <p:style>
+          <a:lnRef idx="2">
+            <a:schemeClr val="accent1">
+              <a:shade val="50000"/>
+            </a:schemeClr>
+          </a:lnRef>
+          <a:fillRef idx="1">
+            <a:schemeClr val="accent1"/>
+          </a:fillRef>
+          <a:effectRef idx="0">
+            <a:schemeClr val="accent1"/>
+          </a:effectRef>
+          <a:fontRef idx="minor">
+            <a:schemeClr val="lt1"/>
+          </a:fontRef>
+        </p:style>
+        <p:txBody>
+          <a:bodyPr rtlCol="0" anchor="ctr"/>
+          <a:lstStyle/>
+          <a:p>
+            <a:pPr algn="ctr"/>
+            <a:endParaRPr lang="en-US"/>
+          </a:p>
+        </p:txBody>
+      </p:sp>
+      <p:sp>
+        <p:nvSpPr>
+          <p:cNvPr id="28" name="Oval 27">
+            <a:extLst>
+              <a:ext uri="{FF2B5EF4-FFF2-40B4-BE49-F238E27FC236}">
+                <a16:creationId xmlns:a16="http://schemas.microsoft.com/office/drawing/2014/main" id="{39027E75-6167-C945-B412-F2D5D462F95F}"/>
+              </a:ext>
+            </a:extLst>
+          </p:cNvPr>
+          <p:cNvSpPr/>
+          <p:nvPr/>
+        </p:nvSpPr>
+        <p:spPr>
+          <a:xfrm>
+            <a:off x="7083854" y="1028714"/>
+            <a:ext cx="261257" cy="272142"/>
+          </a:xfrm>
+          <a:prstGeom prst="ellipse">
+            <a:avLst/>
+          </a:prstGeom>
+          <a:ln>
+            <a:solidFill>
+              <a:srgbClr val="0070C0"/>
+            </a:solidFill>
+          </a:ln>
+        </p:spPr>
+        <p:style>
+          <a:lnRef idx="2">
+            <a:schemeClr val="accent1">
+              <a:shade val="50000"/>
+            </a:schemeClr>
+          </a:lnRef>
+          <a:fillRef idx="1">
+            <a:schemeClr val="accent1"/>
+          </a:fillRef>
+          <a:effectRef idx="0">
+            <a:schemeClr val="accent1"/>
+          </a:effectRef>
+          <a:fontRef idx="minor">
+            <a:schemeClr val="lt1"/>
+          </a:fontRef>
+        </p:style>
+        <p:txBody>
+          <a:bodyPr rtlCol="0" anchor="ctr"/>
+          <a:lstStyle/>
+          <a:p>
+            <a:pPr algn="ctr"/>
+            <a:endParaRPr lang="en-US"/>
+          </a:p>
+        </p:txBody>
+      </p:sp>
+      <p:sp>
+        <p:nvSpPr>
+          <p:cNvPr id="29" name="Oval 28">
+            <a:extLst>
+              <a:ext uri="{FF2B5EF4-FFF2-40B4-BE49-F238E27FC236}">
+                <a16:creationId xmlns:a16="http://schemas.microsoft.com/office/drawing/2014/main" id="{20ECA4B4-9CFE-374D-9F29-2F9EC5095D8E}"/>
+              </a:ext>
+            </a:extLst>
+          </p:cNvPr>
+          <p:cNvSpPr/>
+          <p:nvPr/>
+        </p:nvSpPr>
+        <p:spPr>
+          <a:xfrm>
+            <a:off x="7083858" y="1605658"/>
+            <a:ext cx="261257" cy="272142"/>
+          </a:xfrm>
+          <a:prstGeom prst="ellipse">
+            <a:avLst/>
+          </a:prstGeom>
+          <a:ln>
+            <a:solidFill>
+              <a:srgbClr val="0070C0"/>
+            </a:solidFill>
+          </a:ln>
+        </p:spPr>
+        <p:style>
+          <a:lnRef idx="2">
+            <a:schemeClr val="accent1">
+              <a:shade val="50000"/>
+            </a:schemeClr>
+          </a:lnRef>
+          <a:fillRef idx="1">
+            <a:schemeClr val="accent1"/>
+          </a:fillRef>
+          <a:effectRef idx="0">
+            <a:schemeClr val="accent1"/>
+          </a:effectRef>
+          <a:fontRef idx="minor">
+            <a:schemeClr val="lt1"/>
+          </a:fontRef>
+        </p:style>
+        <p:txBody>
+          <a:bodyPr rtlCol="0" anchor="ctr"/>
+          <a:lstStyle/>
+          <a:p>
+            <a:pPr algn="ctr"/>
+            <a:endParaRPr lang="en-US"/>
+          </a:p>
+        </p:txBody>
+      </p:sp>
+      <p:sp>
+        <p:nvSpPr>
+          <p:cNvPr id="123" name="Oval 122">
+            <a:extLst>
+              <a:ext uri="{FF2B5EF4-FFF2-40B4-BE49-F238E27FC236}">
+                <a16:creationId xmlns:a16="http://schemas.microsoft.com/office/drawing/2014/main" id="{3FF8A623-DD5D-7044-A374-56FC9123D4E5}"/>
+              </a:ext>
+            </a:extLst>
+          </p:cNvPr>
+          <p:cNvSpPr/>
+          <p:nvPr/>
+        </p:nvSpPr>
+        <p:spPr>
+          <a:xfrm>
+            <a:off x="2122704" y="1039600"/>
+            <a:ext cx="261257" cy="272142"/>
+          </a:xfrm>
+          <a:prstGeom prst="ellipse">
+            <a:avLst/>
+          </a:prstGeom>
+          <a:ln>
+            <a:solidFill>
+              <a:srgbClr val="0070C0"/>
+            </a:solidFill>
+          </a:ln>
+        </p:spPr>
+        <p:style>
+          <a:lnRef idx="2">
+            <a:schemeClr val="accent1">
+              <a:shade val="50000"/>
+            </a:schemeClr>
+          </a:lnRef>
+          <a:fillRef idx="1">
+            <a:schemeClr val="accent1"/>
+          </a:fillRef>
+          <a:effectRef idx="0">
+            <a:schemeClr val="accent1"/>
+          </a:effectRef>
+          <a:fontRef idx="minor">
+            <a:schemeClr val="lt1"/>
+          </a:fontRef>
+        </p:style>
+        <p:txBody>
+          <a:bodyPr rtlCol="0" anchor="ctr"/>
+          <a:lstStyle/>
+          <a:p>
+            <a:pPr algn="ctr"/>
+            <a:endParaRPr lang="en-US"/>
+          </a:p>
+        </p:txBody>
+      </p:sp>
+      <p:sp>
+        <p:nvSpPr>
+          <p:cNvPr id="126" name="Oval 125">
+            <a:extLst>
+              <a:ext uri="{FF2B5EF4-FFF2-40B4-BE49-F238E27FC236}">
+                <a16:creationId xmlns:a16="http://schemas.microsoft.com/office/drawing/2014/main" id="{32BA3DB3-099D-CE44-95AC-EEC2E5395BA4}"/>
+              </a:ext>
+            </a:extLst>
+          </p:cNvPr>
+          <p:cNvSpPr/>
+          <p:nvPr/>
+        </p:nvSpPr>
+        <p:spPr>
+          <a:xfrm>
+            <a:off x="1510375" y="1039600"/>
+            <a:ext cx="261257" cy="272142"/>
+          </a:xfrm>
+          <a:prstGeom prst="ellipse">
+            <a:avLst/>
+          </a:prstGeom>
+          <a:solidFill>
+            <a:srgbClr val="92D050"/>
+          </a:solidFill>
+          <a:ln>
+            <a:noFill/>
+          </a:ln>
+        </p:spPr>
+        <p:style>
+          <a:lnRef idx="2">
+            <a:schemeClr val="accent1">
+              <a:shade val="50000"/>
+            </a:schemeClr>
+          </a:lnRef>
+          <a:fillRef idx="1">
+            <a:schemeClr val="accent1"/>
+          </a:fillRef>
+          <a:effectRef idx="0">
+            <a:schemeClr val="accent1"/>
+          </a:effectRef>
+          <a:fontRef idx="minor">
+            <a:schemeClr val="lt1"/>
+          </a:fontRef>
+        </p:style>
+        <p:txBody>
+          <a:bodyPr rtlCol="0" anchor="ctr"/>
+          <a:lstStyle/>
+          <a:p>
+            <a:pPr algn="ctr"/>
+            <a:endParaRPr lang="en-US"/>
+          </a:p>
+        </p:txBody>
+      </p:sp>
+      <p:sp>
+        <p:nvSpPr>
+          <p:cNvPr id="128" name="Oval 127">
+            <a:extLst>
+              <a:ext uri="{FF2B5EF4-FFF2-40B4-BE49-F238E27FC236}">
+                <a16:creationId xmlns:a16="http://schemas.microsoft.com/office/drawing/2014/main" id="{3ED25828-9D0E-574B-8F7D-017473450EE9}"/>
+              </a:ext>
+            </a:extLst>
+          </p:cNvPr>
+          <p:cNvSpPr/>
+          <p:nvPr/>
+        </p:nvSpPr>
+        <p:spPr>
+          <a:xfrm>
+            <a:off x="889886" y="1028714"/>
+            <a:ext cx="261257" cy="272142"/>
+          </a:xfrm>
+          <a:prstGeom prst="ellipse">
+            <a:avLst/>
+          </a:prstGeom>
+          <a:ln>
+            <a:solidFill>
+              <a:srgbClr val="0070C0"/>
+            </a:solidFill>
+          </a:ln>
+        </p:spPr>
+        <p:style>
+          <a:lnRef idx="2">
+            <a:schemeClr val="accent1">
+              <a:shade val="50000"/>
+            </a:schemeClr>
+          </a:lnRef>
+          <a:fillRef idx="1">
+            <a:schemeClr val="accent1"/>
+          </a:fillRef>
+          <a:effectRef idx="0">
+            <a:schemeClr val="accent1"/>
+          </a:effectRef>
+          <a:fontRef idx="minor">
+            <a:schemeClr val="lt1"/>
+          </a:fontRef>
+        </p:style>
+        <p:txBody>
+          <a:bodyPr rtlCol="0" anchor="ctr"/>
+          <a:lstStyle/>
+          <a:p>
+            <a:pPr algn="ctr"/>
+            <a:endParaRPr lang="en-US"/>
+          </a:p>
+        </p:txBody>
+      </p:sp>
+      <p:sp>
+        <p:nvSpPr>
+          <p:cNvPr id="144" name="Oval 143">
+            <a:extLst>
+              <a:ext uri="{FF2B5EF4-FFF2-40B4-BE49-F238E27FC236}">
+                <a16:creationId xmlns:a16="http://schemas.microsoft.com/office/drawing/2014/main" id="{B86ED7CD-56CB-AC42-81A5-8E22905FE10C}"/>
+              </a:ext>
+            </a:extLst>
+          </p:cNvPr>
+          <p:cNvSpPr/>
+          <p:nvPr/>
+        </p:nvSpPr>
+        <p:spPr>
+          <a:xfrm>
+            <a:off x="3567777" y="1028716"/>
+            <a:ext cx="261257" cy="272142"/>
+          </a:xfrm>
+          <a:prstGeom prst="ellipse">
+            <a:avLst/>
+          </a:prstGeom>
+          <a:ln>
+            <a:solidFill>
+              <a:srgbClr val="0070C0"/>
+            </a:solidFill>
+          </a:ln>
+        </p:spPr>
+        <p:style>
+          <a:lnRef idx="2">
+            <a:schemeClr val="accent1">
+              <a:shade val="50000"/>
+            </a:schemeClr>
+          </a:lnRef>
+          <a:fillRef idx="1">
+            <a:schemeClr val="accent1"/>
+          </a:fillRef>
+          <a:effectRef idx="0">
+            <a:schemeClr val="accent1"/>
+          </a:effectRef>
+          <a:fontRef idx="minor">
+            <a:schemeClr val="lt1"/>
+          </a:fontRef>
+        </p:style>
+        <p:txBody>
+          <a:bodyPr rtlCol="0" anchor="ctr"/>
+          <a:lstStyle/>
+          <a:p>
+            <a:pPr algn="ctr"/>
+            <a:endParaRPr lang="en-US" dirty="0"/>
+          </a:p>
+        </p:txBody>
+      </p:sp>
+      <p:sp>
+        <p:nvSpPr>
+          <p:cNvPr id="145" name="Oval 144">
+            <a:extLst>
+              <a:ext uri="{FF2B5EF4-FFF2-40B4-BE49-F238E27FC236}">
+                <a16:creationId xmlns:a16="http://schemas.microsoft.com/office/drawing/2014/main" id="{83A2D1B2-D6C2-7540-8C25-AB0C5A871C0F}"/>
+              </a:ext>
+            </a:extLst>
+          </p:cNvPr>
+          <p:cNvSpPr/>
+          <p:nvPr/>
+        </p:nvSpPr>
+        <p:spPr>
+          <a:xfrm>
+            <a:off x="2947288" y="1028716"/>
+            <a:ext cx="261257" cy="272142"/>
+          </a:xfrm>
+          <a:prstGeom prst="ellipse">
+            <a:avLst/>
+          </a:prstGeom>
+          <a:solidFill>
+            <a:srgbClr val="92D050"/>
+          </a:solidFill>
+          <a:ln>
+            <a:noFill/>
+          </a:ln>
+        </p:spPr>
+        <p:style>
+          <a:lnRef idx="2">
+            <a:schemeClr val="accent1">
+              <a:shade val="50000"/>
+            </a:schemeClr>
+          </a:lnRef>
+          <a:fillRef idx="1">
+            <a:schemeClr val="accent1"/>
+          </a:fillRef>
+          <a:effectRef idx="0">
+            <a:schemeClr val="accent1"/>
+          </a:effectRef>
+          <a:fontRef idx="minor">
+            <a:schemeClr val="lt1"/>
+          </a:fontRef>
+        </p:style>
+        <p:txBody>
+          <a:bodyPr rtlCol="0" anchor="ctr"/>
+          <a:lstStyle/>
+          <a:p>
+            <a:pPr algn="ctr"/>
+            <a:endParaRPr lang="en-US"/>
+          </a:p>
+        </p:txBody>
+      </p:sp>
+      <p:sp>
+        <p:nvSpPr>
+          <p:cNvPr id="159" name="Oval 158">
+            <a:extLst>
+              <a:ext uri="{FF2B5EF4-FFF2-40B4-BE49-F238E27FC236}">
+                <a16:creationId xmlns:a16="http://schemas.microsoft.com/office/drawing/2014/main" id="{9171D114-398B-4149-8708-EE3F57D2BF38}"/>
+              </a:ext>
+            </a:extLst>
+          </p:cNvPr>
+          <p:cNvSpPr/>
+          <p:nvPr/>
+        </p:nvSpPr>
+        <p:spPr>
+          <a:xfrm>
+            <a:off x="6256547" y="2149947"/>
+            <a:ext cx="261257" cy="272142"/>
+          </a:xfrm>
+          <a:prstGeom prst="ellipse">
+            <a:avLst/>
+          </a:prstGeom>
+          <a:ln>
+            <a:solidFill>
+              <a:srgbClr val="0070C0"/>
+            </a:solidFill>
+          </a:ln>
+        </p:spPr>
+        <p:style>
+          <a:lnRef idx="2">
+            <a:schemeClr val="accent1">
+              <a:shade val="50000"/>
+            </a:schemeClr>
+          </a:lnRef>
+          <a:fillRef idx="1">
+            <a:schemeClr val="accent1"/>
+          </a:fillRef>
+          <a:effectRef idx="0">
+            <a:schemeClr val="accent1"/>
+          </a:effectRef>
+          <a:fontRef idx="minor">
+            <a:schemeClr val="lt1"/>
+          </a:fontRef>
+        </p:style>
+        <p:txBody>
+          <a:bodyPr rtlCol="0" anchor="ctr"/>
+          <a:lstStyle/>
+          <a:p>
+            <a:pPr algn="ctr"/>
+            <a:endParaRPr lang="en-US"/>
+          </a:p>
+        </p:txBody>
+      </p:sp>
+      <p:sp>
+        <p:nvSpPr>
+          <p:cNvPr id="160" name="Oval 159">
+            <a:extLst>
+              <a:ext uri="{FF2B5EF4-FFF2-40B4-BE49-F238E27FC236}">
+                <a16:creationId xmlns:a16="http://schemas.microsoft.com/office/drawing/2014/main" id="{A568BBD2-3696-6342-A56E-A732C570F53C}"/>
+              </a:ext>
+            </a:extLst>
+          </p:cNvPr>
+          <p:cNvSpPr/>
+          <p:nvPr/>
+        </p:nvSpPr>
+        <p:spPr>
+          <a:xfrm>
+            <a:off x="5636059" y="1039601"/>
+            <a:ext cx="261257" cy="272142"/>
+          </a:xfrm>
+          <a:prstGeom prst="ellipse">
+            <a:avLst/>
+          </a:prstGeom>
+          <a:solidFill>
+            <a:srgbClr val="92D050"/>
+          </a:solidFill>
+          <a:ln>
+            <a:noFill/>
+          </a:ln>
+        </p:spPr>
+        <p:style>
+          <a:lnRef idx="2">
+            <a:schemeClr val="accent1">
+              <a:shade val="50000"/>
+            </a:schemeClr>
+          </a:lnRef>
+          <a:fillRef idx="1">
+            <a:schemeClr val="accent1"/>
+          </a:fillRef>
+          <a:effectRef idx="0">
+            <a:schemeClr val="accent1"/>
+          </a:effectRef>
+          <a:fontRef idx="minor">
+            <a:schemeClr val="lt1"/>
+          </a:fontRef>
+        </p:style>
+        <p:txBody>
+          <a:bodyPr rtlCol="0" anchor="ctr"/>
+          <a:lstStyle/>
+          <a:p>
+            <a:pPr algn="ctr"/>
+            <a:endParaRPr lang="en-US"/>
+          </a:p>
+        </p:txBody>
+      </p:sp>
+      <p:sp>
+        <p:nvSpPr>
+          <p:cNvPr id="161" name="Oval 160">
+            <a:extLst>
+              <a:ext uri="{FF2B5EF4-FFF2-40B4-BE49-F238E27FC236}">
+                <a16:creationId xmlns:a16="http://schemas.microsoft.com/office/drawing/2014/main" id="{9EDF354B-1436-2F4C-BCD4-E7649E2ADE35}"/>
+              </a:ext>
+            </a:extLst>
+          </p:cNvPr>
+          <p:cNvSpPr/>
+          <p:nvPr/>
+        </p:nvSpPr>
+        <p:spPr>
+          <a:xfrm>
+            <a:off x="5015570" y="1028715"/>
+            <a:ext cx="261257" cy="272142"/>
+          </a:xfrm>
+          <a:prstGeom prst="ellipse">
+            <a:avLst/>
+          </a:prstGeom>
+          <a:ln>
+            <a:solidFill>
+              <a:srgbClr val="0070C0"/>
+            </a:solidFill>
+          </a:ln>
+        </p:spPr>
+        <p:style>
+          <a:lnRef idx="2">
+            <a:schemeClr val="accent1">
+              <a:shade val="50000"/>
+            </a:schemeClr>
+          </a:lnRef>
+          <a:fillRef idx="1">
+            <a:schemeClr val="accent1"/>
+          </a:fillRef>
+          <a:effectRef idx="0">
+            <a:schemeClr val="accent1"/>
+          </a:effectRef>
+          <a:fontRef idx="minor">
+            <a:schemeClr val="lt1"/>
+          </a:fontRef>
+        </p:style>
+        <p:txBody>
+          <a:bodyPr rtlCol="0" anchor="ctr"/>
+          <a:lstStyle/>
+          <a:p>
+            <a:pPr algn="ctr"/>
+            <a:endParaRPr lang="en-US"/>
+          </a:p>
+        </p:txBody>
+      </p:sp>
+      <p:sp>
+        <p:nvSpPr>
+          <p:cNvPr id="162" name="Oval 161">
+            <a:extLst>
+              <a:ext uri="{FF2B5EF4-FFF2-40B4-BE49-F238E27FC236}">
+                <a16:creationId xmlns:a16="http://schemas.microsoft.com/office/drawing/2014/main" id="{8DBF6762-A6C6-6B49-8878-A75366B244DF}"/>
+              </a:ext>
+            </a:extLst>
+          </p:cNvPr>
+          <p:cNvSpPr/>
+          <p:nvPr/>
+        </p:nvSpPr>
+        <p:spPr>
+          <a:xfrm>
+            <a:off x="4177379" y="1573005"/>
+            <a:ext cx="261257" cy="272142"/>
+          </a:xfrm>
+          <a:prstGeom prst="ellipse">
+            <a:avLst/>
+          </a:prstGeom>
+          <a:ln>
+            <a:solidFill>
+              <a:srgbClr val="0070C0"/>
+            </a:solidFill>
+          </a:ln>
+        </p:spPr>
+        <p:style>
+          <a:lnRef idx="2">
+            <a:schemeClr val="accent1">
+              <a:shade val="50000"/>
+            </a:schemeClr>
+          </a:lnRef>
+          <a:fillRef idx="1">
+            <a:schemeClr val="accent1"/>
+          </a:fillRef>
+          <a:effectRef idx="0">
+            <a:schemeClr val="accent1"/>
+          </a:effectRef>
+          <a:fontRef idx="minor">
+            <a:schemeClr val="lt1"/>
+          </a:fontRef>
+        </p:style>
+        <p:txBody>
+          <a:bodyPr rtlCol="0" anchor="ctr"/>
+          <a:lstStyle/>
+          <a:p>
+            <a:pPr algn="ctr"/>
+            <a:endParaRPr lang="en-US"/>
+          </a:p>
+        </p:txBody>
+      </p:sp>
+      <p:sp>
+        <p:nvSpPr>
+          <p:cNvPr id="177" name="Oval 176">
+            <a:extLst>
+              <a:ext uri="{FF2B5EF4-FFF2-40B4-BE49-F238E27FC236}">
+                <a16:creationId xmlns:a16="http://schemas.microsoft.com/office/drawing/2014/main" id="{95D0885F-AE7F-C34C-969D-684FCA3FDBD9}"/>
+              </a:ext>
+            </a:extLst>
+          </p:cNvPr>
+          <p:cNvSpPr/>
+          <p:nvPr/>
+        </p:nvSpPr>
+        <p:spPr>
+          <a:xfrm>
+            <a:off x="1510376" y="2922830"/>
+            <a:ext cx="261257" cy="272142"/>
+          </a:xfrm>
+          <a:prstGeom prst="ellipse">
+            <a:avLst/>
+          </a:prstGeom>
+          <a:ln>
+            <a:solidFill>
+              <a:srgbClr val="0070C0"/>
+            </a:solidFill>
+          </a:ln>
+        </p:spPr>
+        <p:style>
+          <a:lnRef idx="2">
+            <a:schemeClr val="accent1">
+              <a:shade val="50000"/>
+            </a:schemeClr>
+          </a:lnRef>
+          <a:fillRef idx="1">
+            <a:schemeClr val="accent1"/>
+          </a:fillRef>
+          <a:effectRef idx="0">
+            <a:schemeClr val="accent1"/>
+          </a:effectRef>
+          <a:fontRef idx="minor">
+            <a:schemeClr val="lt1"/>
+          </a:fontRef>
+        </p:style>
+        <p:txBody>
+          <a:bodyPr rtlCol="0" anchor="ctr"/>
+          <a:lstStyle/>
+          <a:p>
+            <a:pPr algn="ctr"/>
+            <a:endParaRPr lang="en-US"/>
+          </a:p>
+        </p:txBody>
+      </p:sp>
+      <p:sp>
+        <p:nvSpPr>
+          <p:cNvPr id="178" name="Oval 177">
+            <a:extLst>
+              <a:ext uri="{FF2B5EF4-FFF2-40B4-BE49-F238E27FC236}">
+                <a16:creationId xmlns:a16="http://schemas.microsoft.com/office/drawing/2014/main" id="{09C42C37-27F3-D742-861C-2EEB0BA2CB99}"/>
+              </a:ext>
+            </a:extLst>
+          </p:cNvPr>
+          <p:cNvSpPr/>
+          <p:nvPr/>
+        </p:nvSpPr>
+        <p:spPr>
+          <a:xfrm>
+            <a:off x="900773" y="2922830"/>
+            <a:ext cx="261257" cy="272142"/>
+          </a:xfrm>
+          <a:prstGeom prst="ellipse">
+            <a:avLst/>
+          </a:prstGeom>
+          <a:solidFill>
+            <a:srgbClr val="92D050"/>
+          </a:solidFill>
+          <a:ln>
+            <a:noFill/>
+          </a:ln>
+        </p:spPr>
+        <p:style>
+          <a:lnRef idx="2">
+            <a:schemeClr val="accent1">
+              <a:shade val="50000"/>
+            </a:schemeClr>
+          </a:lnRef>
+          <a:fillRef idx="1">
+            <a:schemeClr val="accent1"/>
+          </a:fillRef>
+          <a:effectRef idx="0">
+            <a:schemeClr val="accent1"/>
+          </a:effectRef>
+          <a:fontRef idx="minor">
+            <a:schemeClr val="lt1"/>
+          </a:fontRef>
+        </p:style>
+        <p:txBody>
+          <a:bodyPr rtlCol="0" anchor="ctr"/>
+          <a:lstStyle/>
+          <a:p>
+            <a:pPr algn="ctr"/>
+            <a:endParaRPr lang="en-US"/>
+          </a:p>
+        </p:txBody>
+      </p:sp>
+      <p:sp>
+        <p:nvSpPr>
+          <p:cNvPr id="192" name="Oval 191">
+            <a:extLst>
+              <a:ext uri="{FF2B5EF4-FFF2-40B4-BE49-F238E27FC236}">
+                <a16:creationId xmlns:a16="http://schemas.microsoft.com/office/drawing/2014/main" id="{491792EA-31E2-A44B-AB20-29397FD94E26}"/>
+              </a:ext>
+            </a:extLst>
+          </p:cNvPr>
+          <p:cNvSpPr/>
+          <p:nvPr/>
+        </p:nvSpPr>
+        <p:spPr>
+          <a:xfrm>
+            <a:off x="3567778" y="2922832"/>
+            <a:ext cx="261257" cy="272142"/>
+          </a:xfrm>
+          <a:prstGeom prst="ellipse">
+            <a:avLst/>
+          </a:prstGeom>
+          <a:solidFill>
+            <a:srgbClr val="92D050"/>
+          </a:solidFill>
+          <a:ln>
+            <a:noFill/>
+          </a:ln>
+        </p:spPr>
+        <p:style>
+          <a:lnRef idx="2">
+            <a:schemeClr val="accent1">
+              <a:shade val="50000"/>
+            </a:schemeClr>
+          </a:lnRef>
+          <a:fillRef idx="1">
+            <a:schemeClr val="accent1"/>
+          </a:fillRef>
+          <a:effectRef idx="0">
+            <a:schemeClr val="accent1"/>
+          </a:effectRef>
+          <a:fontRef idx="minor">
+            <a:schemeClr val="lt1"/>
+          </a:fontRef>
+        </p:style>
+        <p:txBody>
+          <a:bodyPr rtlCol="0" anchor="ctr"/>
+          <a:lstStyle/>
+          <a:p>
+            <a:pPr algn="ctr"/>
+            <a:endParaRPr lang="en-US"/>
+          </a:p>
+        </p:txBody>
+      </p:sp>
+      <p:sp>
+        <p:nvSpPr>
+          <p:cNvPr id="193" name="Oval 192">
+            <a:extLst>
+              <a:ext uri="{FF2B5EF4-FFF2-40B4-BE49-F238E27FC236}">
+                <a16:creationId xmlns:a16="http://schemas.microsoft.com/office/drawing/2014/main" id="{0CFB99ED-D569-EC4D-AFC1-DFEF5F288127}"/>
+              </a:ext>
+            </a:extLst>
+          </p:cNvPr>
+          <p:cNvSpPr/>
+          <p:nvPr/>
+        </p:nvSpPr>
+        <p:spPr>
+          <a:xfrm>
+            <a:off x="2947289" y="2922832"/>
+            <a:ext cx="261257" cy="272142"/>
+          </a:xfrm>
+          <a:prstGeom prst="ellipse">
+            <a:avLst/>
+          </a:prstGeom>
+          <a:ln>
+            <a:solidFill>
+              <a:srgbClr val="0070C0"/>
+            </a:solidFill>
+          </a:ln>
+        </p:spPr>
+        <p:style>
+          <a:lnRef idx="2">
+            <a:schemeClr val="accent1">
+              <a:shade val="50000"/>
+            </a:schemeClr>
+          </a:lnRef>
+          <a:fillRef idx="1">
+            <a:schemeClr val="accent1"/>
+          </a:fillRef>
+          <a:effectRef idx="0">
+            <a:schemeClr val="accent1"/>
+          </a:effectRef>
+          <a:fontRef idx="minor">
+            <a:schemeClr val="lt1"/>
+          </a:fontRef>
+        </p:style>
+        <p:txBody>
+          <a:bodyPr rtlCol="0" anchor="ctr"/>
+          <a:lstStyle/>
+          <a:p>
+            <a:pPr algn="ctr"/>
+            <a:endParaRPr lang="en-US"/>
+          </a:p>
+        </p:txBody>
+      </p:sp>
+      <p:sp>
+        <p:nvSpPr>
+          <p:cNvPr id="207" name="Oval 206">
+            <a:extLst>
+              <a:ext uri="{FF2B5EF4-FFF2-40B4-BE49-F238E27FC236}">
+                <a16:creationId xmlns:a16="http://schemas.microsoft.com/office/drawing/2014/main" id="{B1250386-6B5B-5047-84AF-7528A7D30E1C}"/>
+              </a:ext>
+            </a:extLst>
+          </p:cNvPr>
+          <p:cNvSpPr/>
+          <p:nvPr/>
+        </p:nvSpPr>
+        <p:spPr>
+          <a:xfrm>
+            <a:off x="5018292" y="3456232"/>
+            <a:ext cx="261257" cy="272142"/>
+          </a:xfrm>
+          <a:prstGeom prst="ellipse">
+            <a:avLst/>
+          </a:prstGeom>
+          <a:ln>
+            <a:solidFill>
+              <a:srgbClr val="0070C0"/>
+            </a:solidFill>
+          </a:ln>
+        </p:spPr>
+        <p:style>
+          <a:lnRef idx="2">
+            <a:schemeClr val="accent1">
+              <a:shade val="50000"/>
+            </a:schemeClr>
+          </a:lnRef>
+          <a:fillRef idx="1">
+            <a:schemeClr val="accent1"/>
+          </a:fillRef>
+          <a:effectRef idx="0">
+            <a:schemeClr val="accent1"/>
+          </a:effectRef>
+          <a:fontRef idx="minor">
+            <a:schemeClr val="lt1"/>
+          </a:fontRef>
+        </p:style>
+        <p:txBody>
+          <a:bodyPr rtlCol="0" anchor="ctr"/>
+          <a:lstStyle/>
+          <a:p>
+            <a:pPr algn="ctr"/>
+            <a:endParaRPr lang="en-US"/>
+          </a:p>
+        </p:txBody>
+      </p:sp>
+      <p:sp>
+        <p:nvSpPr>
+          <p:cNvPr id="208" name="Oval 207">
+            <a:extLst>
+              <a:ext uri="{FF2B5EF4-FFF2-40B4-BE49-F238E27FC236}">
+                <a16:creationId xmlns:a16="http://schemas.microsoft.com/office/drawing/2014/main" id="{30FC9A80-6766-1143-B936-7EDF8FE0C4C0}"/>
+              </a:ext>
+            </a:extLst>
+          </p:cNvPr>
+          <p:cNvSpPr/>
+          <p:nvPr/>
+        </p:nvSpPr>
+        <p:spPr>
+          <a:xfrm>
+            <a:off x="5636060" y="2922831"/>
+            <a:ext cx="261257" cy="272142"/>
+          </a:xfrm>
+          <a:prstGeom prst="ellipse">
+            <a:avLst/>
+          </a:prstGeom>
+          <a:ln>
+            <a:solidFill>
+              <a:srgbClr val="0070C0"/>
+            </a:solidFill>
+          </a:ln>
+        </p:spPr>
+        <p:style>
+          <a:lnRef idx="2">
+            <a:schemeClr val="accent1">
+              <a:shade val="50000"/>
+            </a:schemeClr>
+          </a:lnRef>
+          <a:fillRef idx="1">
+            <a:schemeClr val="accent1"/>
+          </a:fillRef>
+          <a:effectRef idx="0">
+            <a:schemeClr val="accent1"/>
+          </a:effectRef>
+          <a:fontRef idx="minor">
+            <a:schemeClr val="lt1"/>
+          </a:fontRef>
+        </p:style>
+        <p:txBody>
+          <a:bodyPr rtlCol="0" anchor="ctr"/>
+          <a:lstStyle/>
+          <a:p>
+            <a:pPr algn="ctr"/>
+            <a:endParaRPr lang="en-US"/>
+          </a:p>
+        </p:txBody>
+      </p:sp>
+      <p:sp>
+        <p:nvSpPr>
+          <p:cNvPr id="209" name="Oval 208">
+            <a:extLst>
+              <a:ext uri="{FF2B5EF4-FFF2-40B4-BE49-F238E27FC236}">
+                <a16:creationId xmlns:a16="http://schemas.microsoft.com/office/drawing/2014/main" id="{BC5316DE-FDAD-D24B-ADFA-4B396207F48D}"/>
+              </a:ext>
+            </a:extLst>
+          </p:cNvPr>
+          <p:cNvSpPr/>
+          <p:nvPr/>
+        </p:nvSpPr>
+        <p:spPr>
+          <a:xfrm>
+            <a:off x="5015571" y="2911945"/>
+            <a:ext cx="261257" cy="272142"/>
+          </a:xfrm>
+          <a:prstGeom prst="ellipse">
+            <a:avLst/>
+          </a:prstGeom>
+          <a:solidFill>
+            <a:srgbClr val="92D050"/>
+          </a:solidFill>
+          <a:ln>
+            <a:noFill/>
+          </a:ln>
+        </p:spPr>
+        <p:style>
+          <a:lnRef idx="2">
+            <a:schemeClr val="accent1">
+              <a:shade val="50000"/>
+            </a:schemeClr>
+          </a:lnRef>
+          <a:fillRef idx="1">
+            <a:schemeClr val="accent1"/>
+          </a:fillRef>
+          <a:effectRef idx="0">
+            <a:schemeClr val="accent1"/>
+          </a:effectRef>
+          <a:fontRef idx="minor">
+            <a:schemeClr val="lt1"/>
+          </a:fontRef>
+        </p:style>
+        <p:txBody>
+          <a:bodyPr rtlCol="0" anchor="ctr"/>
+          <a:lstStyle/>
+          <a:p>
+            <a:pPr algn="ctr"/>
+            <a:endParaRPr lang="en-US"/>
+          </a:p>
+        </p:txBody>
+      </p:sp>
+      <p:sp>
+        <p:nvSpPr>
+          <p:cNvPr id="210" name="Oval 209">
+            <a:extLst>
+              <a:ext uri="{FF2B5EF4-FFF2-40B4-BE49-F238E27FC236}">
+                <a16:creationId xmlns:a16="http://schemas.microsoft.com/office/drawing/2014/main" id="{E5F243BE-073B-3C46-987F-D8B6C2099698}"/>
+              </a:ext>
+            </a:extLst>
+          </p:cNvPr>
+          <p:cNvSpPr/>
+          <p:nvPr/>
+        </p:nvSpPr>
+        <p:spPr>
+          <a:xfrm>
+            <a:off x="2947288" y="4033183"/>
+            <a:ext cx="261257" cy="272142"/>
+          </a:xfrm>
+          <a:prstGeom prst="ellipse">
+            <a:avLst/>
+          </a:prstGeom>
+          <a:ln>
+            <a:solidFill>
+              <a:srgbClr val="0070C0"/>
+            </a:solidFill>
+          </a:ln>
+        </p:spPr>
+        <p:style>
+          <a:lnRef idx="2">
+            <a:schemeClr val="accent1">
+              <a:shade val="50000"/>
+            </a:schemeClr>
+          </a:lnRef>
+          <a:fillRef idx="1">
+            <a:schemeClr val="accent1"/>
+          </a:fillRef>
+          <a:effectRef idx="0">
+            <a:schemeClr val="accent1"/>
+          </a:effectRef>
+          <a:fontRef idx="minor">
+            <a:schemeClr val="lt1"/>
+          </a:fontRef>
+        </p:style>
+        <p:txBody>
+          <a:bodyPr rtlCol="0" anchor="ctr"/>
+          <a:lstStyle/>
+          <a:p>
+            <a:pPr algn="ctr"/>
+            <a:endParaRPr lang="en-US"/>
+          </a:p>
+        </p:txBody>
+      </p:sp>
+      <p:sp>
+        <p:nvSpPr>
+          <p:cNvPr id="211" name="Oval 210">
+            <a:extLst>
+              <a:ext uri="{FF2B5EF4-FFF2-40B4-BE49-F238E27FC236}">
+                <a16:creationId xmlns:a16="http://schemas.microsoft.com/office/drawing/2014/main" id="{185ADE79-A96A-554C-B764-A346EEC814E3}"/>
+              </a:ext>
+            </a:extLst>
+          </p:cNvPr>
+          <p:cNvSpPr/>
+          <p:nvPr/>
+        </p:nvSpPr>
+        <p:spPr>
+          <a:xfrm>
+            <a:off x="1510371" y="4033186"/>
+            <a:ext cx="261257" cy="272142"/>
+          </a:xfrm>
+          <a:prstGeom prst="ellipse">
+            <a:avLst/>
+          </a:prstGeom>
+          <a:ln>
+            <a:solidFill>
+              <a:srgbClr val="0070C0"/>
+            </a:solidFill>
+          </a:ln>
+        </p:spPr>
+        <p:style>
+          <a:lnRef idx="2">
+            <a:schemeClr val="accent1">
+              <a:shade val="50000"/>
+            </a:schemeClr>
+          </a:lnRef>
+          <a:fillRef idx="1">
+            <a:schemeClr val="accent1"/>
+          </a:fillRef>
+          <a:effectRef idx="0">
+            <a:schemeClr val="accent1"/>
+          </a:effectRef>
+          <a:fontRef idx="minor">
+            <a:schemeClr val="lt1"/>
+          </a:fontRef>
+        </p:style>
+        <p:txBody>
+          <a:bodyPr rtlCol="0" anchor="ctr"/>
+          <a:lstStyle/>
+          <a:p>
+            <a:pPr algn="ctr"/>
+            <a:endParaRPr lang="en-US"/>
+          </a:p>
+        </p:txBody>
+      </p:sp>
+      <p:sp>
+        <p:nvSpPr>
+          <p:cNvPr id="225" name="Oval 224">
+            <a:extLst>
+              <a:ext uri="{FF2B5EF4-FFF2-40B4-BE49-F238E27FC236}">
+                <a16:creationId xmlns:a16="http://schemas.microsoft.com/office/drawing/2014/main" id="{24881445-DDAB-FC44-8E35-8DE5904911CC}"/>
+              </a:ext>
+            </a:extLst>
+          </p:cNvPr>
+          <p:cNvSpPr/>
+          <p:nvPr/>
+        </p:nvSpPr>
+        <p:spPr>
+          <a:xfrm>
+            <a:off x="6245666" y="4795171"/>
+            <a:ext cx="261257" cy="272142"/>
+          </a:xfrm>
+          <a:prstGeom prst="ellipse">
+            <a:avLst/>
+          </a:prstGeom>
+          <a:ln>
+            <a:solidFill>
+              <a:srgbClr val="0070C0"/>
+            </a:solidFill>
+          </a:ln>
+        </p:spPr>
+        <p:style>
+          <a:lnRef idx="2">
+            <a:schemeClr val="accent1">
+              <a:shade val="50000"/>
+            </a:schemeClr>
+          </a:lnRef>
+          <a:fillRef idx="1">
+            <a:schemeClr val="accent1"/>
+          </a:fillRef>
+          <a:effectRef idx="0">
+            <a:schemeClr val="accent1"/>
+          </a:effectRef>
+          <a:fontRef idx="minor">
+            <a:schemeClr val="lt1"/>
+          </a:fontRef>
+        </p:style>
+        <p:txBody>
+          <a:bodyPr rtlCol="0" anchor="ctr"/>
+          <a:lstStyle/>
+          <a:p>
+            <a:pPr algn="ctr"/>
+            <a:endParaRPr lang="en-US"/>
+          </a:p>
+        </p:txBody>
+      </p:sp>
+      <p:sp>
+        <p:nvSpPr>
+          <p:cNvPr id="226" name="Oval 225">
+            <a:extLst>
+              <a:ext uri="{FF2B5EF4-FFF2-40B4-BE49-F238E27FC236}">
+                <a16:creationId xmlns:a16="http://schemas.microsoft.com/office/drawing/2014/main" id="{36419987-565A-AD46-837F-8C2FFF02AA74}"/>
+              </a:ext>
+            </a:extLst>
+          </p:cNvPr>
+          <p:cNvSpPr/>
+          <p:nvPr/>
+        </p:nvSpPr>
+        <p:spPr>
+          <a:xfrm>
+            <a:off x="900773" y="4784286"/>
+            <a:ext cx="261257" cy="272142"/>
+          </a:xfrm>
+          <a:prstGeom prst="ellipse">
+            <a:avLst/>
+          </a:prstGeom>
+          <a:solidFill>
+            <a:srgbClr val="0070C0"/>
+          </a:solidFill>
+          <a:ln>
+            <a:solidFill>
+              <a:schemeClr val="accent1"/>
+            </a:solidFill>
+          </a:ln>
+        </p:spPr>
+        <p:style>
+          <a:lnRef idx="2">
+            <a:schemeClr val="accent1">
+              <a:shade val="50000"/>
+            </a:schemeClr>
+          </a:lnRef>
+          <a:fillRef idx="1">
+            <a:schemeClr val="accent1"/>
+          </a:fillRef>
+          <a:effectRef idx="0">
+            <a:schemeClr val="accent1"/>
+          </a:effectRef>
+          <a:fontRef idx="minor">
+            <a:schemeClr val="lt1"/>
+          </a:fontRef>
+        </p:style>
+        <p:txBody>
+          <a:bodyPr rtlCol="0" anchor="ctr"/>
+          <a:lstStyle/>
+          <a:p>
+            <a:pPr algn="ctr"/>
+            <a:endParaRPr lang="en-US"/>
+          </a:p>
+        </p:txBody>
+      </p:sp>
+      <p:sp>
+        <p:nvSpPr>
+          <p:cNvPr id="240" name="Oval 239">
+            <a:extLst>
+              <a:ext uri="{FF2B5EF4-FFF2-40B4-BE49-F238E27FC236}">
+                <a16:creationId xmlns:a16="http://schemas.microsoft.com/office/drawing/2014/main" id="{65E1A353-B9CA-CE49-AC14-D89107FAB03C}"/>
+              </a:ext>
+            </a:extLst>
+          </p:cNvPr>
+          <p:cNvSpPr/>
+          <p:nvPr/>
+        </p:nvSpPr>
+        <p:spPr>
+          <a:xfrm>
+            <a:off x="2130869" y="4795172"/>
+            <a:ext cx="261257" cy="272142"/>
+          </a:xfrm>
+          <a:prstGeom prst="ellipse">
+            <a:avLst/>
+          </a:prstGeom>
+          <a:solidFill>
+            <a:srgbClr val="92D050"/>
+          </a:solidFill>
+          <a:ln>
+            <a:noFill/>
+          </a:ln>
+        </p:spPr>
+        <p:style>
+          <a:lnRef idx="2">
+            <a:schemeClr val="accent1">
+              <a:shade val="50000"/>
+            </a:schemeClr>
+          </a:lnRef>
+          <a:fillRef idx="1">
+            <a:schemeClr val="accent1"/>
+          </a:fillRef>
+          <a:effectRef idx="0">
+            <a:schemeClr val="accent1"/>
+          </a:effectRef>
+          <a:fontRef idx="minor">
+            <a:schemeClr val="lt1"/>
+          </a:fontRef>
+        </p:style>
+        <p:txBody>
+          <a:bodyPr rtlCol="0" anchor="ctr"/>
+          <a:lstStyle/>
+          <a:p>
+            <a:pPr algn="ctr"/>
+            <a:endParaRPr lang="en-US"/>
+          </a:p>
+        </p:txBody>
+      </p:sp>
+      <p:sp>
+        <p:nvSpPr>
+          <p:cNvPr id="241" name="Oval 240">
+            <a:extLst>
+              <a:ext uri="{FF2B5EF4-FFF2-40B4-BE49-F238E27FC236}">
+                <a16:creationId xmlns:a16="http://schemas.microsoft.com/office/drawing/2014/main" id="{5AF46863-D9B7-1644-8DF1-E633799C57E7}"/>
+              </a:ext>
+            </a:extLst>
+          </p:cNvPr>
+          <p:cNvSpPr/>
+          <p:nvPr/>
+        </p:nvSpPr>
+        <p:spPr>
+          <a:xfrm>
+            <a:off x="5015570" y="4784287"/>
+            <a:ext cx="261257" cy="272142"/>
+          </a:xfrm>
+          <a:prstGeom prst="ellipse">
+            <a:avLst/>
+          </a:prstGeom>
+          <a:ln>
+            <a:solidFill>
+              <a:srgbClr val="0070C0"/>
+            </a:solidFill>
+          </a:ln>
+        </p:spPr>
+        <p:style>
+          <a:lnRef idx="2">
+            <a:schemeClr val="accent1">
+              <a:shade val="50000"/>
+            </a:schemeClr>
+          </a:lnRef>
+          <a:fillRef idx="1">
+            <a:schemeClr val="accent1"/>
+          </a:fillRef>
+          <a:effectRef idx="0">
+            <a:schemeClr val="accent1"/>
+          </a:effectRef>
+          <a:fontRef idx="minor">
+            <a:schemeClr val="lt1"/>
+          </a:fontRef>
+        </p:style>
+        <p:txBody>
+          <a:bodyPr rtlCol="0" anchor="ctr"/>
+          <a:lstStyle/>
+          <a:p>
+            <a:pPr algn="ctr"/>
+            <a:endParaRPr lang="en-US"/>
+          </a:p>
+        </p:txBody>
+      </p:sp>
+      <p:sp>
+        <p:nvSpPr>
+          <p:cNvPr id="255" name="Oval 254">
+            <a:extLst>
+              <a:ext uri="{FF2B5EF4-FFF2-40B4-BE49-F238E27FC236}">
+                <a16:creationId xmlns:a16="http://schemas.microsoft.com/office/drawing/2014/main" id="{0A390A49-932A-994C-93F4-005433CCE797}"/>
+              </a:ext>
+            </a:extLst>
+          </p:cNvPr>
+          <p:cNvSpPr/>
+          <p:nvPr/>
+        </p:nvSpPr>
+        <p:spPr>
+          <a:xfrm>
+            <a:off x="8324828" y="5355783"/>
+            <a:ext cx="261257" cy="272142"/>
+          </a:xfrm>
+          <a:prstGeom prst="ellipse">
+            <a:avLst/>
+          </a:prstGeom>
+          <a:ln>
+            <a:solidFill>
+              <a:srgbClr val="0070C0"/>
+            </a:solidFill>
+          </a:ln>
+        </p:spPr>
+        <p:style>
+          <a:lnRef idx="2">
+            <a:schemeClr val="accent1">
+              <a:shade val="50000"/>
+            </a:schemeClr>
+          </a:lnRef>
+          <a:fillRef idx="1">
+            <a:schemeClr val="accent1"/>
+          </a:fillRef>
+          <a:effectRef idx="0">
+            <a:schemeClr val="accent1"/>
+          </a:effectRef>
+          <a:fontRef idx="minor">
+            <a:schemeClr val="lt1"/>
+          </a:fontRef>
+        </p:style>
+        <p:txBody>
+          <a:bodyPr rtlCol="0" anchor="ctr"/>
+          <a:lstStyle/>
+          <a:p>
+            <a:pPr algn="ctr"/>
+            <a:endParaRPr lang="en-US"/>
+          </a:p>
+        </p:txBody>
+      </p:sp>
+      <p:sp>
+        <p:nvSpPr>
+          <p:cNvPr id="256" name="Oval 255">
+            <a:extLst>
+              <a:ext uri="{FF2B5EF4-FFF2-40B4-BE49-F238E27FC236}">
+                <a16:creationId xmlns:a16="http://schemas.microsoft.com/office/drawing/2014/main" id="{6E3427F1-36DF-0640-ABD1-1BC929D9B725}"/>
+              </a:ext>
+            </a:extLst>
+          </p:cNvPr>
+          <p:cNvSpPr/>
+          <p:nvPr/>
+        </p:nvSpPr>
+        <p:spPr>
+          <a:xfrm>
+            <a:off x="7704349" y="5905516"/>
+            <a:ext cx="261257" cy="272142"/>
+          </a:xfrm>
+          <a:prstGeom prst="ellipse">
+            <a:avLst/>
+          </a:prstGeom>
+          <a:ln>
+            <a:solidFill>
+              <a:srgbClr val="0070C0"/>
+            </a:solidFill>
+          </a:ln>
+        </p:spPr>
+        <p:style>
+          <a:lnRef idx="2">
+            <a:schemeClr val="accent1">
+              <a:shade val="50000"/>
+            </a:schemeClr>
+          </a:lnRef>
+          <a:fillRef idx="1">
+            <a:schemeClr val="accent1"/>
+          </a:fillRef>
+          <a:effectRef idx="0">
+            <a:schemeClr val="accent1"/>
+          </a:effectRef>
+          <a:fontRef idx="minor">
+            <a:schemeClr val="lt1"/>
+          </a:fontRef>
+        </p:style>
+        <p:txBody>
+          <a:bodyPr rtlCol="0" anchor="ctr"/>
+          <a:lstStyle/>
+          <a:p>
+            <a:pPr algn="ctr"/>
+            <a:endParaRPr lang="en-US"/>
+          </a:p>
+        </p:txBody>
+      </p:sp>
+      <p:sp>
+        <p:nvSpPr>
+          <p:cNvPr id="257" name="Oval 256">
+            <a:extLst>
+              <a:ext uri="{FF2B5EF4-FFF2-40B4-BE49-F238E27FC236}">
+                <a16:creationId xmlns:a16="http://schemas.microsoft.com/office/drawing/2014/main" id="{1C83C733-6D81-1A4D-948E-003A2B525191}"/>
+              </a:ext>
+            </a:extLst>
+          </p:cNvPr>
+          <p:cNvSpPr/>
+          <p:nvPr/>
+        </p:nvSpPr>
+        <p:spPr>
+          <a:xfrm>
+            <a:off x="7083852" y="4784286"/>
+            <a:ext cx="261257" cy="272142"/>
+          </a:xfrm>
+          <a:prstGeom prst="ellipse">
+            <a:avLst/>
+          </a:prstGeom>
+          <a:solidFill>
+            <a:srgbClr val="92D050"/>
+          </a:solidFill>
+          <a:ln>
+            <a:noFill/>
+          </a:ln>
+        </p:spPr>
+        <p:style>
+          <a:lnRef idx="2">
+            <a:schemeClr val="accent1">
+              <a:shade val="50000"/>
+            </a:schemeClr>
+          </a:lnRef>
+          <a:fillRef idx="1">
+            <a:schemeClr val="accent1"/>
+          </a:fillRef>
+          <a:effectRef idx="0">
+            <a:schemeClr val="accent1"/>
+          </a:effectRef>
+          <a:fontRef idx="minor">
+            <a:schemeClr val="lt1"/>
+          </a:fontRef>
+        </p:style>
+        <p:txBody>
+          <a:bodyPr rtlCol="0" anchor="ctr"/>
+          <a:lstStyle/>
+          <a:p>
+            <a:pPr algn="ctr"/>
+            <a:endParaRPr lang="en-US"/>
+          </a:p>
+        </p:txBody>
+      </p:sp>
+      <p:sp>
+        <p:nvSpPr>
+          <p:cNvPr id="258" name="Oval 257">
+            <a:extLst>
+              <a:ext uri="{FF2B5EF4-FFF2-40B4-BE49-F238E27FC236}">
+                <a16:creationId xmlns:a16="http://schemas.microsoft.com/office/drawing/2014/main" id="{FD0C4DC7-47A3-5847-AC41-BCD39AC44278}"/>
+              </a:ext>
+            </a:extLst>
+          </p:cNvPr>
+          <p:cNvSpPr/>
+          <p:nvPr/>
+        </p:nvSpPr>
+        <p:spPr>
+          <a:xfrm>
+            <a:off x="2141755" y="5905528"/>
+            <a:ext cx="261257" cy="272142"/>
+          </a:xfrm>
+          <a:prstGeom prst="ellipse">
+            <a:avLst/>
+          </a:prstGeom>
+          <a:ln>
+            <a:solidFill>
+              <a:srgbClr val="0070C0"/>
+            </a:solidFill>
+          </a:ln>
+        </p:spPr>
+        <p:style>
+          <a:lnRef idx="2">
+            <a:schemeClr val="accent1">
+              <a:shade val="50000"/>
+            </a:schemeClr>
+          </a:lnRef>
+          <a:fillRef idx="1">
+            <a:schemeClr val="accent1"/>
+          </a:fillRef>
+          <a:effectRef idx="0">
+            <a:schemeClr val="accent1"/>
+          </a:effectRef>
+          <a:fontRef idx="minor">
+            <a:schemeClr val="lt1"/>
+          </a:fontRef>
+        </p:style>
+        <p:txBody>
+          <a:bodyPr rtlCol="0" anchor="ctr"/>
+          <a:lstStyle/>
+          <a:p>
+            <a:pPr algn="ctr"/>
+            <a:endParaRPr lang="en-US"/>
+          </a:p>
+        </p:txBody>
+      </p:sp>
+      <p:sp>
+        <p:nvSpPr>
+          <p:cNvPr id="259" name="Oval 258">
+            <a:extLst>
+              <a:ext uri="{FF2B5EF4-FFF2-40B4-BE49-F238E27FC236}">
+                <a16:creationId xmlns:a16="http://schemas.microsoft.com/office/drawing/2014/main" id="{93B61015-35A3-FD42-A472-9F376D0EDA6D}"/>
+              </a:ext>
+            </a:extLst>
+          </p:cNvPr>
+          <p:cNvSpPr/>
+          <p:nvPr/>
+        </p:nvSpPr>
+        <p:spPr>
+          <a:xfrm>
+            <a:off x="5625171" y="5905518"/>
+            <a:ext cx="261257" cy="272142"/>
+          </a:xfrm>
+          <a:prstGeom prst="ellipse">
+            <a:avLst/>
+          </a:prstGeom>
+          <a:solidFill>
+            <a:srgbClr val="92D050"/>
+          </a:solidFill>
+          <a:ln>
+            <a:noFill/>
+          </a:ln>
+        </p:spPr>
+        <p:style>
+          <a:lnRef idx="2">
+            <a:schemeClr val="accent1">
+              <a:shade val="50000"/>
+            </a:schemeClr>
+          </a:lnRef>
+          <a:fillRef idx="1">
+            <a:schemeClr val="accent1"/>
+          </a:fillRef>
+          <a:effectRef idx="0">
+            <a:schemeClr val="accent1"/>
+          </a:effectRef>
+          <a:fontRef idx="minor">
+            <a:schemeClr val="lt1"/>
+          </a:fontRef>
+        </p:style>
+        <p:txBody>
+          <a:bodyPr rtlCol="0" anchor="ctr"/>
+          <a:lstStyle/>
+          <a:p>
+            <a:pPr algn="ctr"/>
+            <a:endParaRPr lang="en-US"/>
+          </a:p>
+        </p:txBody>
+      </p:sp>
+      <p:sp>
+        <p:nvSpPr>
+          <p:cNvPr id="273" name="Oval 272">
+            <a:extLst>
+              <a:ext uri="{FF2B5EF4-FFF2-40B4-BE49-F238E27FC236}">
+                <a16:creationId xmlns:a16="http://schemas.microsoft.com/office/drawing/2014/main" id="{3E413C3D-2C12-0C45-AC29-52E8D0CF4BB8}"/>
+              </a:ext>
+            </a:extLst>
+          </p:cNvPr>
+          <p:cNvSpPr/>
+          <p:nvPr/>
+        </p:nvSpPr>
+        <p:spPr>
+          <a:xfrm>
+            <a:off x="3567776" y="4795171"/>
+            <a:ext cx="261257" cy="272142"/>
+          </a:xfrm>
+          <a:prstGeom prst="ellipse">
+            <a:avLst/>
+          </a:prstGeom>
+          <a:ln>
+            <a:solidFill>
+              <a:srgbClr val="0070C0"/>
+            </a:solidFill>
+          </a:ln>
+        </p:spPr>
+        <p:style>
+          <a:lnRef idx="2">
+            <a:schemeClr val="accent1">
+              <a:shade val="50000"/>
+            </a:schemeClr>
+          </a:lnRef>
+          <a:fillRef idx="1">
+            <a:schemeClr val="accent1"/>
+          </a:fillRef>
+          <a:effectRef idx="0">
+            <a:schemeClr val="accent1"/>
+          </a:effectRef>
+          <a:fontRef idx="minor">
+            <a:schemeClr val="lt1"/>
+          </a:fontRef>
+        </p:style>
+        <p:txBody>
+          <a:bodyPr rtlCol="0" anchor="ctr"/>
+          <a:lstStyle/>
+          <a:p>
+            <a:pPr algn="ctr"/>
+            <a:endParaRPr lang="en-US"/>
+          </a:p>
+        </p:txBody>
+      </p:sp>
+      <p:sp>
+        <p:nvSpPr>
+          <p:cNvPr id="274" name="Oval 273">
+            <a:extLst>
+              <a:ext uri="{FF2B5EF4-FFF2-40B4-BE49-F238E27FC236}">
+                <a16:creationId xmlns:a16="http://schemas.microsoft.com/office/drawing/2014/main" id="{15150F9E-ECD4-B744-98F0-42EBB4E3A58F}"/>
+              </a:ext>
+            </a:extLst>
+          </p:cNvPr>
+          <p:cNvSpPr/>
+          <p:nvPr/>
+        </p:nvSpPr>
+        <p:spPr>
+          <a:xfrm>
+            <a:off x="3567785" y="5905516"/>
+            <a:ext cx="261257" cy="272142"/>
+          </a:xfrm>
+          <a:prstGeom prst="ellipse">
+            <a:avLst/>
+          </a:prstGeom>
+          <a:ln>
+            <a:solidFill>
+              <a:srgbClr val="0070C0"/>
+            </a:solidFill>
+          </a:ln>
+        </p:spPr>
+        <p:style>
+          <a:lnRef idx="2">
+            <a:schemeClr val="accent1">
+              <a:shade val="50000"/>
+            </a:schemeClr>
+          </a:lnRef>
+          <a:fillRef idx="1">
+            <a:schemeClr val="accent1"/>
+          </a:fillRef>
+          <a:effectRef idx="0">
+            <a:schemeClr val="accent1"/>
+          </a:effectRef>
+          <a:fontRef idx="minor">
+            <a:schemeClr val="lt1"/>
+          </a:fontRef>
+        </p:style>
+        <p:txBody>
+          <a:bodyPr rtlCol="0" anchor="ctr"/>
+          <a:lstStyle/>
+          <a:p>
+            <a:pPr algn="ctr"/>
+            <a:endParaRPr lang="en-US"/>
+          </a:p>
+        </p:txBody>
+      </p:sp>
+      <p:sp>
+        <p:nvSpPr>
+          <p:cNvPr id="275" name="Oval 274">
+            <a:extLst>
+              <a:ext uri="{FF2B5EF4-FFF2-40B4-BE49-F238E27FC236}">
+                <a16:creationId xmlns:a16="http://schemas.microsoft.com/office/drawing/2014/main" id="{4472C32B-14F0-FC44-8BDD-C8A79E8B8215}"/>
+              </a:ext>
+            </a:extLst>
+          </p:cNvPr>
+          <p:cNvSpPr/>
+          <p:nvPr/>
+        </p:nvSpPr>
+        <p:spPr>
+          <a:xfrm>
+            <a:off x="4199151" y="5366669"/>
+            <a:ext cx="261257" cy="272142"/>
+          </a:xfrm>
+          <a:prstGeom prst="ellipse">
+            <a:avLst/>
+          </a:prstGeom>
+          <a:solidFill>
+            <a:srgbClr val="92D050"/>
+          </a:solidFill>
+          <a:ln>
+            <a:noFill/>
+          </a:ln>
+        </p:spPr>
+        <p:style>
+          <a:lnRef idx="2">
+            <a:schemeClr val="accent1">
+              <a:shade val="50000"/>
+            </a:schemeClr>
+          </a:lnRef>
+          <a:fillRef idx="1">
+            <a:schemeClr val="accent1"/>
+          </a:fillRef>
+          <a:effectRef idx="0">
+            <a:schemeClr val="accent1"/>
+          </a:effectRef>
+          <a:fontRef idx="minor">
+            <a:schemeClr val="lt1"/>
+          </a:fontRef>
+        </p:style>
+        <p:txBody>
+          <a:bodyPr rtlCol="0" anchor="ctr"/>
+          <a:lstStyle/>
+          <a:p>
+            <a:pPr algn="ctr"/>
+            <a:endParaRPr lang="en-US"/>
+          </a:p>
+        </p:txBody>
+      </p:sp>
+      <p:grpSp>
+        <p:nvGrpSpPr>
+          <p:cNvPr id="130" name="Group 129">
+            <a:extLst>
+              <a:ext uri="{FF2B5EF4-FFF2-40B4-BE49-F238E27FC236}">
+                <a16:creationId xmlns:a16="http://schemas.microsoft.com/office/drawing/2014/main" id="{70060883-D9E0-FE4C-BDB7-73E5BE60EB11}"/>
+              </a:ext>
+            </a:extLst>
+          </p:cNvPr>
+          <p:cNvGrpSpPr/>
+          <p:nvPr/>
+        </p:nvGrpSpPr>
+        <p:grpSpPr>
+          <a:xfrm>
+            <a:off x="2767687" y="870873"/>
+            <a:ext cx="1861456" cy="1698174"/>
+            <a:chOff x="2449284" y="2906487"/>
+            <a:chExt cx="1861456" cy="1698174"/>
+          </a:xfrm>
+        </p:grpSpPr>
+        <p:grpSp>
+          <p:nvGrpSpPr>
+            <p:cNvPr id="131" name="Group 130">
+              <a:extLst>
+                <a:ext uri="{FF2B5EF4-FFF2-40B4-BE49-F238E27FC236}">
+                  <a16:creationId xmlns:a16="http://schemas.microsoft.com/office/drawing/2014/main" id="{EF8E5A5E-C671-3349-A182-59FB3046CF56}"/>
+                </a:ext>
+              </a:extLst>
+            </p:cNvPr>
+            <p:cNvGrpSpPr/>
+            <p:nvPr/>
+          </p:nvGrpSpPr>
+          <p:grpSpPr>
+            <a:xfrm>
+              <a:off x="2449284" y="2906487"/>
+              <a:ext cx="1861456" cy="566058"/>
+              <a:chOff x="2449284" y="1774371"/>
+              <a:chExt cx="1861456" cy="566058"/>
+            </a:xfrm>
+          </p:grpSpPr>
+          <p:sp>
+            <p:nvSpPr>
+              <p:cNvPr id="140" name="Rectangle 139">
+                <a:extLst>
+                  <a:ext uri="{FF2B5EF4-FFF2-40B4-BE49-F238E27FC236}">
+                    <a16:creationId xmlns:a16="http://schemas.microsoft.com/office/drawing/2014/main" id="{0ECE4BB1-16C3-5845-BD27-709D46E8510A}"/>
+                  </a:ext>
+                </a:extLst>
+              </p:cNvPr>
+              <p:cNvSpPr/>
+              <p:nvPr/>
+            </p:nvSpPr>
+            <p:spPr>
+              <a:xfrm>
+                <a:off x="2449284" y="1774371"/>
+                <a:ext cx="620486" cy="566058"/>
+              </a:xfrm>
+              <a:prstGeom prst="rect">
+                <a:avLst/>
+              </a:prstGeom>
+              <a:noFill/>
+            </p:spPr>
+            <p:style>
+              <a:lnRef idx="2">
+                <a:schemeClr val="accent1">
+                  <a:shade val="50000"/>
+                </a:schemeClr>
+              </a:lnRef>
+              <a:fillRef idx="1">
+                <a:schemeClr val="accent1"/>
+              </a:fillRef>
+              <a:effectRef idx="0">
+                <a:schemeClr val="accent1"/>
+              </a:effectRef>
+              <a:fontRef idx="minor">
+                <a:schemeClr val="lt1"/>
+              </a:fontRef>
+            </p:style>
+            <p:txBody>
+              <a:bodyPr rtlCol="0" anchor="ctr"/>
+              <a:lstStyle/>
+              <a:p>
+                <a:pPr algn="ctr"/>
+                <a:r>
+                  <a:rPr lang="en-US" dirty="0"/>
+                  <a:t>0</a:t>
+                </a:r>
+              </a:p>
+            </p:txBody>
+          </p:sp>
+          <p:sp>
+            <p:nvSpPr>
+              <p:cNvPr id="141" name="Rectangle 140">
+                <a:extLst>
+                  <a:ext uri="{FF2B5EF4-FFF2-40B4-BE49-F238E27FC236}">
+                    <a16:creationId xmlns:a16="http://schemas.microsoft.com/office/drawing/2014/main" id="{8AB2C81D-8E3D-034E-8437-C67DAC38B58D}"/>
+                  </a:ext>
+                </a:extLst>
+              </p:cNvPr>
+              <p:cNvSpPr/>
+              <p:nvPr/>
+            </p:nvSpPr>
+            <p:spPr>
+              <a:xfrm>
+                <a:off x="3069768" y="1774371"/>
+                <a:ext cx="620486" cy="566058"/>
+              </a:xfrm>
+              <a:prstGeom prst="rect">
+                <a:avLst/>
+              </a:prstGeom>
+              <a:noFill/>
+            </p:spPr>
+            <p:style>
+              <a:lnRef idx="2">
+                <a:schemeClr val="accent1">
+                  <a:shade val="50000"/>
+                </a:schemeClr>
+              </a:lnRef>
+              <a:fillRef idx="1">
+                <a:schemeClr val="accent1"/>
+              </a:fillRef>
+              <a:effectRef idx="0">
+                <a:schemeClr val="accent1"/>
+              </a:effectRef>
+              <a:fontRef idx="minor">
+                <a:schemeClr val="lt1"/>
+              </a:fontRef>
+            </p:style>
+            <p:txBody>
+              <a:bodyPr rtlCol="0" anchor="ctr"/>
+              <a:lstStyle/>
+              <a:p>
+                <a:pPr algn="ctr"/>
+                <a:r>
+                  <a:rPr lang="en-US" dirty="0"/>
+                  <a:t>1</a:t>
+                </a:r>
+              </a:p>
+            </p:txBody>
+          </p:sp>
+          <p:sp>
+            <p:nvSpPr>
+              <p:cNvPr id="142" name="Rectangle 141">
+                <a:extLst>
+                  <a:ext uri="{FF2B5EF4-FFF2-40B4-BE49-F238E27FC236}">
+                    <a16:creationId xmlns:a16="http://schemas.microsoft.com/office/drawing/2014/main" id="{62BCF1C5-1C1F-484F-8823-40AB25892545}"/>
+                  </a:ext>
+                </a:extLst>
+              </p:cNvPr>
+              <p:cNvSpPr/>
+              <p:nvPr/>
+            </p:nvSpPr>
+            <p:spPr>
+              <a:xfrm>
+                <a:off x="3690254" y="1774371"/>
+                <a:ext cx="620486" cy="566058"/>
+              </a:xfrm>
+              <a:prstGeom prst="rect">
+                <a:avLst/>
+              </a:prstGeom>
+              <a:noFill/>
+            </p:spPr>
+            <p:style>
+              <a:lnRef idx="2">
+                <a:schemeClr val="accent1">
+                  <a:shade val="50000"/>
+                </a:schemeClr>
+              </a:lnRef>
+              <a:fillRef idx="1">
+                <a:schemeClr val="accent1"/>
+              </a:fillRef>
+              <a:effectRef idx="0">
+                <a:schemeClr val="accent1"/>
+              </a:effectRef>
+              <a:fontRef idx="minor">
+                <a:schemeClr val="lt1"/>
+              </a:fontRef>
+            </p:style>
+            <p:txBody>
+              <a:bodyPr rtlCol="0" anchor="ctr"/>
+              <a:lstStyle/>
+              <a:p>
+                <a:pPr algn="ctr"/>
+                <a:endParaRPr lang="en-US" dirty="0"/>
+              </a:p>
+            </p:txBody>
+          </p:sp>
+        </p:grpSp>
+        <p:grpSp>
+          <p:nvGrpSpPr>
+            <p:cNvPr id="132" name="Group 131">
+              <a:extLst>
+                <a:ext uri="{FF2B5EF4-FFF2-40B4-BE49-F238E27FC236}">
+                  <a16:creationId xmlns:a16="http://schemas.microsoft.com/office/drawing/2014/main" id="{EF411821-77E2-2444-A52A-32B22648967D}"/>
+                </a:ext>
+              </a:extLst>
+            </p:cNvPr>
+            <p:cNvGrpSpPr/>
+            <p:nvPr/>
+          </p:nvGrpSpPr>
+          <p:grpSpPr>
+            <a:xfrm>
+              <a:off x="2449284" y="3472545"/>
+              <a:ext cx="1861456" cy="566058"/>
+              <a:chOff x="2449284" y="1774371"/>
+              <a:chExt cx="1861456" cy="566058"/>
+            </a:xfrm>
+          </p:grpSpPr>
+          <p:sp>
+            <p:nvSpPr>
+              <p:cNvPr id="137" name="Rectangle 136">
+                <a:extLst>
+                  <a:ext uri="{FF2B5EF4-FFF2-40B4-BE49-F238E27FC236}">
+                    <a16:creationId xmlns:a16="http://schemas.microsoft.com/office/drawing/2014/main" id="{9C17EEB3-A690-6D43-9380-09585BF5307D}"/>
+                  </a:ext>
+                </a:extLst>
+              </p:cNvPr>
+              <p:cNvSpPr/>
+              <p:nvPr/>
+            </p:nvSpPr>
+            <p:spPr>
+              <a:xfrm>
+                <a:off x="2449284" y="1774371"/>
+                <a:ext cx="620486" cy="566058"/>
+              </a:xfrm>
+              <a:prstGeom prst="rect">
+                <a:avLst/>
+              </a:prstGeom>
+              <a:noFill/>
+            </p:spPr>
+            <p:style>
+              <a:lnRef idx="2">
+                <a:schemeClr val="accent1">
+                  <a:shade val="50000"/>
+                </a:schemeClr>
+              </a:lnRef>
+              <a:fillRef idx="1">
+                <a:schemeClr val="accent1"/>
+              </a:fillRef>
+              <a:effectRef idx="0">
+                <a:schemeClr val="accent1"/>
+              </a:effectRef>
+              <a:fontRef idx="minor">
+                <a:schemeClr val="lt1"/>
+              </a:fontRef>
+            </p:style>
+            <p:txBody>
+              <a:bodyPr rtlCol="0" anchor="ctr"/>
+              <a:lstStyle/>
+              <a:p>
+                <a:pPr algn="ctr"/>
+                <a:endParaRPr lang="en-US"/>
+              </a:p>
+            </p:txBody>
+          </p:sp>
+          <p:sp>
+            <p:nvSpPr>
+              <p:cNvPr id="138" name="Rectangle 137">
+                <a:extLst>
+                  <a:ext uri="{FF2B5EF4-FFF2-40B4-BE49-F238E27FC236}">
+                    <a16:creationId xmlns:a16="http://schemas.microsoft.com/office/drawing/2014/main" id="{791F364E-E636-D240-93C2-17B7F9801C6C}"/>
+                  </a:ext>
+                </a:extLst>
+              </p:cNvPr>
+              <p:cNvSpPr/>
+              <p:nvPr/>
+            </p:nvSpPr>
+            <p:spPr>
+              <a:xfrm>
+                <a:off x="3069768" y="1774371"/>
+                <a:ext cx="620486" cy="566058"/>
+              </a:xfrm>
+              <a:prstGeom prst="rect">
+                <a:avLst/>
+              </a:prstGeom>
+              <a:noFill/>
+            </p:spPr>
+            <p:style>
+              <a:lnRef idx="2">
+                <a:schemeClr val="accent1">
+                  <a:shade val="50000"/>
+                </a:schemeClr>
+              </a:lnRef>
+              <a:fillRef idx="1">
+                <a:schemeClr val="accent1"/>
+              </a:fillRef>
+              <a:effectRef idx="0">
+                <a:schemeClr val="accent1"/>
+              </a:effectRef>
+              <a:fontRef idx="minor">
+                <a:schemeClr val="lt1"/>
+              </a:fontRef>
+            </p:style>
+            <p:txBody>
+              <a:bodyPr rtlCol="0" anchor="ctr"/>
+              <a:lstStyle/>
+              <a:p>
+                <a:pPr algn="ctr"/>
+                <a:r>
+                  <a:rPr lang="en-US" sz="2800" dirty="0">
+                    <a:solidFill>
+                      <a:schemeClr val="tx1"/>
+                    </a:solidFill>
+                  </a:rPr>
+                  <a:t>2</a:t>
+                </a:r>
+              </a:p>
+            </p:txBody>
+          </p:sp>
+          <p:sp>
+            <p:nvSpPr>
+              <p:cNvPr id="139" name="Rectangle 138">
+                <a:extLst>
+                  <a:ext uri="{FF2B5EF4-FFF2-40B4-BE49-F238E27FC236}">
+                    <a16:creationId xmlns:a16="http://schemas.microsoft.com/office/drawing/2014/main" id="{E9746F3B-4DCD-8640-A318-BA8D39DC8C49}"/>
+                  </a:ext>
+                </a:extLst>
+              </p:cNvPr>
+              <p:cNvSpPr/>
+              <p:nvPr/>
+            </p:nvSpPr>
+            <p:spPr>
+              <a:xfrm>
+                <a:off x="3690254" y="1774371"/>
+                <a:ext cx="620486" cy="566058"/>
+              </a:xfrm>
+              <a:prstGeom prst="rect">
+                <a:avLst/>
+              </a:prstGeom>
+              <a:noFill/>
+            </p:spPr>
+            <p:style>
+              <a:lnRef idx="2">
+                <a:schemeClr val="accent1">
+                  <a:shade val="50000"/>
+                </a:schemeClr>
+              </a:lnRef>
+              <a:fillRef idx="1">
+                <a:schemeClr val="accent1"/>
+              </a:fillRef>
+              <a:effectRef idx="0">
+                <a:schemeClr val="accent1"/>
+              </a:effectRef>
+              <a:fontRef idx="minor">
+                <a:schemeClr val="lt1"/>
+              </a:fontRef>
+            </p:style>
+            <p:txBody>
+              <a:bodyPr rtlCol="0" anchor="ctr"/>
+              <a:lstStyle/>
+              <a:p>
+                <a:pPr algn="ctr"/>
+                <a:r>
+                  <a:rPr lang="en-US" dirty="0"/>
+                  <a:t>3</a:t>
+                </a:r>
+              </a:p>
+            </p:txBody>
+          </p:sp>
+        </p:grpSp>
+        <p:grpSp>
+          <p:nvGrpSpPr>
+            <p:cNvPr id="133" name="Group 132">
+              <a:extLst>
+                <a:ext uri="{FF2B5EF4-FFF2-40B4-BE49-F238E27FC236}">
+                  <a16:creationId xmlns:a16="http://schemas.microsoft.com/office/drawing/2014/main" id="{F9DD1201-48BB-2949-A16F-A5E7AC178815}"/>
+                </a:ext>
+              </a:extLst>
+            </p:cNvPr>
+            <p:cNvGrpSpPr/>
+            <p:nvPr/>
+          </p:nvGrpSpPr>
+          <p:grpSpPr>
+            <a:xfrm>
+              <a:off x="2449284" y="4038603"/>
+              <a:ext cx="1861456" cy="566058"/>
+              <a:chOff x="2449284" y="1774371"/>
+              <a:chExt cx="1861456" cy="566058"/>
+            </a:xfrm>
+          </p:grpSpPr>
+          <p:sp>
+            <p:nvSpPr>
+              <p:cNvPr id="134" name="Rectangle 133">
+                <a:extLst>
+                  <a:ext uri="{FF2B5EF4-FFF2-40B4-BE49-F238E27FC236}">
+                    <a16:creationId xmlns:a16="http://schemas.microsoft.com/office/drawing/2014/main" id="{CC68E658-0913-6D47-93C1-AB6B094092BD}"/>
+                  </a:ext>
+                </a:extLst>
+              </p:cNvPr>
+              <p:cNvSpPr/>
+              <p:nvPr/>
+            </p:nvSpPr>
+            <p:spPr>
+              <a:xfrm>
+                <a:off x="2449284" y="1774371"/>
+                <a:ext cx="620486" cy="566058"/>
+              </a:xfrm>
+              <a:prstGeom prst="rect">
+                <a:avLst/>
+              </a:prstGeom>
+              <a:noFill/>
+            </p:spPr>
+            <p:style>
+              <a:lnRef idx="2">
+                <a:schemeClr val="accent1">
+                  <a:shade val="50000"/>
+                </a:schemeClr>
+              </a:lnRef>
+              <a:fillRef idx="1">
+                <a:schemeClr val="accent1"/>
+              </a:fillRef>
+              <a:effectRef idx="0">
+                <a:schemeClr val="accent1"/>
+              </a:effectRef>
+              <a:fontRef idx="minor">
+                <a:schemeClr val="lt1"/>
+              </a:fontRef>
+            </p:style>
+            <p:txBody>
+              <a:bodyPr rtlCol="0" anchor="ctr"/>
+              <a:lstStyle/>
+              <a:p>
+                <a:pPr algn="ctr"/>
+                <a:endParaRPr lang="en-US"/>
+              </a:p>
+            </p:txBody>
+          </p:sp>
+          <p:sp>
+            <p:nvSpPr>
+              <p:cNvPr id="135" name="Rectangle 134">
+                <a:extLst>
+                  <a:ext uri="{FF2B5EF4-FFF2-40B4-BE49-F238E27FC236}">
+                    <a16:creationId xmlns:a16="http://schemas.microsoft.com/office/drawing/2014/main" id="{54399C2B-DC0B-0F40-AE64-B39807E8D83E}"/>
+                  </a:ext>
+                </a:extLst>
+              </p:cNvPr>
+              <p:cNvSpPr/>
+              <p:nvPr/>
+            </p:nvSpPr>
+            <p:spPr>
+              <a:xfrm>
+                <a:off x="3069768" y="1774371"/>
+                <a:ext cx="620486" cy="566058"/>
+              </a:xfrm>
+              <a:prstGeom prst="rect">
+                <a:avLst/>
+              </a:prstGeom>
+              <a:noFill/>
+            </p:spPr>
+            <p:style>
+              <a:lnRef idx="2">
+                <a:schemeClr val="accent1">
+                  <a:shade val="50000"/>
+                </a:schemeClr>
+              </a:lnRef>
+              <a:fillRef idx="1">
+                <a:schemeClr val="accent1"/>
+              </a:fillRef>
+              <a:effectRef idx="0">
+                <a:schemeClr val="accent1"/>
+              </a:effectRef>
+              <a:fontRef idx="minor">
+                <a:schemeClr val="lt1"/>
+              </a:fontRef>
+            </p:style>
+            <p:txBody>
+              <a:bodyPr rtlCol="0" anchor="ctr"/>
+              <a:lstStyle/>
+              <a:p>
+                <a:pPr algn="ctr"/>
+                <a:endParaRPr lang="en-US"/>
+              </a:p>
+            </p:txBody>
+          </p:sp>
+          <p:sp>
+            <p:nvSpPr>
+              <p:cNvPr id="136" name="Rectangle 135">
+                <a:extLst>
+                  <a:ext uri="{FF2B5EF4-FFF2-40B4-BE49-F238E27FC236}">
+                    <a16:creationId xmlns:a16="http://schemas.microsoft.com/office/drawing/2014/main" id="{B31EF98E-9329-3742-963E-9FDCE7B63EED}"/>
+                  </a:ext>
+                </a:extLst>
+              </p:cNvPr>
+              <p:cNvSpPr/>
+              <p:nvPr/>
+            </p:nvSpPr>
+            <p:spPr>
+              <a:xfrm>
+                <a:off x="3690254" y="1774371"/>
+                <a:ext cx="620486" cy="566058"/>
+              </a:xfrm>
+              <a:prstGeom prst="rect">
+                <a:avLst/>
+              </a:prstGeom>
+              <a:noFill/>
+            </p:spPr>
+            <p:style>
+              <a:lnRef idx="2">
+                <a:schemeClr val="accent1">
+                  <a:shade val="50000"/>
+                </a:schemeClr>
+              </a:lnRef>
+              <a:fillRef idx="1">
+                <a:schemeClr val="accent1"/>
+              </a:fillRef>
+              <a:effectRef idx="0">
+                <a:schemeClr val="accent1"/>
+              </a:effectRef>
+              <a:fontRef idx="minor">
+                <a:schemeClr val="lt1"/>
+              </a:fontRef>
+            </p:style>
+            <p:txBody>
+              <a:bodyPr rtlCol="0" anchor="ctr"/>
+              <a:lstStyle/>
+              <a:p>
+                <a:pPr algn="ctr"/>
+                <a:endParaRPr lang="en-US"/>
+              </a:p>
+            </p:txBody>
+          </p:sp>
+        </p:grpSp>
+      </p:grpSp>
+      <p:grpSp>
+        <p:nvGrpSpPr>
+          <p:cNvPr id="146" name="Group 145">
+            <a:extLst>
+              <a:ext uri="{FF2B5EF4-FFF2-40B4-BE49-F238E27FC236}">
+                <a16:creationId xmlns:a16="http://schemas.microsoft.com/office/drawing/2014/main" id="{2210E85E-30AC-AE4C-8BF6-F1E30360F22F}"/>
+              </a:ext>
+            </a:extLst>
+          </p:cNvPr>
+          <p:cNvGrpSpPr/>
+          <p:nvPr/>
+        </p:nvGrpSpPr>
+        <p:grpSpPr>
+          <a:xfrm>
+            <a:off x="4835969" y="870872"/>
+            <a:ext cx="1861456" cy="1698174"/>
+            <a:chOff x="2449284" y="2906487"/>
+            <a:chExt cx="1861456" cy="1698174"/>
+          </a:xfrm>
+        </p:grpSpPr>
+        <p:grpSp>
+          <p:nvGrpSpPr>
+            <p:cNvPr id="147" name="Group 146">
+              <a:extLst>
+                <a:ext uri="{FF2B5EF4-FFF2-40B4-BE49-F238E27FC236}">
+                  <a16:creationId xmlns:a16="http://schemas.microsoft.com/office/drawing/2014/main" id="{70088264-3D98-D946-B20E-8A18E885AE4C}"/>
+                </a:ext>
+              </a:extLst>
+            </p:cNvPr>
+            <p:cNvGrpSpPr/>
+            <p:nvPr/>
+          </p:nvGrpSpPr>
+          <p:grpSpPr>
+            <a:xfrm>
+              <a:off x="2449284" y="2906487"/>
+              <a:ext cx="1861456" cy="566058"/>
+              <a:chOff x="2449284" y="1774371"/>
+              <a:chExt cx="1861456" cy="566058"/>
+            </a:xfrm>
+          </p:grpSpPr>
+          <p:sp>
+            <p:nvSpPr>
+              <p:cNvPr id="156" name="Rectangle 155">
+                <a:extLst>
+                  <a:ext uri="{FF2B5EF4-FFF2-40B4-BE49-F238E27FC236}">
+                    <a16:creationId xmlns:a16="http://schemas.microsoft.com/office/drawing/2014/main" id="{FDB15E2F-EF77-404B-BD3A-13C9287C5A18}"/>
+                  </a:ext>
+                </a:extLst>
+              </p:cNvPr>
+              <p:cNvSpPr/>
+              <p:nvPr/>
+            </p:nvSpPr>
+            <p:spPr>
+              <a:xfrm>
+                <a:off x="2449284" y="1774371"/>
+                <a:ext cx="620486" cy="566058"/>
+              </a:xfrm>
+              <a:prstGeom prst="rect">
+                <a:avLst/>
+              </a:prstGeom>
+              <a:noFill/>
+            </p:spPr>
+            <p:style>
+              <a:lnRef idx="2">
+                <a:schemeClr val="accent1">
+                  <a:shade val="50000"/>
+                </a:schemeClr>
+              </a:lnRef>
+              <a:fillRef idx="1">
+                <a:schemeClr val="accent1"/>
+              </a:fillRef>
+              <a:effectRef idx="0">
+                <a:schemeClr val="accent1"/>
+              </a:effectRef>
+              <a:fontRef idx="minor">
+                <a:schemeClr val="lt1"/>
+              </a:fontRef>
+            </p:style>
+            <p:txBody>
+              <a:bodyPr rtlCol="0" anchor="ctr"/>
+              <a:lstStyle/>
+              <a:p>
+                <a:pPr algn="ctr"/>
+                <a:r>
+                  <a:rPr lang="en-US" dirty="0"/>
+                  <a:t>0</a:t>
+                </a:r>
+              </a:p>
+            </p:txBody>
+          </p:sp>
+          <p:sp>
+            <p:nvSpPr>
+              <p:cNvPr id="157" name="Rectangle 156">
+                <a:extLst>
+                  <a:ext uri="{FF2B5EF4-FFF2-40B4-BE49-F238E27FC236}">
+                    <a16:creationId xmlns:a16="http://schemas.microsoft.com/office/drawing/2014/main" id="{C9245B7B-9D04-1442-8282-D11222C88C23}"/>
+                  </a:ext>
+                </a:extLst>
+              </p:cNvPr>
+              <p:cNvSpPr/>
+              <p:nvPr/>
+            </p:nvSpPr>
+            <p:spPr>
+              <a:xfrm>
+                <a:off x="3069768" y="1774371"/>
+                <a:ext cx="620486" cy="566058"/>
+              </a:xfrm>
+              <a:prstGeom prst="rect">
+                <a:avLst/>
+              </a:prstGeom>
+              <a:noFill/>
+            </p:spPr>
+            <p:style>
+              <a:lnRef idx="2">
+                <a:schemeClr val="accent1">
+                  <a:shade val="50000"/>
+                </a:schemeClr>
+              </a:lnRef>
+              <a:fillRef idx="1">
+                <a:schemeClr val="accent1"/>
+              </a:fillRef>
+              <a:effectRef idx="0">
+                <a:schemeClr val="accent1"/>
+              </a:effectRef>
+              <a:fontRef idx="minor">
+                <a:schemeClr val="lt1"/>
+              </a:fontRef>
+            </p:style>
+            <p:txBody>
+              <a:bodyPr rtlCol="0" anchor="ctr"/>
+              <a:lstStyle/>
+              <a:p>
+                <a:pPr algn="ctr"/>
+                <a:r>
+                  <a:rPr lang="en-US" dirty="0"/>
+                  <a:t>1</a:t>
+                </a:r>
+              </a:p>
+            </p:txBody>
+          </p:sp>
+          <p:sp>
+            <p:nvSpPr>
+              <p:cNvPr id="158" name="Rectangle 157">
+                <a:extLst>
+                  <a:ext uri="{FF2B5EF4-FFF2-40B4-BE49-F238E27FC236}">
+                    <a16:creationId xmlns:a16="http://schemas.microsoft.com/office/drawing/2014/main" id="{8F23BEBE-35BE-374E-9030-A2C4DE276213}"/>
+                  </a:ext>
+                </a:extLst>
+              </p:cNvPr>
+              <p:cNvSpPr/>
+              <p:nvPr/>
+            </p:nvSpPr>
+            <p:spPr>
+              <a:xfrm>
+                <a:off x="3690254" y="1774371"/>
+                <a:ext cx="620486" cy="566058"/>
+              </a:xfrm>
+              <a:prstGeom prst="rect">
+                <a:avLst/>
+              </a:prstGeom>
+              <a:noFill/>
+            </p:spPr>
+            <p:style>
+              <a:lnRef idx="2">
+                <a:schemeClr val="accent1">
+                  <a:shade val="50000"/>
+                </a:schemeClr>
+              </a:lnRef>
+              <a:fillRef idx="1">
+                <a:schemeClr val="accent1"/>
+              </a:fillRef>
+              <a:effectRef idx="0">
+                <a:schemeClr val="accent1"/>
+              </a:effectRef>
+              <a:fontRef idx="minor">
+                <a:schemeClr val="lt1"/>
+              </a:fontRef>
+            </p:style>
+            <p:txBody>
+              <a:bodyPr rtlCol="0" anchor="ctr"/>
+              <a:lstStyle/>
+              <a:p>
+                <a:pPr algn="ctr"/>
+                <a:endParaRPr lang="en-US"/>
+              </a:p>
+            </p:txBody>
+          </p:sp>
+        </p:grpSp>
+        <p:grpSp>
+          <p:nvGrpSpPr>
+            <p:cNvPr id="148" name="Group 147">
+              <a:extLst>
+                <a:ext uri="{FF2B5EF4-FFF2-40B4-BE49-F238E27FC236}">
+                  <a16:creationId xmlns:a16="http://schemas.microsoft.com/office/drawing/2014/main" id="{81059193-E693-EB4D-B29A-4D7D2E6B84B2}"/>
+                </a:ext>
+              </a:extLst>
+            </p:cNvPr>
+            <p:cNvGrpSpPr/>
+            <p:nvPr/>
+          </p:nvGrpSpPr>
+          <p:grpSpPr>
+            <a:xfrm>
+              <a:off x="2449284" y="3472545"/>
+              <a:ext cx="1861456" cy="566058"/>
+              <a:chOff x="2449284" y="1774371"/>
+              <a:chExt cx="1861456" cy="566058"/>
+            </a:xfrm>
+          </p:grpSpPr>
+          <p:sp>
+            <p:nvSpPr>
+              <p:cNvPr id="153" name="Rectangle 152">
+                <a:extLst>
+                  <a:ext uri="{FF2B5EF4-FFF2-40B4-BE49-F238E27FC236}">
+                    <a16:creationId xmlns:a16="http://schemas.microsoft.com/office/drawing/2014/main" id="{4F1055EB-EC13-4246-BE20-87F948F75CAA}"/>
+                  </a:ext>
+                </a:extLst>
+              </p:cNvPr>
+              <p:cNvSpPr/>
+              <p:nvPr/>
+            </p:nvSpPr>
+            <p:spPr>
+              <a:xfrm>
+                <a:off x="2449284" y="1774371"/>
+                <a:ext cx="620486" cy="566058"/>
+              </a:xfrm>
+              <a:prstGeom prst="rect">
+                <a:avLst/>
+              </a:prstGeom>
+              <a:noFill/>
+            </p:spPr>
+            <p:style>
+              <a:lnRef idx="2">
+                <a:schemeClr val="accent1">
+                  <a:shade val="50000"/>
+                </a:schemeClr>
+              </a:lnRef>
+              <a:fillRef idx="1">
+                <a:schemeClr val="accent1"/>
+              </a:fillRef>
+              <a:effectRef idx="0">
+                <a:schemeClr val="accent1"/>
+              </a:effectRef>
+              <a:fontRef idx="minor">
+                <a:schemeClr val="lt1"/>
+              </a:fontRef>
+            </p:style>
+            <p:txBody>
+              <a:bodyPr rtlCol="0" anchor="ctr"/>
+              <a:lstStyle/>
+              <a:p>
+                <a:pPr algn="ctr"/>
+                <a:endParaRPr lang="en-US"/>
+              </a:p>
+            </p:txBody>
+          </p:sp>
+          <p:sp>
+            <p:nvSpPr>
+              <p:cNvPr id="154" name="Rectangle 153">
+                <a:extLst>
+                  <a:ext uri="{FF2B5EF4-FFF2-40B4-BE49-F238E27FC236}">
+                    <a16:creationId xmlns:a16="http://schemas.microsoft.com/office/drawing/2014/main" id="{CA020D6E-67FF-7843-A976-09D3E80FA002}"/>
+                  </a:ext>
+                </a:extLst>
+              </p:cNvPr>
+              <p:cNvSpPr/>
+              <p:nvPr/>
+            </p:nvSpPr>
+            <p:spPr>
+              <a:xfrm>
+                <a:off x="3069768" y="1774371"/>
+                <a:ext cx="620486" cy="566058"/>
+              </a:xfrm>
+              <a:prstGeom prst="rect">
+                <a:avLst/>
+              </a:prstGeom>
+              <a:noFill/>
+            </p:spPr>
+            <p:style>
+              <a:lnRef idx="2">
+                <a:schemeClr val="accent1">
+                  <a:shade val="50000"/>
+                </a:schemeClr>
+              </a:lnRef>
+              <a:fillRef idx="1">
+                <a:schemeClr val="accent1"/>
+              </a:fillRef>
+              <a:effectRef idx="0">
+                <a:schemeClr val="accent1"/>
+              </a:effectRef>
+              <a:fontRef idx="minor">
+                <a:schemeClr val="lt1"/>
+              </a:fontRef>
+            </p:style>
+            <p:txBody>
+              <a:bodyPr rtlCol="0" anchor="ctr"/>
+              <a:lstStyle/>
+              <a:p>
+                <a:pPr algn="ctr"/>
+                <a:r>
+                  <a:rPr lang="en-US" sz="2800" dirty="0">
+                    <a:solidFill>
+                      <a:schemeClr val="tx1"/>
+                    </a:solidFill>
+                  </a:rPr>
+                  <a:t>3</a:t>
+                </a:r>
+              </a:p>
+            </p:txBody>
+          </p:sp>
+          <p:sp>
+            <p:nvSpPr>
+              <p:cNvPr id="155" name="Rectangle 154">
+                <a:extLst>
+                  <a:ext uri="{FF2B5EF4-FFF2-40B4-BE49-F238E27FC236}">
+                    <a16:creationId xmlns:a16="http://schemas.microsoft.com/office/drawing/2014/main" id="{78C3F0EC-76CD-734A-85F1-F93933A2A704}"/>
+                  </a:ext>
+                </a:extLst>
+              </p:cNvPr>
+              <p:cNvSpPr/>
+              <p:nvPr/>
+            </p:nvSpPr>
+            <p:spPr>
+              <a:xfrm>
+                <a:off x="3690254" y="1774371"/>
+                <a:ext cx="620486" cy="566058"/>
+              </a:xfrm>
+              <a:prstGeom prst="rect">
+                <a:avLst/>
+              </a:prstGeom>
+              <a:noFill/>
+            </p:spPr>
+            <p:style>
+              <a:lnRef idx="2">
+                <a:schemeClr val="accent1">
+                  <a:shade val="50000"/>
+                </a:schemeClr>
+              </a:lnRef>
+              <a:fillRef idx="1">
+                <a:schemeClr val="accent1"/>
+              </a:fillRef>
+              <a:effectRef idx="0">
+                <a:schemeClr val="accent1"/>
+              </a:effectRef>
+              <a:fontRef idx="minor">
+                <a:schemeClr val="lt1"/>
+              </a:fontRef>
+            </p:style>
+            <p:txBody>
+              <a:bodyPr rtlCol="0" anchor="ctr"/>
+              <a:lstStyle/>
+              <a:p>
+                <a:pPr algn="ctr"/>
+                <a:endParaRPr lang="en-US"/>
+              </a:p>
+            </p:txBody>
+          </p:sp>
+        </p:grpSp>
+        <p:grpSp>
+          <p:nvGrpSpPr>
+            <p:cNvPr id="149" name="Group 148">
+              <a:extLst>
+                <a:ext uri="{FF2B5EF4-FFF2-40B4-BE49-F238E27FC236}">
+                  <a16:creationId xmlns:a16="http://schemas.microsoft.com/office/drawing/2014/main" id="{7ADE04FB-605A-C642-B580-277FFB09CBA0}"/>
+                </a:ext>
+              </a:extLst>
+            </p:cNvPr>
+            <p:cNvGrpSpPr/>
+            <p:nvPr/>
+          </p:nvGrpSpPr>
+          <p:grpSpPr>
+            <a:xfrm>
+              <a:off x="2449284" y="4038603"/>
+              <a:ext cx="1861456" cy="566058"/>
+              <a:chOff x="2449284" y="1774371"/>
+              <a:chExt cx="1861456" cy="566058"/>
+            </a:xfrm>
+          </p:grpSpPr>
+          <p:sp>
+            <p:nvSpPr>
+              <p:cNvPr id="150" name="Rectangle 149">
+                <a:extLst>
+                  <a:ext uri="{FF2B5EF4-FFF2-40B4-BE49-F238E27FC236}">
+                    <a16:creationId xmlns:a16="http://schemas.microsoft.com/office/drawing/2014/main" id="{CCBBACA4-6282-614B-A370-F8BA5FED63FF}"/>
+                  </a:ext>
+                </a:extLst>
+              </p:cNvPr>
+              <p:cNvSpPr/>
+              <p:nvPr/>
+            </p:nvSpPr>
+            <p:spPr>
+              <a:xfrm>
+                <a:off x="2449284" y="1774371"/>
+                <a:ext cx="620486" cy="566058"/>
+              </a:xfrm>
+              <a:prstGeom prst="rect">
+                <a:avLst/>
+              </a:prstGeom>
+              <a:noFill/>
+            </p:spPr>
+            <p:style>
+              <a:lnRef idx="2">
+                <a:schemeClr val="accent1">
+                  <a:shade val="50000"/>
+                </a:schemeClr>
+              </a:lnRef>
+              <a:fillRef idx="1">
+                <a:schemeClr val="accent1"/>
+              </a:fillRef>
+              <a:effectRef idx="0">
+                <a:schemeClr val="accent1"/>
+              </a:effectRef>
+              <a:fontRef idx="minor">
+                <a:schemeClr val="lt1"/>
+              </a:fontRef>
+            </p:style>
+            <p:txBody>
+              <a:bodyPr rtlCol="0" anchor="ctr"/>
+              <a:lstStyle/>
+              <a:p>
+                <a:pPr algn="ctr"/>
+                <a:endParaRPr lang="en-US"/>
+              </a:p>
+            </p:txBody>
+          </p:sp>
+          <p:sp>
+            <p:nvSpPr>
+              <p:cNvPr id="151" name="Rectangle 150">
+                <a:extLst>
+                  <a:ext uri="{FF2B5EF4-FFF2-40B4-BE49-F238E27FC236}">
+                    <a16:creationId xmlns:a16="http://schemas.microsoft.com/office/drawing/2014/main" id="{BC613A9E-D3CF-B142-95FA-8BF7900ADA7A}"/>
+                  </a:ext>
+                </a:extLst>
+              </p:cNvPr>
+              <p:cNvSpPr/>
+              <p:nvPr/>
+            </p:nvSpPr>
+            <p:spPr>
+              <a:xfrm>
+                <a:off x="3069768" y="1774371"/>
+                <a:ext cx="620486" cy="566058"/>
+              </a:xfrm>
+              <a:prstGeom prst="rect">
+                <a:avLst/>
+              </a:prstGeom>
+              <a:noFill/>
+            </p:spPr>
+            <p:style>
+              <a:lnRef idx="2">
+                <a:schemeClr val="accent1">
+                  <a:shade val="50000"/>
+                </a:schemeClr>
+              </a:lnRef>
+              <a:fillRef idx="1">
+                <a:schemeClr val="accent1"/>
+              </a:fillRef>
+              <a:effectRef idx="0">
+                <a:schemeClr val="accent1"/>
+              </a:effectRef>
+              <a:fontRef idx="minor">
+                <a:schemeClr val="lt1"/>
+              </a:fontRef>
+            </p:style>
+            <p:txBody>
+              <a:bodyPr rtlCol="0" anchor="ctr"/>
+              <a:lstStyle/>
+              <a:p>
+                <a:pPr algn="ctr"/>
+                <a:endParaRPr lang="en-US"/>
+              </a:p>
+            </p:txBody>
+          </p:sp>
+          <p:sp>
+            <p:nvSpPr>
+              <p:cNvPr id="152" name="Rectangle 151">
+                <a:extLst>
+                  <a:ext uri="{FF2B5EF4-FFF2-40B4-BE49-F238E27FC236}">
+                    <a16:creationId xmlns:a16="http://schemas.microsoft.com/office/drawing/2014/main" id="{8D843041-6442-8F4E-B99E-95514001ECEA}"/>
+                  </a:ext>
+                </a:extLst>
+              </p:cNvPr>
+              <p:cNvSpPr/>
+              <p:nvPr/>
+            </p:nvSpPr>
+            <p:spPr>
+              <a:xfrm>
+                <a:off x="3690254" y="1774371"/>
+                <a:ext cx="620486" cy="566058"/>
+              </a:xfrm>
+              <a:prstGeom prst="rect">
+                <a:avLst/>
+              </a:prstGeom>
+              <a:noFill/>
+            </p:spPr>
+            <p:style>
+              <a:lnRef idx="2">
+                <a:schemeClr val="accent1">
+                  <a:shade val="50000"/>
+                </a:schemeClr>
+              </a:lnRef>
+              <a:fillRef idx="1">
+                <a:schemeClr val="accent1"/>
+              </a:fillRef>
+              <a:effectRef idx="0">
+                <a:schemeClr val="accent1"/>
+              </a:effectRef>
+              <a:fontRef idx="minor">
+                <a:schemeClr val="lt1"/>
+              </a:fontRef>
+            </p:style>
+            <p:txBody>
+              <a:bodyPr rtlCol="0" anchor="ctr"/>
+              <a:lstStyle/>
+              <a:p>
+                <a:pPr algn="ctr"/>
+                <a:r>
+                  <a:rPr lang="en-US" dirty="0"/>
+                  <a:t>4</a:t>
+                </a:r>
+              </a:p>
+            </p:txBody>
+          </p:sp>
+        </p:grpSp>
+      </p:grpSp>
+      <p:grpSp>
+        <p:nvGrpSpPr>
+          <p:cNvPr id="163" name="Group 162">
+            <a:extLst>
+              <a:ext uri="{FF2B5EF4-FFF2-40B4-BE49-F238E27FC236}">
+                <a16:creationId xmlns:a16="http://schemas.microsoft.com/office/drawing/2014/main" id="{90854A0B-337C-D146-9499-1EB5DA7C07D2}"/>
+              </a:ext>
+            </a:extLst>
+          </p:cNvPr>
+          <p:cNvGrpSpPr/>
+          <p:nvPr/>
+        </p:nvGrpSpPr>
+        <p:grpSpPr>
+          <a:xfrm>
+            <a:off x="710286" y="2754101"/>
+            <a:ext cx="1861456" cy="1698174"/>
+            <a:chOff x="2449284" y="2906487"/>
+            <a:chExt cx="1861456" cy="1698174"/>
+          </a:xfrm>
+        </p:grpSpPr>
+        <p:grpSp>
+          <p:nvGrpSpPr>
+            <p:cNvPr id="164" name="Group 163">
+              <a:extLst>
+                <a:ext uri="{FF2B5EF4-FFF2-40B4-BE49-F238E27FC236}">
+                  <a16:creationId xmlns:a16="http://schemas.microsoft.com/office/drawing/2014/main" id="{8CBB6623-046D-7148-8C4B-55746D1EE2F3}"/>
+                </a:ext>
+              </a:extLst>
+            </p:cNvPr>
+            <p:cNvGrpSpPr/>
+            <p:nvPr/>
+          </p:nvGrpSpPr>
+          <p:grpSpPr>
+            <a:xfrm>
+              <a:off x="2449284" y="2906487"/>
+              <a:ext cx="1861456" cy="566058"/>
+              <a:chOff x="2449284" y="1774371"/>
+              <a:chExt cx="1861456" cy="566058"/>
+            </a:xfrm>
+          </p:grpSpPr>
+          <p:sp>
+            <p:nvSpPr>
+              <p:cNvPr id="173" name="Rectangle 172">
+                <a:extLst>
+                  <a:ext uri="{FF2B5EF4-FFF2-40B4-BE49-F238E27FC236}">
+                    <a16:creationId xmlns:a16="http://schemas.microsoft.com/office/drawing/2014/main" id="{C2FDFCEE-D259-7E4E-9234-AC1AD6841634}"/>
+                  </a:ext>
+                </a:extLst>
+              </p:cNvPr>
+              <p:cNvSpPr/>
+              <p:nvPr/>
+            </p:nvSpPr>
+            <p:spPr>
+              <a:xfrm>
+                <a:off x="2449284" y="1774371"/>
+                <a:ext cx="620486" cy="566058"/>
+              </a:xfrm>
+              <a:prstGeom prst="rect">
+                <a:avLst/>
+              </a:prstGeom>
+              <a:noFill/>
+            </p:spPr>
+            <p:style>
+              <a:lnRef idx="2">
+                <a:schemeClr val="accent1">
+                  <a:shade val="50000"/>
+                </a:schemeClr>
+              </a:lnRef>
+              <a:fillRef idx="1">
+                <a:schemeClr val="accent1"/>
+              </a:fillRef>
+              <a:effectRef idx="0">
+                <a:schemeClr val="accent1"/>
+              </a:effectRef>
+              <a:fontRef idx="minor">
+                <a:schemeClr val="lt1"/>
+              </a:fontRef>
+            </p:style>
+            <p:txBody>
+              <a:bodyPr rtlCol="0" anchor="ctr"/>
+              <a:lstStyle/>
+              <a:p>
+                <a:pPr algn="ctr"/>
+                <a:r>
+                  <a:rPr lang="en-US" dirty="0"/>
+                  <a:t>3</a:t>
+                </a:r>
+              </a:p>
+            </p:txBody>
+          </p:sp>
+          <p:sp>
+            <p:nvSpPr>
+              <p:cNvPr id="174" name="Rectangle 173">
+                <a:extLst>
+                  <a:ext uri="{FF2B5EF4-FFF2-40B4-BE49-F238E27FC236}">
+                    <a16:creationId xmlns:a16="http://schemas.microsoft.com/office/drawing/2014/main" id="{8964D07E-67A7-8F48-9ACE-FDF9E4B9EA56}"/>
+                  </a:ext>
+                </a:extLst>
+              </p:cNvPr>
+              <p:cNvSpPr/>
+              <p:nvPr/>
+            </p:nvSpPr>
+            <p:spPr>
+              <a:xfrm>
+                <a:off x="3069768" y="1774371"/>
+                <a:ext cx="620486" cy="566058"/>
+              </a:xfrm>
+              <a:prstGeom prst="rect">
+                <a:avLst/>
+              </a:prstGeom>
+              <a:noFill/>
+            </p:spPr>
+            <p:style>
+              <a:lnRef idx="2">
+                <a:schemeClr val="accent1">
+                  <a:shade val="50000"/>
+                </a:schemeClr>
+              </a:lnRef>
+              <a:fillRef idx="1">
+                <a:schemeClr val="accent1"/>
+              </a:fillRef>
+              <a:effectRef idx="0">
+                <a:schemeClr val="accent1"/>
+              </a:effectRef>
+              <a:fontRef idx="minor">
+                <a:schemeClr val="lt1"/>
+              </a:fontRef>
+            </p:style>
+            <p:txBody>
+              <a:bodyPr rtlCol="0" anchor="ctr"/>
+              <a:lstStyle/>
+              <a:p>
+                <a:pPr algn="ctr"/>
+                <a:r>
+                  <a:rPr lang="en-US" dirty="0"/>
+                  <a:t>4</a:t>
+                </a:r>
+              </a:p>
+            </p:txBody>
+          </p:sp>
+          <p:sp>
+            <p:nvSpPr>
+              <p:cNvPr id="175" name="Rectangle 174">
+                <a:extLst>
+                  <a:ext uri="{FF2B5EF4-FFF2-40B4-BE49-F238E27FC236}">
+                    <a16:creationId xmlns:a16="http://schemas.microsoft.com/office/drawing/2014/main" id="{75D4E5BA-3450-8D48-9A36-2969055BAAA8}"/>
+                  </a:ext>
+                </a:extLst>
+              </p:cNvPr>
+              <p:cNvSpPr/>
+              <p:nvPr/>
+            </p:nvSpPr>
+            <p:spPr>
+              <a:xfrm>
+                <a:off x="3690254" y="1774371"/>
+                <a:ext cx="620486" cy="566058"/>
+              </a:xfrm>
+              <a:prstGeom prst="rect">
+                <a:avLst/>
+              </a:prstGeom>
+              <a:noFill/>
+            </p:spPr>
+            <p:style>
+              <a:lnRef idx="2">
+                <a:schemeClr val="accent1">
+                  <a:shade val="50000"/>
+                </a:schemeClr>
+              </a:lnRef>
+              <a:fillRef idx="1">
+                <a:schemeClr val="accent1"/>
+              </a:fillRef>
+              <a:effectRef idx="0">
+                <a:schemeClr val="accent1"/>
+              </a:effectRef>
+              <a:fontRef idx="minor">
+                <a:schemeClr val="lt1"/>
+              </a:fontRef>
+            </p:style>
+            <p:txBody>
+              <a:bodyPr rtlCol="0" anchor="ctr"/>
+              <a:lstStyle/>
+              <a:p>
+                <a:pPr algn="ctr"/>
+                <a:endParaRPr lang="en-US"/>
+              </a:p>
+            </p:txBody>
+          </p:sp>
+        </p:grpSp>
+        <p:grpSp>
+          <p:nvGrpSpPr>
+            <p:cNvPr id="165" name="Group 164">
+              <a:extLst>
+                <a:ext uri="{FF2B5EF4-FFF2-40B4-BE49-F238E27FC236}">
+                  <a16:creationId xmlns:a16="http://schemas.microsoft.com/office/drawing/2014/main" id="{AE7C36E4-3509-4444-B20E-48EE4737EF41}"/>
+                </a:ext>
+              </a:extLst>
+            </p:cNvPr>
+            <p:cNvGrpSpPr/>
+            <p:nvPr/>
+          </p:nvGrpSpPr>
+          <p:grpSpPr>
+            <a:xfrm>
+              <a:off x="2449284" y="3472545"/>
+              <a:ext cx="1861456" cy="566058"/>
+              <a:chOff x="2449284" y="1774371"/>
+              <a:chExt cx="1861456" cy="566058"/>
+            </a:xfrm>
+          </p:grpSpPr>
+          <p:sp>
+            <p:nvSpPr>
+              <p:cNvPr id="170" name="Rectangle 169">
+                <a:extLst>
+                  <a:ext uri="{FF2B5EF4-FFF2-40B4-BE49-F238E27FC236}">
+                    <a16:creationId xmlns:a16="http://schemas.microsoft.com/office/drawing/2014/main" id="{E8268199-09D8-8649-A204-2713E13FB076}"/>
+                  </a:ext>
+                </a:extLst>
+              </p:cNvPr>
+              <p:cNvSpPr/>
+              <p:nvPr/>
+            </p:nvSpPr>
+            <p:spPr>
+              <a:xfrm>
+                <a:off x="2449284" y="1774371"/>
+                <a:ext cx="620486" cy="566058"/>
+              </a:xfrm>
+              <a:prstGeom prst="rect">
+                <a:avLst/>
+              </a:prstGeom>
+              <a:noFill/>
+            </p:spPr>
+            <p:style>
+              <a:lnRef idx="2">
+                <a:schemeClr val="accent1">
+                  <a:shade val="50000"/>
+                </a:schemeClr>
+              </a:lnRef>
+              <a:fillRef idx="1">
+                <a:schemeClr val="accent1"/>
+              </a:fillRef>
+              <a:effectRef idx="0">
+                <a:schemeClr val="accent1"/>
+              </a:effectRef>
+              <a:fontRef idx="minor">
+                <a:schemeClr val="lt1"/>
+              </a:fontRef>
+            </p:style>
+            <p:txBody>
+              <a:bodyPr rtlCol="0" anchor="ctr"/>
+              <a:lstStyle/>
+              <a:p>
+                <a:pPr algn="ctr"/>
+                <a:endParaRPr lang="en-US"/>
+              </a:p>
+            </p:txBody>
+          </p:sp>
+          <p:sp>
+            <p:nvSpPr>
+              <p:cNvPr id="171" name="Rectangle 170">
+                <a:extLst>
+                  <a:ext uri="{FF2B5EF4-FFF2-40B4-BE49-F238E27FC236}">
+                    <a16:creationId xmlns:a16="http://schemas.microsoft.com/office/drawing/2014/main" id="{277EA61D-DDCC-034F-B386-908B4EF7CA53}"/>
+                  </a:ext>
+                </a:extLst>
+              </p:cNvPr>
+              <p:cNvSpPr/>
+              <p:nvPr/>
+            </p:nvSpPr>
+            <p:spPr>
+              <a:xfrm>
+                <a:off x="3069768" y="1774371"/>
+                <a:ext cx="620486" cy="566058"/>
+              </a:xfrm>
+              <a:prstGeom prst="rect">
+                <a:avLst/>
+              </a:prstGeom>
+              <a:noFill/>
+            </p:spPr>
+            <p:style>
+              <a:lnRef idx="2">
+                <a:schemeClr val="accent1">
+                  <a:shade val="50000"/>
+                </a:schemeClr>
+              </a:lnRef>
+              <a:fillRef idx="1">
+                <a:schemeClr val="accent1"/>
+              </a:fillRef>
+              <a:effectRef idx="0">
+                <a:schemeClr val="accent1"/>
+              </a:effectRef>
+              <a:fontRef idx="minor">
+                <a:schemeClr val="lt1"/>
+              </a:fontRef>
+            </p:style>
+            <p:txBody>
+              <a:bodyPr rtlCol="0" anchor="ctr"/>
+              <a:lstStyle/>
+              <a:p>
+                <a:pPr algn="ctr"/>
+                <a:r>
+                  <a:rPr lang="en-US" sz="2800" dirty="0">
+                    <a:solidFill>
+                      <a:schemeClr val="tx1"/>
+                    </a:solidFill>
+                  </a:rPr>
+                  <a:t>4</a:t>
+                </a:r>
+              </a:p>
+            </p:txBody>
+          </p:sp>
+          <p:sp>
+            <p:nvSpPr>
+              <p:cNvPr id="172" name="Rectangle 171">
+                <a:extLst>
+                  <a:ext uri="{FF2B5EF4-FFF2-40B4-BE49-F238E27FC236}">
+                    <a16:creationId xmlns:a16="http://schemas.microsoft.com/office/drawing/2014/main" id="{6582ED52-7153-234E-AB89-E34F3DDEF275}"/>
+                  </a:ext>
+                </a:extLst>
+              </p:cNvPr>
+              <p:cNvSpPr/>
+              <p:nvPr/>
+            </p:nvSpPr>
+            <p:spPr>
+              <a:xfrm>
+                <a:off x="3690254" y="1774371"/>
+                <a:ext cx="620486" cy="566058"/>
+              </a:xfrm>
+              <a:prstGeom prst="rect">
+                <a:avLst/>
+              </a:prstGeom>
+              <a:noFill/>
+            </p:spPr>
+            <p:style>
+              <a:lnRef idx="2">
+                <a:schemeClr val="accent1">
+                  <a:shade val="50000"/>
+                </a:schemeClr>
+              </a:lnRef>
+              <a:fillRef idx="1">
+                <a:schemeClr val="accent1"/>
+              </a:fillRef>
+              <a:effectRef idx="0">
+                <a:schemeClr val="accent1"/>
+              </a:effectRef>
+              <a:fontRef idx="minor">
+                <a:schemeClr val="lt1"/>
+              </a:fontRef>
+            </p:style>
+            <p:txBody>
+              <a:bodyPr rtlCol="0" anchor="ctr"/>
+              <a:lstStyle/>
+              <a:p>
+                <a:pPr algn="ctr"/>
+                <a:endParaRPr lang="en-US"/>
+              </a:p>
+            </p:txBody>
+          </p:sp>
+        </p:grpSp>
+        <p:grpSp>
+          <p:nvGrpSpPr>
+            <p:cNvPr id="166" name="Group 165">
+              <a:extLst>
+                <a:ext uri="{FF2B5EF4-FFF2-40B4-BE49-F238E27FC236}">
+                  <a16:creationId xmlns:a16="http://schemas.microsoft.com/office/drawing/2014/main" id="{4D694876-2816-3945-8CB1-A50240E205FC}"/>
+                </a:ext>
+              </a:extLst>
+            </p:cNvPr>
+            <p:cNvGrpSpPr/>
+            <p:nvPr/>
+          </p:nvGrpSpPr>
+          <p:grpSpPr>
+            <a:xfrm>
+              <a:off x="2449284" y="4038603"/>
+              <a:ext cx="1861456" cy="566058"/>
+              <a:chOff x="2449284" y="1774371"/>
+              <a:chExt cx="1861456" cy="566058"/>
+            </a:xfrm>
+          </p:grpSpPr>
+          <p:sp>
+            <p:nvSpPr>
+              <p:cNvPr id="167" name="Rectangle 166">
+                <a:extLst>
+                  <a:ext uri="{FF2B5EF4-FFF2-40B4-BE49-F238E27FC236}">
+                    <a16:creationId xmlns:a16="http://schemas.microsoft.com/office/drawing/2014/main" id="{8B0E1A03-3427-E046-A861-16E12252C27A}"/>
+                  </a:ext>
+                </a:extLst>
+              </p:cNvPr>
+              <p:cNvSpPr/>
+              <p:nvPr/>
+            </p:nvSpPr>
+            <p:spPr>
+              <a:xfrm>
+                <a:off x="2449284" y="1774371"/>
+                <a:ext cx="620486" cy="566058"/>
+              </a:xfrm>
+              <a:prstGeom prst="rect">
+                <a:avLst/>
+              </a:prstGeom>
+              <a:noFill/>
+            </p:spPr>
+            <p:style>
+              <a:lnRef idx="2">
+                <a:schemeClr val="accent1">
+                  <a:shade val="50000"/>
+                </a:schemeClr>
+              </a:lnRef>
+              <a:fillRef idx="1">
+                <a:schemeClr val="accent1"/>
+              </a:fillRef>
+              <a:effectRef idx="0">
+                <a:schemeClr val="accent1"/>
+              </a:effectRef>
+              <a:fontRef idx="minor">
+                <a:schemeClr val="lt1"/>
+              </a:fontRef>
+            </p:style>
+            <p:txBody>
+              <a:bodyPr rtlCol="0" anchor="ctr"/>
+              <a:lstStyle/>
+              <a:p>
+                <a:pPr algn="ctr"/>
+                <a:endParaRPr lang="en-US"/>
+              </a:p>
+            </p:txBody>
+          </p:sp>
+          <p:sp>
+            <p:nvSpPr>
+              <p:cNvPr id="168" name="Rectangle 167">
+                <a:extLst>
+                  <a:ext uri="{FF2B5EF4-FFF2-40B4-BE49-F238E27FC236}">
+                    <a16:creationId xmlns:a16="http://schemas.microsoft.com/office/drawing/2014/main" id="{DD092A2B-BF19-DF48-B779-4263C3CE5B7D}"/>
+                  </a:ext>
+                </a:extLst>
+              </p:cNvPr>
+              <p:cNvSpPr/>
+              <p:nvPr/>
+            </p:nvSpPr>
+            <p:spPr>
+              <a:xfrm>
+                <a:off x="3069768" y="1774371"/>
+                <a:ext cx="620486" cy="566058"/>
+              </a:xfrm>
+              <a:prstGeom prst="rect">
+                <a:avLst/>
+              </a:prstGeom>
+              <a:noFill/>
+            </p:spPr>
+            <p:style>
+              <a:lnRef idx="2">
+                <a:schemeClr val="accent1">
+                  <a:shade val="50000"/>
+                </a:schemeClr>
+              </a:lnRef>
+              <a:fillRef idx="1">
+                <a:schemeClr val="accent1"/>
+              </a:fillRef>
+              <a:effectRef idx="0">
+                <a:schemeClr val="accent1"/>
+              </a:effectRef>
+              <a:fontRef idx="minor">
+                <a:schemeClr val="lt1"/>
+              </a:fontRef>
+            </p:style>
+            <p:txBody>
+              <a:bodyPr rtlCol="0" anchor="ctr"/>
+              <a:lstStyle/>
+              <a:p>
+                <a:pPr algn="ctr"/>
+                <a:r>
+                  <a:rPr lang="en-US" dirty="0"/>
+                  <a:t>0</a:t>
+                </a:r>
+              </a:p>
+            </p:txBody>
+          </p:sp>
+          <p:sp>
+            <p:nvSpPr>
+              <p:cNvPr id="169" name="Rectangle 168">
+                <a:extLst>
+                  <a:ext uri="{FF2B5EF4-FFF2-40B4-BE49-F238E27FC236}">
+                    <a16:creationId xmlns:a16="http://schemas.microsoft.com/office/drawing/2014/main" id="{7D6788DD-74D8-EA43-A6A0-1CF776E9BFB4}"/>
+                  </a:ext>
+                </a:extLst>
+              </p:cNvPr>
+              <p:cNvSpPr/>
+              <p:nvPr/>
+            </p:nvSpPr>
+            <p:spPr>
+              <a:xfrm>
+                <a:off x="3690254" y="1774371"/>
+                <a:ext cx="620486" cy="566058"/>
+              </a:xfrm>
+              <a:prstGeom prst="rect">
+                <a:avLst/>
+              </a:prstGeom>
+              <a:noFill/>
+            </p:spPr>
+            <p:style>
+              <a:lnRef idx="2">
+                <a:schemeClr val="accent1">
+                  <a:shade val="50000"/>
+                </a:schemeClr>
+              </a:lnRef>
+              <a:fillRef idx="1">
+                <a:schemeClr val="accent1"/>
+              </a:fillRef>
+              <a:effectRef idx="0">
+                <a:schemeClr val="accent1"/>
+              </a:effectRef>
+              <a:fontRef idx="minor">
+                <a:schemeClr val="lt1"/>
+              </a:fontRef>
+            </p:style>
+            <p:txBody>
+              <a:bodyPr rtlCol="0" anchor="ctr"/>
+              <a:lstStyle/>
+              <a:p>
+                <a:pPr algn="ctr"/>
+                <a:endParaRPr lang="en-US"/>
+              </a:p>
+            </p:txBody>
+          </p:sp>
+        </p:grpSp>
+      </p:grpSp>
+      <p:grpSp>
+        <p:nvGrpSpPr>
+          <p:cNvPr id="179" name="Group 178">
+            <a:extLst>
+              <a:ext uri="{FF2B5EF4-FFF2-40B4-BE49-F238E27FC236}">
+                <a16:creationId xmlns:a16="http://schemas.microsoft.com/office/drawing/2014/main" id="{112C17B2-A23D-C748-80D6-162D7D29E72D}"/>
+              </a:ext>
+            </a:extLst>
+          </p:cNvPr>
+          <p:cNvGrpSpPr/>
+          <p:nvPr/>
+        </p:nvGrpSpPr>
+        <p:grpSpPr>
+          <a:xfrm>
+            <a:off x="2767688" y="2754103"/>
+            <a:ext cx="1861456" cy="1698174"/>
+            <a:chOff x="2449284" y="2906487"/>
+            <a:chExt cx="1861456" cy="1698174"/>
+          </a:xfrm>
+        </p:grpSpPr>
+        <p:grpSp>
+          <p:nvGrpSpPr>
+            <p:cNvPr id="180" name="Group 179">
+              <a:extLst>
+                <a:ext uri="{FF2B5EF4-FFF2-40B4-BE49-F238E27FC236}">
+                  <a16:creationId xmlns:a16="http://schemas.microsoft.com/office/drawing/2014/main" id="{090D3875-9992-284C-ABB2-410B5DC1E017}"/>
+                </a:ext>
+              </a:extLst>
+            </p:cNvPr>
+            <p:cNvGrpSpPr/>
+            <p:nvPr/>
+          </p:nvGrpSpPr>
+          <p:grpSpPr>
+            <a:xfrm>
+              <a:off x="2449284" y="2906487"/>
+              <a:ext cx="1861456" cy="566058"/>
+              <a:chOff x="2449284" y="1774371"/>
+              <a:chExt cx="1861456" cy="566058"/>
+            </a:xfrm>
+          </p:grpSpPr>
+          <p:sp>
+            <p:nvSpPr>
+              <p:cNvPr id="189" name="Rectangle 188">
+                <a:extLst>
+                  <a:ext uri="{FF2B5EF4-FFF2-40B4-BE49-F238E27FC236}">
+                    <a16:creationId xmlns:a16="http://schemas.microsoft.com/office/drawing/2014/main" id="{6AAD513F-20F9-934E-BBF2-DA680ADFEC56}"/>
+                  </a:ext>
+                </a:extLst>
+              </p:cNvPr>
+              <p:cNvSpPr/>
+              <p:nvPr/>
+            </p:nvSpPr>
+            <p:spPr>
+              <a:xfrm>
+                <a:off x="2449284" y="1774371"/>
+                <a:ext cx="620486" cy="566058"/>
+              </a:xfrm>
+              <a:prstGeom prst="rect">
+                <a:avLst/>
+              </a:prstGeom>
+              <a:noFill/>
+            </p:spPr>
+            <p:style>
+              <a:lnRef idx="2">
+                <a:schemeClr val="accent1">
+                  <a:shade val="50000"/>
+                </a:schemeClr>
+              </a:lnRef>
+              <a:fillRef idx="1">
+                <a:schemeClr val="accent1"/>
+              </a:fillRef>
+              <a:effectRef idx="0">
+                <a:schemeClr val="accent1"/>
+              </a:effectRef>
+              <a:fontRef idx="minor">
+                <a:schemeClr val="lt1"/>
+              </a:fontRef>
+            </p:style>
+            <p:txBody>
+              <a:bodyPr rtlCol="0" anchor="ctr"/>
+              <a:lstStyle/>
+              <a:p>
+                <a:pPr algn="ctr"/>
+                <a:r>
+                  <a:rPr lang="en-US" dirty="0"/>
+                  <a:t>2</a:t>
+                </a:r>
+              </a:p>
+            </p:txBody>
+          </p:sp>
+          <p:sp>
+            <p:nvSpPr>
+              <p:cNvPr id="190" name="Rectangle 189">
+                <a:extLst>
+                  <a:ext uri="{FF2B5EF4-FFF2-40B4-BE49-F238E27FC236}">
+                    <a16:creationId xmlns:a16="http://schemas.microsoft.com/office/drawing/2014/main" id="{39BEFD6E-F379-EF4A-BC78-4167FF1A6CE3}"/>
+                  </a:ext>
+                </a:extLst>
+              </p:cNvPr>
+              <p:cNvSpPr/>
+              <p:nvPr/>
+            </p:nvSpPr>
+            <p:spPr>
+              <a:xfrm>
+                <a:off x="3069768" y="1774371"/>
+                <a:ext cx="620486" cy="566058"/>
+              </a:xfrm>
+              <a:prstGeom prst="rect">
+                <a:avLst/>
+              </a:prstGeom>
+              <a:noFill/>
+            </p:spPr>
+            <p:style>
+              <a:lnRef idx="2">
+                <a:schemeClr val="accent1">
+                  <a:shade val="50000"/>
+                </a:schemeClr>
+              </a:lnRef>
+              <a:fillRef idx="1">
+                <a:schemeClr val="accent1"/>
+              </a:fillRef>
+              <a:effectRef idx="0">
+                <a:schemeClr val="accent1"/>
+              </a:effectRef>
+              <a:fontRef idx="minor">
+                <a:schemeClr val="lt1"/>
+              </a:fontRef>
+            </p:style>
+            <p:txBody>
+              <a:bodyPr rtlCol="0" anchor="ctr"/>
+              <a:lstStyle/>
+              <a:p>
+                <a:pPr algn="ctr"/>
+                <a:r>
+                  <a:rPr lang="en-US" dirty="0"/>
+                  <a:t>3</a:t>
+                </a:r>
+              </a:p>
+            </p:txBody>
+          </p:sp>
+          <p:sp>
+            <p:nvSpPr>
+              <p:cNvPr id="191" name="Rectangle 190">
+                <a:extLst>
+                  <a:ext uri="{FF2B5EF4-FFF2-40B4-BE49-F238E27FC236}">
+                    <a16:creationId xmlns:a16="http://schemas.microsoft.com/office/drawing/2014/main" id="{15893A2E-78E1-B94E-92B8-CF2B8D84321E}"/>
+                  </a:ext>
+                </a:extLst>
+              </p:cNvPr>
+              <p:cNvSpPr/>
+              <p:nvPr/>
+            </p:nvSpPr>
+            <p:spPr>
+              <a:xfrm>
+                <a:off x="3690254" y="1774371"/>
+                <a:ext cx="620486" cy="566058"/>
+              </a:xfrm>
+              <a:prstGeom prst="rect">
+                <a:avLst/>
+              </a:prstGeom>
+              <a:noFill/>
+            </p:spPr>
+            <p:style>
+              <a:lnRef idx="2">
+                <a:schemeClr val="accent1">
+                  <a:shade val="50000"/>
+                </a:schemeClr>
+              </a:lnRef>
+              <a:fillRef idx="1">
+                <a:schemeClr val="accent1"/>
+              </a:fillRef>
+              <a:effectRef idx="0">
+                <a:schemeClr val="accent1"/>
+              </a:effectRef>
+              <a:fontRef idx="minor">
+                <a:schemeClr val="lt1"/>
+              </a:fontRef>
+            </p:style>
+            <p:txBody>
+              <a:bodyPr rtlCol="0" anchor="ctr"/>
+              <a:lstStyle/>
+              <a:p>
+                <a:pPr algn="ctr"/>
+                <a:endParaRPr lang="en-US"/>
+              </a:p>
+            </p:txBody>
+          </p:sp>
+        </p:grpSp>
+        <p:grpSp>
+          <p:nvGrpSpPr>
+            <p:cNvPr id="181" name="Group 180">
+              <a:extLst>
+                <a:ext uri="{FF2B5EF4-FFF2-40B4-BE49-F238E27FC236}">
+                  <a16:creationId xmlns:a16="http://schemas.microsoft.com/office/drawing/2014/main" id="{802F54C3-031E-F34E-B8CE-AFE338A88B71}"/>
+                </a:ext>
+              </a:extLst>
+            </p:cNvPr>
+            <p:cNvGrpSpPr/>
+            <p:nvPr/>
+          </p:nvGrpSpPr>
+          <p:grpSpPr>
+            <a:xfrm>
+              <a:off x="2449284" y="3472545"/>
+              <a:ext cx="1861456" cy="566058"/>
+              <a:chOff x="2449284" y="1774371"/>
+              <a:chExt cx="1861456" cy="566058"/>
+            </a:xfrm>
+          </p:grpSpPr>
+          <p:sp>
+            <p:nvSpPr>
+              <p:cNvPr id="186" name="Rectangle 185">
+                <a:extLst>
+                  <a:ext uri="{FF2B5EF4-FFF2-40B4-BE49-F238E27FC236}">
+                    <a16:creationId xmlns:a16="http://schemas.microsoft.com/office/drawing/2014/main" id="{15E4E5FC-5620-704F-9992-CC35EFF642A9}"/>
+                  </a:ext>
+                </a:extLst>
+              </p:cNvPr>
+              <p:cNvSpPr/>
+              <p:nvPr/>
+            </p:nvSpPr>
+            <p:spPr>
+              <a:xfrm>
+                <a:off x="2449284" y="1774371"/>
+                <a:ext cx="620486" cy="566058"/>
+              </a:xfrm>
+              <a:prstGeom prst="rect">
+                <a:avLst/>
+              </a:prstGeom>
+              <a:noFill/>
+            </p:spPr>
+            <p:style>
+              <a:lnRef idx="2">
+                <a:schemeClr val="accent1">
+                  <a:shade val="50000"/>
+                </a:schemeClr>
+              </a:lnRef>
+              <a:fillRef idx="1">
+                <a:schemeClr val="accent1"/>
+              </a:fillRef>
+              <a:effectRef idx="0">
+                <a:schemeClr val="accent1"/>
+              </a:effectRef>
+              <a:fontRef idx="minor">
+                <a:schemeClr val="lt1"/>
+              </a:fontRef>
+            </p:style>
+            <p:txBody>
+              <a:bodyPr rtlCol="0" anchor="ctr"/>
+              <a:lstStyle/>
+              <a:p>
+                <a:pPr algn="ctr"/>
+                <a:endParaRPr lang="en-US"/>
+              </a:p>
+            </p:txBody>
+          </p:sp>
+          <p:sp>
+            <p:nvSpPr>
+              <p:cNvPr id="187" name="Rectangle 186">
+                <a:extLst>
+                  <a:ext uri="{FF2B5EF4-FFF2-40B4-BE49-F238E27FC236}">
+                    <a16:creationId xmlns:a16="http://schemas.microsoft.com/office/drawing/2014/main" id="{BBB144D8-904D-5843-A3D7-77982404A23B}"/>
+                  </a:ext>
+                </a:extLst>
+              </p:cNvPr>
+              <p:cNvSpPr/>
+              <p:nvPr/>
+            </p:nvSpPr>
+            <p:spPr>
+              <a:xfrm>
+                <a:off x="3069768" y="1774371"/>
+                <a:ext cx="620486" cy="566058"/>
+              </a:xfrm>
+              <a:prstGeom prst="rect">
+                <a:avLst/>
+              </a:prstGeom>
+              <a:noFill/>
+            </p:spPr>
+            <p:style>
+              <a:lnRef idx="2">
+                <a:schemeClr val="accent1">
+                  <a:shade val="50000"/>
+                </a:schemeClr>
+              </a:lnRef>
+              <a:fillRef idx="1">
+                <a:schemeClr val="accent1"/>
+              </a:fillRef>
+              <a:effectRef idx="0">
+                <a:schemeClr val="accent1"/>
+              </a:effectRef>
+              <a:fontRef idx="minor">
+                <a:schemeClr val="lt1"/>
+              </a:fontRef>
+            </p:style>
+            <p:txBody>
+              <a:bodyPr rtlCol="0" anchor="ctr"/>
+              <a:lstStyle/>
+              <a:p>
+                <a:pPr algn="ctr"/>
+                <a:r>
+                  <a:rPr lang="en-US" sz="2800" dirty="0">
+                    <a:solidFill>
+                      <a:schemeClr val="tx1"/>
+                    </a:solidFill>
+                  </a:rPr>
+                  <a:t>5</a:t>
+                </a:r>
+              </a:p>
+            </p:txBody>
+          </p:sp>
+          <p:sp>
+            <p:nvSpPr>
+              <p:cNvPr id="188" name="Rectangle 187">
+                <a:extLst>
+                  <a:ext uri="{FF2B5EF4-FFF2-40B4-BE49-F238E27FC236}">
+                    <a16:creationId xmlns:a16="http://schemas.microsoft.com/office/drawing/2014/main" id="{215AE565-84A8-F64B-B24B-23EFE1050F58}"/>
+                  </a:ext>
+                </a:extLst>
+              </p:cNvPr>
+              <p:cNvSpPr/>
+              <p:nvPr/>
+            </p:nvSpPr>
+            <p:spPr>
+              <a:xfrm>
+                <a:off x="3690254" y="1774371"/>
+                <a:ext cx="620486" cy="566058"/>
+              </a:xfrm>
+              <a:prstGeom prst="rect">
+                <a:avLst/>
+              </a:prstGeom>
+              <a:noFill/>
+            </p:spPr>
+            <p:style>
+              <a:lnRef idx="2">
+                <a:schemeClr val="accent1">
+                  <a:shade val="50000"/>
+                </a:schemeClr>
+              </a:lnRef>
+              <a:fillRef idx="1">
+                <a:schemeClr val="accent1"/>
+              </a:fillRef>
+              <a:effectRef idx="0">
+                <a:schemeClr val="accent1"/>
+              </a:effectRef>
+              <a:fontRef idx="minor">
+                <a:schemeClr val="lt1"/>
+              </a:fontRef>
+            </p:style>
+            <p:txBody>
+              <a:bodyPr rtlCol="0" anchor="ctr"/>
+              <a:lstStyle/>
+              <a:p>
+                <a:pPr algn="ctr"/>
+                <a:endParaRPr lang="en-US"/>
+              </a:p>
+            </p:txBody>
+          </p:sp>
+        </p:grpSp>
+        <p:grpSp>
+          <p:nvGrpSpPr>
+            <p:cNvPr id="182" name="Group 181">
+              <a:extLst>
+                <a:ext uri="{FF2B5EF4-FFF2-40B4-BE49-F238E27FC236}">
+                  <a16:creationId xmlns:a16="http://schemas.microsoft.com/office/drawing/2014/main" id="{72368F44-5F0F-6744-9335-F629F2CDD1AB}"/>
+                </a:ext>
+              </a:extLst>
+            </p:cNvPr>
+            <p:cNvGrpSpPr/>
+            <p:nvPr/>
+          </p:nvGrpSpPr>
+          <p:grpSpPr>
+            <a:xfrm>
+              <a:off x="2449284" y="4038603"/>
+              <a:ext cx="1861456" cy="566058"/>
+              <a:chOff x="2449284" y="1774371"/>
+              <a:chExt cx="1861456" cy="566058"/>
+            </a:xfrm>
+          </p:grpSpPr>
+          <p:sp>
+            <p:nvSpPr>
+              <p:cNvPr id="183" name="Rectangle 182">
+                <a:extLst>
+                  <a:ext uri="{FF2B5EF4-FFF2-40B4-BE49-F238E27FC236}">
+                    <a16:creationId xmlns:a16="http://schemas.microsoft.com/office/drawing/2014/main" id="{5C5ABD17-896B-0543-B962-F99DCE8A22CB}"/>
+                  </a:ext>
+                </a:extLst>
+              </p:cNvPr>
+              <p:cNvSpPr/>
+              <p:nvPr/>
+            </p:nvSpPr>
+            <p:spPr>
+              <a:xfrm>
+                <a:off x="2449284" y="1774371"/>
+                <a:ext cx="620486" cy="566058"/>
+              </a:xfrm>
+              <a:prstGeom prst="rect">
+                <a:avLst/>
+              </a:prstGeom>
+              <a:noFill/>
+            </p:spPr>
+            <p:style>
+              <a:lnRef idx="2">
+                <a:schemeClr val="accent1">
+                  <a:shade val="50000"/>
+                </a:schemeClr>
+              </a:lnRef>
+              <a:fillRef idx="1">
+                <a:schemeClr val="accent1"/>
+              </a:fillRef>
+              <a:effectRef idx="0">
+                <a:schemeClr val="accent1"/>
+              </a:effectRef>
+              <a:fontRef idx="minor">
+                <a:schemeClr val="lt1"/>
+              </a:fontRef>
+            </p:style>
+            <p:txBody>
+              <a:bodyPr rtlCol="0" anchor="ctr"/>
+              <a:lstStyle/>
+              <a:p>
+                <a:pPr algn="ctr"/>
+                <a:r>
+                  <a:rPr lang="en-US" dirty="0"/>
+                  <a:t>0</a:t>
+                </a:r>
+              </a:p>
+            </p:txBody>
+          </p:sp>
+          <p:sp>
+            <p:nvSpPr>
+              <p:cNvPr id="184" name="Rectangle 183">
+                <a:extLst>
+                  <a:ext uri="{FF2B5EF4-FFF2-40B4-BE49-F238E27FC236}">
+                    <a16:creationId xmlns:a16="http://schemas.microsoft.com/office/drawing/2014/main" id="{2FAA4609-E80F-1640-99D8-E826DD819793}"/>
+                  </a:ext>
+                </a:extLst>
+              </p:cNvPr>
+              <p:cNvSpPr/>
+              <p:nvPr/>
+            </p:nvSpPr>
+            <p:spPr>
+              <a:xfrm>
+                <a:off x="3069768" y="1774371"/>
+                <a:ext cx="620486" cy="566058"/>
+              </a:xfrm>
+              <a:prstGeom prst="rect">
+                <a:avLst/>
+              </a:prstGeom>
+              <a:noFill/>
+            </p:spPr>
+            <p:style>
+              <a:lnRef idx="2">
+                <a:schemeClr val="accent1">
+                  <a:shade val="50000"/>
+                </a:schemeClr>
+              </a:lnRef>
+              <a:fillRef idx="1">
+                <a:schemeClr val="accent1"/>
+              </a:fillRef>
+              <a:effectRef idx="0">
+                <a:schemeClr val="accent1"/>
+              </a:effectRef>
+              <a:fontRef idx="minor">
+                <a:schemeClr val="lt1"/>
+              </a:fontRef>
+            </p:style>
+            <p:txBody>
+              <a:bodyPr rtlCol="0" anchor="ctr"/>
+              <a:lstStyle/>
+              <a:p>
+                <a:pPr algn="ctr"/>
+                <a:endParaRPr lang="en-US"/>
+              </a:p>
+            </p:txBody>
+          </p:sp>
+          <p:sp>
+            <p:nvSpPr>
+              <p:cNvPr id="185" name="Rectangle 184">
+                <a:extLst>
+                  <a:ext uri="{FF2B5EF4-FFF2-40B4-BE49-F238E27FC236}">
+                    <a16:creationId xmlns:a16="http://schemas.microsoft.com/office/drawing/2014/main" id="{F2BE9BD0-356A-644D-A787-A3B71DFC393C}"/>
+                  </a:ext>
+                </a:extLst>
+              </p:cNvPr>
+              <p:cNvSpPr/>
+              <p:nvPr/>
+            </p:nvSpPr>
+            <p:spPr>
+              <a:xfrm>
+                <a:off x="3690254" y="1774371"/>
+                <a:ext cx="620486" cy="566058"/>
+              </a:xfrm>
+              <a:prstGeom prst="rect">
+                <a:avLst/>
+              </a:prstGeom>
+              <a:noFill/>
+            </p:spPr>
+            <p:style>
+              <a:lnRef idx="2">
+                <a:schemeClr val="accent1">
+                  <a:shade val="50000"/>
+                </a:schemeClr>
+              </a:lnRef>
+              <a:fillRef idx="1">
+                <a:schemeClr val="accent1"/>
+              </a:fillRef>
+              <a:effectRef idx="0">
+                <a:schemeClr val="accent1"/>
+              </a:effectRef>
+              <a:fontRef idx="minor">
+                <a:schemeClr val="lt1"/>
+              </a:fontRef>
+            </p:style>
+            <p:txBody>
+              <a:bodyPr rtlCol="0" anchor="ctr"/>
+              <a:lstStyle/>
+              <a:p>
+                <a:pPr algn="ctr"/>
+                <a:endParaRPr lang="en-US"/>
+              </a:p>
+            </p:txBody>
+          </p:sp>
+        </p:grpSp>
+      </p:grpSp>
+      <p:grpSp>
+        <p:nvGrpSpPr>
+          <p:cNvPr id="194" name="Group 193">
+            <a:extLst>
+              <a:ext uri="{FF2B5EF4-FFF2-40B4-BE49-F238E27FC236}">
+                <a16:creationId xmlns:a16="http://schemas.microsoft.com/office/drawing/2014/main" id="{BAF2DB1E-3E43-C543-9107-D40547518F25}"/>
+              </a:ext>
+            </a:extLst>
+          </p:cNvPr>
+          <p:cNvGrpSpPr/>
+          <p:nvPr/>
+        </p:nvGrpSpPr>
+        <p:grpSpPr>
+          <a:xfrm>
+            <a:off x="4835970" y="2754102"/>
+            <a:ext cx="1861456" cy="1698174"/>
+            <a:chOff x="2449284" y="2906487"/>
+            <a:chExt cx="1861456" cy="1698174"/>
+          </a:xfrm>
+        </p:grpSpPr>
+        <p:grpSp>
+          <p:nvGrpSpPr>
+            <p:cNvPr id="195" name="Group 194">
+              <a:extLst>
+                <a:ext uri="{FF2B5EF4-FFF2-40B4-BE49-F238E27FC236}">
+                  <a16:creationId xmlns:a16="http://schemas.microsoft.com/office/drawing/2014/main" id="{62D3681C-AFCF-5E41-A9CF-54A5803B9A6D}"/>
+                </a:ext>
+              </a:extLst>
+            </p:cNvPr>
+            <p:cNvGrpSpPr/>
+            <p:nvPr/>
+          </p:nvGrpSpPr>
+          <p:grpSpPr>
+            <a:xfrm>
+              <a:off x="2449284" y="2906487"/>
+              <a:ext cx="1861456" cy="566058"/>
+              <a:chOff x="2449284" y="1774371"/>
+              <a:chExt cx="1861456" cy="566058"/>
+            </a:xfrm>
+          </p:grpSpPr>
+          <p:sp>
+            <p:nvSpPr>
+              <p:cNvPr id="204" name="Rectangle 203">
+                <a:extLst>
+                  <a:ext uri="{FF2B5EF4-FFF2-40B4-BE49-F238E27FC236}">
+                    <a16:creationId xmlns:a16="http://schemas.microsoft.com/office/drawing/2014/main" id="{8CCE4461-76A4-4244-B84C-A0D0325C62C0}"/>
+                  </a:ext>
+                </a:extLst>
+              </p:cNvPr>
+              <p:cNvSpPr/>
+              <p:nvPr/>
+            </p:nvSpPr>
+            <p:spPr>
+              <a:xfrm>
+                <a:off x="2449284" y="1774371"/>
+                <a:ext cx="620486" cy="566058"/>
+              </a:xfrm>
+              <a:prstGeom prst="rect">
+                <a:avLst/>
+              </a:prstGeom>
+              <a:noFill/>
+            </p:spPr>
+            <p:style>
+              <a:lnRef idx="2">
+                <a:schemeClr val="accent1">
+                  <a:shade val="50000"/>
+                </a:schemeClr>
+              </a:lnRef>
+              <a:fillRef idx="1">
+                <a:schemeClr val="accent1"/>
+              </a:fillRef>
+              <a:effectRef idx="0">
+                <a:schemeClr val="accent1"/>
+              </a:effectRef>
+              <a:fontRef idx="minor">
+                <a:schemeClr val="lt1"/>
+              </a:fontRef>
+            </p:style>
+            <p:txBody>
+              <a:bodyPr rtlCol="0" anchor="ctr"/>
+              <a:lstStyle/>
+              <a:p>
+                <a:pPr algn="ctr"/>
+                <a:r>
+                  <a:rPr lang="en-US" dirty="0"/>
+                  <a:t>1</a:t>
+                </a:r>
+              </a:p>
+            </p:txBody>
+          </p:sp>
+          <p:sp>
+            <p:nvSpPr>
+              <p:cNvPr id="205" name="Rectangle 204">
+                <a:extLst>
+                  <a:ext uri="{FF2B5EF4-FFF2-40B4-BE49-F238E27FC236}">
+                    <a16:creationId xmlns:a16="http://schemas.microsoft.com/office/drawing/2014/main" id="{643B5417-E100-0947-8AD2-E8131D7905E5}"/>
+                  </a:ext>
+                </a:extLst>
+              </p:cNvPr>
+              <p:cNvSpPr/>
+              <p:nvPr/>
+            </p:nvSpPr>
+            <p:spPr>
+              <a:xfrm>
+                <a:off x="3069768" y="1774371"/>
+                <a:ext cx="620486" cy="566058"/>
+              </a:xfrm>
+              <a:prstGeom prst="rect">
+                <a:avLst/>
+              </a:prstGeom>
+              <a:noFill/>
+            </p:spPr>
+            <p:style>
+              <a:lnRef idx="2">
+                <a:schemeClr val="accent1">
+                  <a:shade val="50000"/>
+                </a:schemeClr>
+              </a:lnRef>
+              <a:fillRef idx="1">
+                <a:schemeClr val="accent1"/>
+              </a:fillRef>
+              <a:effectRef idx="0">
+                <a:schemeClr val="accent1"/>
+              </a:effectRef>
+              <a:fontRef idx="minor">
+                <a:schemeClr val="lt1"/>
+              </a:fontRef>
+            </p:style>
+            <p:txBody>
+              <a:bodyPr rtlCol="0" anchor="ctr"/>
+              <a:lstStyle/>
+              <a:p>
+                <a:pPr algn="ctr"/>
+                <a:r>
+                  <a:rPr lang="en-US" dirty="0"/>
+                  <a:t>2</a:t>
+                </a:r>
+              </a:p>
+            </p:txBody>
+          </p:sp>
+          <p:sp>
+            <p:nvSpPr>
+              <p:cNvPr id="206" name="Rectangle 205">
+                <a:extLst>
+                  <a:ext uri="{FF2B5EF4-FFF2-40B4-BE49-F238E27FC236}">
+                    <a16:creationId xmlns:a16="http://schemas.microsoft.com/office/drawing/2014/main" id="{8E8135D7-6838-4946-AA6A-6BB0B1390135}"/>
+                  </a:ext>
+                </a:extLst>
+              </p:cNvPr>
+              <p:cNvSpPr/>
+              <p:nvPr/>
+            </p:nvSpPr>
+            <p:spPr>
+              <a:xfrm>
+                <a:off x="3690254" y="1774371"/>
+                <a:ext cx="620486" cy="566058"/>
+              </a:xfrm>
+              <a:prstGeom prst="rect">
+                <a:avLst/>
+              </a:prstGeom>
+              <a:noFill/>
+            </p:spPr>
+            <p:style>
+              <a:lnRef idx="2">
+                <a:schemeClr val="accent1">
+                  <a:shade val="50000"/>
+                </a:schemeClr>
+              </a:lnRef>
+              <a:fillRef idx="1">
+                <a:schemeClr val="accent1"/>
+              </a:fillRef>
+              <a:effectRef idx="0">
+                <a:schemeClr val="accent1"/>
+              </a:effectRef>
+              <a:fontRef idx="minor">
+                <a:schemeClr val="lt1"/>
+              </a:fontRef>
+            </p:style>
+            <p:txBody>
+              <a:bodyPr rtlCol="0" anchor="ctr"/>
+              <a:lstStyle/>
+              <a:p>
+                <a:pPr algn="ctr"/>
+                <a:endParaRPr lang="en-US"/>
+              </a:p>
+            </p:txBody>
+          </p:sp>
+        </p:grpSp>
+        <p:grpSp>
+          <p:nvGrpSpPr>
+            <p:cNvPr id="196" name="Group 195">
+              <a:extLst>
+                <a:ext uri="{FF2B5EF4-FFF2-40B4-BE49-F238E27FC236}">
+                  <a16:creationId xmlns:a16="http://schemas.microsoft.com/office/drawing/2014/main" id="{9C18B5B1-CE87-DB44-8603-99279DD953B3}"/>
+                </a:ext>
+              </a:extLst>
+            </p:cNvPr>
+            <p:cNvGrpSpPr/>
+            <p:nvPr/>
+          </p:nvGrpSpPr>
+          <p:grpSpPr>
+            <a:xfrm>
+              <a:off x="2449284" y="3472545"/>
+              <a:ext cx="1861456" cy="566058"/>
+              <a:chOff x="2449284" y="1774371"/>
+              <a:chExt cx="1861456" cy="566058"/>
+            </a:xfrm>
+          </p:grpSpPr>
+          <p:sp>
+            <p:nvSpPr>
+              <p:cNvPr id="201" name="Rectangle 200">
+                <a:extLst>
+                  <a:ext uri="{FF2B5EF4-FFF2-40B4-BE49-F238E27FC236}">
+                    <a16:creationId xmlns:a16="http://schemas.microsoft.com/office/drawing/2014/main" id="{6024D90E-5840-E547-9615-89805157E6BF}"/>
+                  </a:ext>
+                </a:extLst>
+              </p:cNvPr>
+              <p:cNvSpPr/>
+              <p:nvPr/>
+            </p:nvSpPr>
+            <p:spPr>
+              <a:xfrm>
+                <a:off x="2449284" y="1774371"/>
+                <a:ext cx="620486" cy="566058"/>
+              </a:xfrm>
+              <a:prstGeom prst="rect">
+                <a:avLst/>
+              </a:prstGeom>
+              <a:noFill/>
+            </p:spPr>
+            <p:style>
+              <a:lnRef idx="2">
+                <a:schemeClr val="accent1">
+                  <a:shade val="50000"/>
+                </a:schemeClr>
+              </a:lnRef>
+              <a:fillRef idx="1">
+                <a:schemeClr val="accent1"/>
+              </a:fillRef>
+              <a:effectRef idx="0">
+                <a:schemeClr val="accent1"/>
+              </a:effectRef>
+              <a:fontRef idx="minor">
+                <a:schemeClr val="lt1"/>
+              </a:fontRef>
+            </p:style>
+            <p:txBody>
+              <a:bodyPr rtlCol="0" anchor="ctr"/>
+              <a:lstStyle/>
+              <a:p>
+                <a:pPr algn="ctr"/>
+                <a:r>
+                  <a:rPr lang="en-US" dirty="0"/>
+                  <a:t>0</a:t>
+                </a:r>
+              </a:p>
+            </p:txBody>
+          </p:sp>
+          <p:sp>
+            <p:nvSpPr>
+              <p:cNvPr id="202" name="Rectangle 201">
+                <a:extLst>
+                  <a:ext uri="{FF2B5EF4-FFF2-40B4-BE49-F238E27FC236}">
+                    <a16:creationId xmlns:a16="http://schemas.microsoft.com/office/drawing/2014/main" id="{42B2A87F-9957-2241-AC7A-7138D8770CDE}"/>
+                  </a:ext>
+                </a:extLst>
+              </p:cNvPr>
+              <p:cNvSpPr/>
+              <p:nvPr/>
+            </p:nvSpPr>
+            <p:spPr>
+              <a:xfrm>
+                <a:off x="3069768" y="1774371"/>
+                <a:ext cx="620486" cy="566058"/>
+              </a:xfrm>
+              <a:prstGeom prst="rect">
+                <a:avLst/>
+              </a:prstGeom>
+              <a:noFill/>
+            </p:spPr>
+            <p:style>
+              <a:lnRef idx="2">
+                <a:schemeClr val="accent1">
+                  <a:shade val="50000"/>
+                </a:schemeClr>
+              </a:lnRef>
+              <a:fillRef idx="1">
+                <a:schemeClr val="accent1"/>
+              </a:fillRef>
+              <a:effectRef idx="0">
+                <a:schemeClr val="accent1"/>
+              </a:effectRef>
+              <a:fontRef idx="minor">
+                <a:schemeClr val="lt1"/>
+              </a:fontRef>
+            </p:style>
+            <p:txBody>
+              <a:bodyPr rtlCol="0" anchor="ctr"/>
+              <a:lstStyle/>
+              <a:p>
+                <a:pPr algn="ctr"/>
+                <a:r>
+                  <a:rPr lang="en-US" sz="2800" dirty="0">
+                    <a:solidFill>
+                      <a:schemeClr val="tx1"/>
+                    </a:solidFill>
+                  </a:rPr>
+                  <a:t>1</a:t>
+                </a:r>
+              </a:p>
+            </p:txBody>
+          </p:sp>
+          <p:sp>
+            <p:nvSpPr>
+              <p:cNvPr id="203" name="Rectangle 202">
+                <a:extLst>
+                  <a:ext uri="{FF2B5EF4-FFF2-40B4-BE49-F238E27FC236}">
+                    <a16:creationId xmlns:a16="http://schemas.microsoft.com/office/drawing/2014/main" id="{8AAD769C-5EB8-CB4F-8B59-F421412A05DE}"/>
+                  </a:ext>
+                </a:extLst>
+              </p:cNvPr>
+              <p:cNvSpPr/>
+              <p:nvPr/>
+            </p:nvSpPr>
+            <p:spPr>
+              <a:xfrm>
+                <a:off x="3690254" y="1774371"/>
+                <a:ext cx="620486" cy="566058"/>
+              </a:xfrm>
+              <a:prstGeom prst="rect">
+                <a:avLst/>
+              </a:prstGeom>
+              <a:noFill/>
+            </p:spPr>
+            <p:style>
+              <a:lnRef idx="2">
+                <a:schemeClr val="accent1">
+                  <a:shade val="50000"/>
+                </a:schemeClr>
+              </a:lnRef>
+              <a:fillRef idx="1">
+                <a:schemeClr val="accent1"/>
+              </a:fillRef>
+              <a:effectRef idx="0">
+                <a:schemeClr val="accent1"/>
+              </a:effectRef>
+              <a:fontRef idx="minor">
+                <a:schemeClr val="lt1"/>
+              </a:fontRef>
+            </p:style>
+            <p:txBody>
+              <a:bodyPr rtlCol="0" anchor="ctr"/>
+              <a:lstStyle/>
+              <a:p>
+                <a:pPr algn="ctr"/>
+                <a:endParaRPr lang="en-US"/>
+              </a:p>
+            </p:txBody>
+          </p:sp>
+        </p:grpSp>
+        <p:grpSp>
+          <p:nvGrpSpPr>
+            <p:cNvPr id="197" name="Group 196">
+              <a:extLst>
+                <a:ext uri="{FF2B5EF4-FFF2-40B4-BE49-F238E27FC236}">
+                  <a16:creationId xmlns:a16="http://schemas.microsoft.com/office/drawing/2014/main" id="{F7639F30-E634-054A-BC8E-8187363C7C0C}"/>
+                </a:ext>
+              </a:extLst>
+            </p:cNvPr>
+            <p:cNvGrpSpPr/>
+            <p:nvPr/>
+          </p:nvGrpSpPr>
+          <p:grpSpPr>
+            <a:xfrm>
+              <a:off x="2449284" y="4038603"/>
+              <a:ext cx="1861456" cy="566058"/>
+              <a:chOff x="2449284" y="1774371"/>
+              <a:chExt cx="1861456" cy="566058"/>
+            </a:xfrm>
+          </p:grpSpPr>
+          <p:sp>
+            <p:nvSpPr>
+              <p:cNvPr id="198" name="Rectangle 197">
+                <a:extLst>
+                  <a:ext uri="{FF2B5EF4-FFF2-40B4-BE49-F238E27FC236}">
+                    <a16:creationId xmlns:a16="http://schemas.microsoft.com/office/drawing/2014/main" id="{0447AEE6-D366-2E4D-A264-8BA0A3E6D264}"/>
+                  </a:ext>
+                </a:extLst>
+              </p:cNvPr>
+              <p:cNvSpPr/>
+              <p:nvPr/>
+            </p:nvSpPr>
+            <p:spPr>
+              <a:xfrm>
+                <a:off x="2449284" y="1774371"/>
+                <a:ext cx="620486" cy="566058"/>
+              </a:xfrm>
+              <a:prstGeom prst="rect">
+                <a:avLst/>
+              </a:prstGeom>
+              <a:noFill/>
+            </p:spPr>
+            <p:style>
+              <a:lnRef idx="2">
+                <a:schemeClr val="accent1">
+                  <a:shade val="50000"/>
+                </a:schemeClr>
+              </a:lnRef>
+              <a:fillRef idx="1">
+                <a:schemeClr val="accent1"/>
+              </a:fillRef>
+              <a:effectRef idx="0">
+                <a:schemeClr val="accent1"/>
+              </a:effectRef>
+              <a:fontRef idx="minor">
+                <a:schemeClr val="lt1"/>
+              </a:fontRef>
+            </p:style>
+            <p:txBody>
+              <a:bodyPr rtlCol="0" anchor="ctr"/>
+              <a:lstStyle/>
+              <a:p>
+                <a:pPr algn="ctr"/>
+                <a:endParaRPr lang="en-US"/>
+              </a:p>
+            </p:txBody>
+          </p:sp>
+          <p:sp>
+            <p:nvSpPr>
+              <p:cNvPr id="199" name="Rectangle 198">
+                <a:extLst>
+                  <a:ext uri="{FF2B5EF4-FFF2-40B4-BE49-F238E27FC236}">
+                    <a16:creationId xmlns:a16="http://schemas.microsoft.com/office/drawing/2014/main" id="{77C401A1-3122-AD46-9876-B12C1AC840E2}"/>
+                  </a:ext>
+                </a:extLst>
+              </p:cNvPr>
+              <p:cNvSpPr/>
+              <p:nvPr/>
+            </p:nvSpPr>
+            <p:spPr>
+              <a:xfrm>
+                <a:off x="3069768" y="1774371"/>
+                <a:ext cx="620486" cy="566058"/>
+              </a:xfrm>
+              <a:prstGeom prst="rect">
+                <a:avLst/>
+              </a:prstGeom>
+              <a:noFill/>
+            </p:spPr>
+            <p:style>
+              <a:lnRef idx="2">
+                <a:schemeClr val="accent1">
+                  <a:shade val="50000"/>
+                </a:schemeClr>
+              </a:lnRef>
+              <a:fillRef idx="1">
+                <a:schemeClr val="accent1"/>
+              </a:fillRef>
+              <a:effectRef idx="0">
+                <a:schemeClr val="accent1"/>
+              </a:effectRef>
+              <a:fontRef idx="minor">
+                <a:schemeClr val="lt1"/>
+              </a:fontRef>
+            </p:style>
+            <p:txBody>
+              <a:bodyPr rtlCol="0" anchor="ctr"/>
+              <a:lstStyle/>
+              <a:p>
+                <a:pPr algn="ctr"/>
+                <a:endParaRPr lang="en-US"/>
+              </a:p>
+            </p:txBody>
+          </p:sp>
+          <p:sp>
+            <p:nvSpPr>
+              <p:cNvPr id="200" name="Rectangle 199">
+                <a:extLst>
+                  <a:ext uri="{FF2B5EF4-FFF2-40B4-BE49-F238E27FC236}">
+                    <a16:creationId xmlns:a16="http://schemas.microsoft.com/office/drawing/2014/main" id="{4565E1E4-AE26-CD43-8916-DA24D43B3666}"/>
+                  </a:ext>
+                </a:extLst>
+              </p:cNvPr>
+              <p:cNvSpPr/>
+              <p:nvPr/>
+            </p:nvSpPr>
+            <p:spPr>
+              <a:xfrm>
+                <a:off x="3690254" y="1774371"/>
+                <a:ext cx="620486" cy="566058"/>
+              </a:xfrm>
+              <a:prstGeom prst="rect">
+                <a:avLst/>
+              </a:prstGeom>
+              <a:noFill/>
+            </p:spPr>
+            <p:style>
+              <a:lnRef idx="2">
+                <a:schemeClr val="accent1">
+                  <a:shade val="50000"/>
+                </a:schemeClr>
+              </a:lnRef>
+              <a:fillRef idx="1">
+                <a:schemeClr val="accent1"/>
+              </a:fillRef>
+              <a:effectRef idx="0">
+                <a:schemeClr val="accent1"/>
+              </a:effectRef>
+              <a:fontRef idx="minor">
+                <a:schemeClr val="lt1"/>
+              </a:fontRef>
+            </p:style>
+            <p:txBody>
+              <a:bodyPr rtlCol="0" anchor="ctr"/>
+              <a:lstStyle/>
+              <a:p>
+                <a:pPr algn="ctr"/>
+                <a:endParaRPr lang="en-US"/>
+              </a:p>
+            </p:txBody>
+          </p:sp>
+        </p:grpSp>
+      </p:grpSp>
+      <p:grpSp>
+        <p:nvGrpSpPr>
+          <p:cNvPr id="212" name="Group 211">
+            <a:extLst>
+              <a:ext uri="{FF2B5EF4-FFF2-40B4-BE49-F238E27FC236}">
+                <a16:creationId xmlns:a16="http://schemas.microsoft.com/office/drawing/2014/main" id="{E661F590-5657-5D4A-9AA0-94EDC240B2C4}"/>
+              </a:ext>
+            </a:extLst>
+          </p:cNvPr>
+          <p:cNvGrpSpPr/>
+          <p:nvPr/>
+        </p:nvGrpSpPr>
+        <p:grpSpPr>
+          <a:xfrm>
+            <a:off x="721172" y="4626443"/>
+            <a:ext cx="1861456" cy="1698174"/>
+            <a:chOff x="2449284" y="2906487"/>
+            <a:chExt cx="1861456" cy="1698174"/>
+          </a:xfrm>
+        </p:grpSpPr>
+        <p:grpSp>
+          <p:nvGrpSpPr>
+            <p:cNvPr id="213" name="Group 212">
+              <a:extLst>
+                <a:ext uri="{FF2B5EF4-FFF2-40B4-BE49-F238E27FC236}">
+                  <a16:creationId xmlns:a16="http://schemas.microsoft.com/office/drawing/2014/main" id="{C050981A-5D61-7E41-9A55-29063C7B2747}"/>
+                </a:ext>
+              </a:extLst>
+            </p:cNvPr>
+            <p:cNvGrpSpPr/>
+            <p:nvPr/>
+          </p:nvGrpSpPr>
+          <p:grpSpPr>
+            <a:xfrm>
+              <a:off x="2449284" y="2906487"/>
+              <a:ext cx="1861456" cy="566058"/>
+              <a:chOff x="2449284" y="1774371"/>
+              <a:chExt cx="1861456" cy="566058"/>
+            </a:xfrm>
+          </p:grpSpPr>
+          <p:sp>
+            <p:nvSpPr>
+              <p:cNvPr id="222" name="Rectangle 221">
+                <a:extLst>
+                  <a:ext uri="{FF2B5EF4-FFF2-40B4-BE49-F238E27FC236}">
+                    <a16:creationId xmlns:a16="http://schemas.microsoft.com/office/drawing/2014/main" id="{B3F3B576-1189-4C43-AA16-769A3C9A3F6F}"/>
+                  </a:ext>
+                </a:extLst>
+              </p:cNvPr>
+              <p:cNvSpPr/>
+              <p:nvPr/>
+            </p:nvSpPr>
+            <p:spPr>
+              <a:xfrm>
+                <a:off x="2449284" y="1774371"/>
+                <a:ext cx="620486" cy="566058"/>
+              </a:xfrm>
+              <a:prstGeom prst="rect">
+                <a:avLst/>
+              </a:prstGeom>
+              <a:noFill/>
+            </p:spPr>
+            <p:style>
+              <a:lnRef idx="2">
+                <a:schemeClr val="accent1">
+                  <a:shade val="50000"/>
+                </a:schemeClr>
+              </a:lnRef>
+              <a:fillRef idx="1">
+                <a:schemeClr val="accent1"/>
+              </a:fillRef>
+              <a:effectRef idx="0">
+                <a:schemeClr val="accent1"/>
+              </a:effectRef>
+              <a:fontRef idx="minor">
+                <a:schemeClr val="lt1"/>
+              </a:fontRef>
+            </p:style>
+            <p:txBody>
+              <a:bodyPr rtlCol="0" anchor="ctr"/>
+              <a:lstStyle/>
+              <a:p>
+                <a:pPr algn="ctr"/>
+                <a:r>
+                  <a:rPr lang="en-US" dirty="0"/>
+                  <a:t>0</a:t>
+                </a:r>
+              </a:p>
+            </p:txBody>
+          </p:sp>
+          <p:sp>
+            <p:nvSpPr>
+              <p:cNvPr id="223" name="Rectangle 222">
+                <a:extLst>
+                  <a:ext uri="{FF2B5EF4-FFF2-40B4-BE49-F238E27FC236}">
+                    <a16:creationId xmlns:a16="http://schemas.microsoft.com/office/drawing/2014/main" id="{4D641281-73FE-C849-9B51-54A2264DDFB7}"/>
+                  </a:ext>
+                </a:extLst>
+              </p:cNvPr>
+              <p:cNvSpPr/>
+              <p:nvPr/>
+            </p:nvSpPr>
+            <p:spPr>
+              <a:xfrm>
+                <a:off x="3069768" y="1774371"/>
+                <a:ext cx="620486" cy="566058"/>
+              </a:xfrm>
+              <a:prstGeom prst="rect">
+                <a:avLst/>
+              </a:prstGeom>
+              <a:noFill/>
+            </p:spPr>
+            <p:style>
+              <a:lnRef idx="2">
+                <a:schemeClr val="accent1">
+                  <a:shade val="50000"/>
+                </a:schemeClr>
+              </a:lnRef>
+              <a:fillRef idx="1">
+                <a:schemeClr val="accent1"/>
+              </a:fillRef>
+              <a:effectRef idx="0">
+                <a:schemeClr val="accent1"/>
+              </a:effectRef>
+              <a:fontRef idx="minor">
+                <a:schemeClr val="lt1"/>
+              </a:fontRef>
+            </p:style>
+            <p:txBody>
+              <a:bodyPr rtlCol="0" anchor="ctr"/>
+              <a:lstStyle/>
+              <a:p>
+                <a:pPr algn="ctr"/>
+                <a:endParaRPr lang="en-US" dirty="0"/>
+              </a:p>
+            </p:txBody>
+          </p:sp>
+          <p:sp>
+            <p:nvSpPr>
+              <p:cNvPr id="224" name="Rectangle 223">
+                <a:extLst>
+                  <a:ext uri="{FF2B5EF4-FFF2-40B4-BE49-F238E27FC236}">
+                    <a16:creationId xmlns:a16="http://schemas.microsoft.com/office/drawing/2014/main" id="{22E39530-14FB-ED4F-B2DF-6C3DEB38CBA1}"/>
+                  </a:ext>
+                </a:extLst>
+              </p:cNvPr>
+              <p:cNvSpPr/>
+              <p:nvPr/>
+            </p:nvSpPr>
+            <p:spPr>
+              <a:xfrm>
+                <a:off x="3690254" y="1774371"/>
+                <a:ext cx="620486" cy="566058"/>
+              </a:xfrm>
+              <a:prstGeom prst="rect">
+                <a:avLst/>
+              </a:prstGeom>
+              <a:noFill/>
+            </p:spPr>
+            <p:style>
+              <a:lnRef idx="2">
+                <a:schemeClr val="accent1">
+                  <a:shade val="50000"/>
+                </a:schemeClr>
+              </a:lnRef>
+              <a:fillRef idx="1">
+                <a:schemeClr val="accent1"/>
+              </a:fillRef>
+              <a:effectRef idx="0">
+                <a:schemeClr val="accent1"/>
+              </a:effectRef>
+              <a:fontRef idx="minor">
+                <a:schemeClr val="lt1"/>
+              </a:fontRef>
+            </p:style>
+            <p:txBody>
+              <a:bodyPr rtlCol="0" anchor="ctr"/>
+              <a:lstStyle/>
+              <a:p>
+                <a:pPr algn="ctr"/>
+                <a:r>
+                  <a:rPr lang="en-US" dirty="0"/>
+                  <a:t>2</a:t>
+                </a:r>
+              </a:p>
+            </p:txBody>
+          </p:sp>
+        </p:grpSp>
+        <p:grpSp>
+          <p:nvGrpSpPr>
+            <p:cNvPr id="214" name="Group 213">
+              <a:extLst>
+                <a:ext uri="{FF2B5EF4-FFF2-40B4-BE49-F238E27FC236}">
+                  <a16:creationId xmlns:a16="http://schemas.microsoft.com/office/drawing/2014/main" id="{35B2EECD-D057-1347-AE5E-AA8EF5649F45}"/>
+                </a:ext>
+              </a:extLst>
+            </p:cNvPr>
+            <p:cNvGrpSpPr/>
+            <p:nvPr/>
+          </p:nvGrpSpPr>
+          <p:grpSpPr>
+            <a:xfrm>
+              <a:off x="2449284" y="3472545"/>
+              <a:ext cx="1861456" cy="566058"/>
+              <a:chOff x="2449284" y="1774371"/>
+              <a:chExt cx="1861456" cy="566058"/>
+            </a:xfrm>
+          </p:grpSpPr>
+          <p:sp>
+            <p:nvSpPr>
+              <p:cNvPr id="219" name="Rectangle 218">
+                <a:extLst>
+                  <a:ext uri="{FF2B5EF4-FFF2-40B4-BE49-F238E27FC236}">
+                    <a16:creationId xmlns:a16="http://schemas.microsoft.com/office/drawing/2014/main" id="{E33C4BA9-95A7-CB44-AB23-39C724642F24}"/>
+                  </a:ext>
+                </a:extLst>
+              </p:cNvPr>
+              <p:cNvSpPr/>
+              <p:nvPr/>
+            </p:nvSpPr>
+            <p:spPr>
+              <a:xfrm>
+                <a:off x="2449284" y="1774371"/>
+                <a:ext cx="620486" cy="566058"/>
+              </a:xfrm>
+              <a:prstGeom prst="rect">
+                <a:avLst/>
+              </a:prstGeom>
+              <a:noFill/>
+            </p:spPr>
+            <p:style>
+              <a:lnRef idx="2">
+                <a:schemeClr val="accent1">
+                  <a:shade val="50000"/>
+                </a:schemeClr>
+              </a:lnRef>
+              <a:fillRef idx="1">
+                <a:schemeClr val="accent1"/>
+              </a:fillRef>
+              <a:effectRef idx="0">
+                <a:schemeClr val="accent1"/>
+              </a:effectRef>
+              <a:fontRef idx="minor">
+                <a:schemeClr val="lt1"/>
+              </a:fontRef>
+            </p:style>
+            <p:txBody>
+              <a:bodyPr rtlCol="0" anchor="ctr"/>
+              <a:lstStyle/>
+              <a:p>
+                <a:pPr algn="ctr"/>
+                <a:endParaRPr lang="en-US"/>
+              </a:p>
+            </p:txBody>
+          </p:sp>
+          <p:sp>
+            <p:nvSpPr>
+              <p:cNvPr id="220" name="Rectangle 219">
+                <a:extLst>
+                  <a:ext uri="{FF2B5EF4-FFF2-40B4-BE49-F238E27FC236}">
+                    <a16:creationId xmlns:a16="http://schemas.microsoft.com/office/drawing/2014/main" id="{CAD16742-12E7-B74D-B285-9227D31CAA5B}"/>
+                  </a:ext>
+                </a:extLst>
+              </p:cNvPr>
+              <p:cNvSpPr/>
+              <p:nvPr/>
+            </p:nvSpPr>
+            <p:spPr>
+              <a:xfrm>
+                <a:off x="3069768" y="1774371"/>
+                <a:ext cx="620486" cy="566058"/>
+              </a:xfrm>
+              <a:prstGeom prst="rect">
+                <a:avLst/>
+              </a:prstGeom>
+              <a:noFill/>
+            </p:spPr>
+            <p:style>
+              <a:lnRef idx="2">
+                <a:schemeClr val="accent1">
+                  <a:shade val="50000"/>
+                </a:schemeClr>
+              </a:lnRef>
+              <a:fillRef idx="1">
+                <a:schemeClr val="accent1"/>
+              </a:fillRef>
+              <a:effectRef idx="0">
+                <a:schemeClr val="accent1"/>
+              </a:effectRef>
+              <a:fontRef idx="minor">
+                <a:schemeClr val="lt1"/>
+              </a:fontRef>
+            </p:style>
+            <p:txBody>
+              <a:bodyPr rtlCol="0" anchor="ctr"/>
+              <a:lstStyle/>
+              <a:p>
+                <a:pPr algn="ctr"/>
+                <a:r>
+                  <a:rPr lang="en-US" sz="2800" dirty="0">
+                    <a:solidFill>
+                      <a:schemeClr val="tx1"/>
+                    </a:solidFill>
+                  </a:rPr>
+                  <a:t>6</a:t>
+                </a:r>
+              </a:p>
+            </p:txBody>
+          </p:sp>
+          <p:sp>
+            <p:nvSpPr>
+              <p:cNvPr id="221" name="Rectangle 220">
+                <a:extLst>
+                  <a:ext uri="{FF2B5EF4-FFF2-40B4-BE49-F238E27FC236}">
+                    <a16:creationId xmlns:a16="http://schemas.microsoft.com/office/drawing/2014/main" id="{DEE29B2D-D503-7942-981E-F28DE40B86B8}"/>
+                  </a:ext>
+                </a:extLst>
+              </p:cNvPr>
+              <p:cNvSpPr/>
+              <p:nvPr/>
+            </p:nvSpPr>
+            <p:spPr>
+              <a:xfrm>
+                <a:off x="3690254" y="1774371"/>
+                <a:ext cx="620486" cy="566058"/>
+              </a:xfrm>
+              <a:prstGeom prst="rect">
+                <a:avLst/>
+              </a:prstGeom>
+              <a:noFill/>
+            </p:spPr>
+            <p:style>
+              <a:lnRef idx="2">
+                <a:schemeClr val="accent1">
+                  <a:shade val="50000"/>
+                </a:schemeClr>
+              </a:lnRef>
+              <a:fillRef idx="1">
+                <a:schemeClr val="accent1"/>
+              </a:fillRef>
+              <a:effectRef idx="0">
+                <a:schemeClr val="accent1"/>
+              </a:effectRef>
+              <a:fontRef idx="minor">
+                <a:schemeClr val="lt1"/>
+              </a:fontRef>
+            </p:style>
+            <p:txBody>
+              <a:bodyPr rtlCol="0" anchor="ctr"/>
+              <a:lstStyle/>
+              <a:p>
+                <a:pPr algn="ctr"/>
+                <a:endParaRPr lang="en-US"/>
+              </a:p>
+            </p:txBody>
+          </p:sp>
+        </p:grpSp>
+        <p:grpSp>
+          <p:nvGrpSpPr>
+            <p:cNvPr id="215" name="Group 214">
+              <a:extLst>
+                <a:ext uri="{FF2B5EF4-FFF2-40B4-BE49-F238E27FC236}">
+                  <a16:creationId xmlns:a16="http://schemas.microsoft.com/office/drawing/2014/main" id="{E00D08E2-73CC-DA4A-BB5F-425C574FADDD}"/>
+                </a:ext>
+              </a:extLst>
+            </p:cNvPr>
+            <p:cNvGrpSpPr/>
+            <p:nvPr/>
+          </p:nvGrpSpPr>
+          <p:grpSpPr>
+            <a:xfrm>
+              <a:off x="2449284" y="4038603"/>
+              <a:ext cx="1861456" cy="566058"/>
+              <a:chOff x="2449284" y="1774371"/>
+              <a:chExt cx="1861456" cy="566058"/>
+            </a:xfrm>
+          </p:grpSpPr>
+          <p:sp>
+            <p:nvSpPr>
+              <p:cNvPr id="216" name="Rectangle 215">
+                <a:extLst>
+                  <a:ext uri="{FF2B5EF4-FFF2-40B4-BE49-F238E27FC236}">
+                    <a16:creationId xmlns:a16="http://schemas.microsoft.com/office/drawing/2014/main" id="{052ED163-EB2B-0748-A07D-AB922ACDC042}"/>
+                  </a:ext>
+                </a:extLst>
+              </p:cNvPr>
+              <p:cNvSpPr/>
+              <p:nvPr/>
+            </p:nvSpPr>
+            <p:spPr>
+              <a:xfrm>
+                <a:off x="2449284" y="1774371"/>
+                <a:ext cx="620486" cy="566058"/>
+              </a:xfrm>
+              <a:prstGeom prst="rect">
+                <a:avLst/>
+              </a:prstGeom>
+              <a:noFill/>
+            </p:spPr>
+            <p:style>
+              <a:lnRef idx="2">
+                <a:schemeClr val="accent1">
+                  <a:shade val="50000"/>
+                </a:schemeClr>
+              </a:lnRef>
+              <a:fillRef idx="1">
+                <a:schemeClr val="accent1"/>
+              </a:fillRef>
+              <a:effectRef idx="0">
+                <a:schemeClr val="accent1"/>
+              </a:effectRef>
+              <a:fontRef idx="minor">
+                <a:schemeClr val="lt1"/>
+              </a:fontRef>
+            </p:style>
+            <p:txBody>
+              <a:bodyPr rtlCol="0" anchor="ctr"/>
+              <a:lstStyle/>
+              <a:p>
+                <a:pPr algn="ctr"/>
+                <a:endParaRPr lang="en-US"/>
+              </a:p>
+            </p:txBody>
+          </p:sp>
+          <p:sp>
+            <p:nvSpPr>
+              <p:cNvPr id="217" name="Rectangle 216">
+                <a:extLst>
+                  <a:ext uri="{FF2B5EF4-FFF2-40B4-BE49-F238E27FC236}">
+                    <a16:creationId xmlns:a16="http://schemas.microsoft.com/office/drawing/2014/main" id="{16B8E967-52C6-A640-AC12-554542A2A3E1}"/>
+                  </a:ext>
+                </a:extLst>
+              </p:cNvPr>
+              <p:cNvSpPr/>
+              <p:nvPr/>
+            </p:nvSpPr>
+            <p:spPr>
+              <a:xfrm>
+                <a:off x="3069768" y="1774371"/>
+                <a:ext cx="620486" cy="566058"/>
+              </a:xfrm>
+              <a:prstGeom prst="rect">
+                <a:avLst/>
+              </a:prstGeom>
+              <a:noFill/>
+            </p:spPr>
+            <p:style>
+              <a:lnRef idx="2">
+                <a:schemeClr val="accent1">
+                  <a:shade val="50000"/>
+                </a:schemeClr>
+              </a:lnRef>
+              <a:fillRef idx="1">
+                <a:schemeClr val="accent1"/>
+              </a:fillRef>
+              <a:effectRef idx="0">
+                <a:schemeClr val="accent1"/>
+              </a:effectRef>
+              <a:fontRef idx="minor">
+                <a:schemeClr val="lt1"/>
+              </a:fontRef>
+            </p:style>
+            <p:txBody>
+              <a:bodyPr rtlCol="0" anchor="ctr"/>
+              <a:lstStyle/>
+              <a:p>
+                <a:pPr algn="ctr"/>
+                <a:endParaRPr lang="en-US"/>
+              </a:p>
+            </p:txBody>
+          </p:sp>
+          <p:sp>
+            <p:nvSpPr>
+              <p:cNvPr id="218" name="Rectangle 217">
+                <a:extLst>
+                  <a:ext uri="{FF2B5EF4-FFF2-40B4-BE49-F238E27FC236}">
+                    <a16:creationId xmlns:a16="http://schemas.microsoft.com/office/drawing/2014/main" id="{5BDA7783-41CC-7748-AE75-6C3768702CB3}"/>
+                  </a:ext>
+                </a:extLst>
+              </p:cNvPr>
+              <p:cNvSpPr/>
+              <p:nvPr/>
+            </p:nvSpPr>
+            <p:spPr>
+              <a:xfrm>
+                <a:off x="3690254" y="1774371"/>
+                <a:ext cx="620486" cy="566058"/>
+              </a:xfrm>
+              <a:prstGeom prst="rect">
+                <a:avLst/>
+              </a:prstGeom>
+              <a:noFill/>
+            </p:spPr>
+            <p:style>
+              <a:lnRef idx="2">
+                <a:schemeClr val="accent1">
+                  <a:shade val="50000"/>
+                </a:schemeClr>
+              </a:lnRef>
+              <a:fillRef idx="1">
+                <a:schemeClr val="accent1"/>
+              </a:fillRef>
+              <a:effectRef idx="0">
+                <a:schemeClr val="accent1"/>
+              </a:effectRef>
+              <a:fontRef idx="minor">
+                <a:schemeClr val="lt1"/>
+              </a:fontRef>
+            </p:style>
+            <p:txBody>
+              <a:bodyPr rtlCol="0" anchor="ctr"/>
+              <a:lstStyle/>
+              <a:p>
+                <a:pPr algn="ctr"/>
+                <a:r>
+                  <a:rPr lang="en-US" dirty="0"/>
+                  <a:t>4</a:t>
+                </a:r>
+              </a:p>
+            </p:txBody>
+          </p:sp>
+        </p:grpSp>
+      </p:grpSp>
+      <p:grpSp>
+        <p:nvGrpSpPr>
+          <p:cNvPr id="227" name="Group 226">
+            <a:extLst>
+              <a:ext uri="{FF2B5EF4-FFF2-40B4-BE49-F238E27FC236}">
+                <a16:creationId xmlns:a16="http://schemas.microsoft.com/office/drawing/2014/main" id="{DF45033B-BA7C-8B4F-A128-A1CAB64A6D13}"/>
+              </a:ext>
+            </a:extLst>
+          </p:cNvPr>
+          <p:cNvGrpSpPr/>
+          <p:nvPr/>
+        </p:nvGrpSpPr>
+        <p:grpSpPr>
+          <a:xfrm>
+            <a:off x="4835969" y="4626444"/>
+            <a:ext cx="1861456" cy="1698174"/>
+            <a:chOff x="2449284" y="2906487"/>
+            <a:chExt cx="1861456" cy="1698174"/>
+          </a:xfrm>
+        </p:grpSpPr>
+        <p:grpSp>
+          <p:nvGrpSpPr>
+            <p:cNvPr id="228" name="Group 227">
+              <a:extLst>
+                <a:ext uri="{FF2B5EF4-FFF2-40B4-BE49-F238E27FC236}">
+                  <a16:creationId xmlns:a16="http://schemas.microsoft.com/office/drawing/2014/main" id="{20536A28-BE02-C346-9C27-2DF86292F9DF}"/>
+                </a:ext>
+              </a:extLst>
+            </p:cNvPr>
+            <p:cNvGrpSpPr/>
+            <p:nvPr/>
+          </p:nvGrpSpPr>
+          <p:grpSpPr>
+            <a:xfrm>
+              <a:off x="2449284" y="2906487"/>
+              <a:ext cx="1861456" cy="566058"/>
+              <a:chOff x="2449284" y="1774371"/>
+              <a:chExt cx="1861456" cy="566058"/>
+            </a:xfrm>
+          </p:grpSpPr>
+          <p:sp>
+            <p:nvSpPr>
+              <p:cNvPr id="237" name="Rectangle 236">
+                <a:extLst>
+                  <a:ext uri="{FF2B5EF4-FFF2-40B4-BE49-F238E27FC236}">
+                    <a16:creationId xmlns:a16="http://schemas.microsoft.com/office/drawing/2014/main" id="{A74678DD-0CFF-0848-A3C4-8FD122605EB1}"/>
+                  </a:ext>
+                </a:extLst>
+              </p:cNvPr>
+              <p:cNvSpPr/>
+              <p:nvPr/>
+            </p:nvSpPr>
+            <p:spPr>
+              <a:xfrm>
+                <a:off x="2449284" y="1774371"/>
+                <a:ext cx="620486" cy="566058"/>
+              </a:xfrm>
+              <a:prstGeom prst="rect">
+                <a:avLst/>
+              </a:prstGeom>
+              <a:noFill/>
+            </p:spPr>
+            <p:style>
+              <a:lnRef idx="2">
+                <a:schemeClr val="accent1">
+                  <a:shade val="50000"/>
+                </a:schemeClr>
+              </a:lnRef>
+              <a:fillRef idx="1">
+                <a:schemeClr val="accent1"/>
+              </a:fillRef>
+              <a:effectRef idx="0">
+                <a:schemeClr val="accent1"/>
+              </a:effectRef>
+              <a:fontRef idx="minor">
+                <a:schemeClr val="lt1"/>
+              </a:fontRef>
+            </p:style>
+            <p:txBody>
+              <a:bodyPr rtlCol="0" anchor="ctr"/>
+              <a:lstStyle/>
+              <a:p>
+                <a:pPr algn="ctr"/>
+                <a:r>
+                  <a:rPr lang="en-US" dirty="0"/>
+                  <a:t>0</a:t>
+                </a:r>
+              </a:p>
+            </p:txBody>
+          </p:sp>
+          <p:sp>
+            <p:nvSpPr>
+              <p:cNvPr id="238" name="Rectangle 237">
+                <a:extLst>
+                  <a:ext uri="{FF2B5EF4-FFF2-40B4-BE49-F238E27FC236}">
+                    <a16:creationId xmlns:a16="http://schemas.microsoft.com/office/drawing/2014/main" id="{E1C3AEEE-B9B2-2C43-A9A0-962978752672}"/>
+                  </a:ext>
+                </a:extLst>
+              </p:cNvPr>
+              <p:cNvSpPr/>
+              <p:nvPr/>
+            </p:nvSpPr>
+            <p:spPr>
+              <a:xfrm>
+                <a:off x="3069768" y="1774371"/>
+                <a:ext cx="620486" cy="566058"/>
+              </a:xfrm>
+              <a:prstGeom prst="rect">
+                <a:avLst/>
+              </a:prstGeom>
+              <a:noFill/>
+            </p:spPr>
+            <p:style>
+              <a:lnRef idx="2">
+                <a:schemeClr val="accent1">
+                  <a:shade val="50000"/>
+                </a:schemeClr>
+              </a:lnRef>
+              <a:fillRef idx="1">
+                <a:schemeClr val="accent1"/>
+              </a:fillRef>
+              <a:effectRef idx="0">
+                <a:schemeClr val="accent1"/>
+              </a:effectRef>
+              <a:fontRef idx="minor">
+                <a:schemeClr val="lt1"/>
+              </a:fontRef>
+            </p:style>
+            <p:txBody>
+              <a:bodyPr rtlCol="0" anchor="ctr"/>
+              <a:lstStyle/>
+              <a:p>
+                <a:pPr algn="ctr"/>
+                <a:endParaRPr lang="en-US"/>
+              </a:p>
+            </p:txBody>
+          </p:sp>
+          <p:sp>
+            <p:nvSpPr>
+              <p:cNvPr id="239" name="Rectangle 238">
+                <a:extLst>
+                  <a:ext uri="{FF2B5EF4-FFF2-40B4-BE49-F238E27FC236}">
+                    <a16:creationId xmlns:a16="http://schemas.microsoft.com/office/drawing/2014/main" id="{0E67C043-5A54-944D-8102-0CD4B57D0A0E}"/>
+                  </a:ext>
+                </a:extLst>
+              </p:cNvPr>
+              <p:cNvSpPr/>
+              <p:nvPr/>
+            </p:nvSpPr>
+            <p:spPr>
+              <a:xfrm>
+                <a:off x="3690254" y="1774371"/>
+                <a:ext cx="620486" cy="566058"/>
+              </a:xfrm>
+              <a:prstGeom prst="rect">
+                <a:avLst/>
+              </a:prstGeom>
+              <a:noFill/>
+            </p:spPr>
+            <p:style>
+              <a:lnRef idx="2">
+                <a:schemeClr val="accent1">
+                  <a:shade val="50000"/>
+                </a:schemeClr>
+              </a:lnRef>
+              <a:fillRef idx="1">
+                <a:schemeClr val="accent1"/>
+              </a:fillRef>
+              <a:effectRef idx="0">
+                <a:schemeClr val="accent1"/>
+              </a:effectRef>
+              <a:fontRef idx="minor">
+                <a:schemeClr val="lt1"/>
+              </a:fontRef>
+            </p:style>
+            <p:txBody>
+              <a:bodyPr rtlCol="0" anchor="ctr"/>
+              <a:lstStyle/>
+              <a:p>
+                <a:pPr algn="ctr"/>
+                <a:r>
+                  <a:rPr lang="en-US" dirty="0"/>
+                  <a:t>2</a:t>
+                </a:r>
+              </a:p>
+            </p:txBody>
+          </p:sp>
+        </p:grpSp>
+        <p:grpSp>
+          <p:nvGrpSpPr>
+            <p:cNvPr id="229" name="Group 228">
+              <a:extLst>
+                <a:ext uri="{FF2B5EF4-FFF2-40B4-BE49-F238E27FC236}">
+                  <a16:creationId xmlns:a16="http://schemas.microsoft.com/office/drawing/2014/main" id="{734DAFA6-6803-1F41-8341-927ABB9BB283}"/>
+                </a:ext>
+              </a:extLst>
+            </p:cNvPr>
+            <p:cNvGrpSpPr/>
+            <p:nvPr/>
+          </p:nvGrpSpPr>
+          <p:grpSpPr>
+            <a:xfrm>
+              <a:off x="2449284" y="3472545"/>
+              <a:ext cx="1861456" cy="566058"/>
+              <a:chOff x="2449284" y="1774371"/>
+              <a:chExt cx="1861456" cy="566058"/>
+            </a:xfrm>
+          </p:grpSpPr>
+          <p:sp>
+            <p:nvSpPr>
+              <p:cNvPr id="234" name="Rectangle 233">
+                <a:extLst>
+                  <a:ext uri="{FF2B5EF4-FFF2-40B4-BE49-F238E27FC236}">
+                    <a16:creationId xmlns:a16="http://schemas.microsoft.com/office/drawing/2014/main" id="{BE0E5934-2D87-E24B-842F-DC8E898497C3}"/>
+                  </a:ext>
+                </a:extLst>
+              </p:cNvPr>
+              <p:cNvSpPr/>
+              <p:nvPr/>
+            </p:nvSpPr>
+            <p:spPr>
+              <a:xfrm>
+                <a:off x="2449284" y="1774371"/>
+                <a:ext cx="620486" cy="566058"/>
+              </a:xfrm>
+              <a:prstGeom prst="rect">
+                <a:avLst/>
+              </a:prstGeom>
+              <a:noFill/>
+            </p:spPr>
+            <p:style>
+              <a:lnRef idx="2">
+                <a:schemeClr val="accent1">
+                  <a:shade val="50000"/>
+                </a:schemeClr>
+              </a:lnRef>
+              <a:fillRef idx="1">
+                <a:schemeClr val="accent1"/>
+              </a:fillRef>
+              <a:effectRef idx="0">
+                <a:schemeClr val="accent1"/>
+              </a:effectRef>
+              <a:fontRef idx="minor">
+                <a:schemeClr val="lt1"/>
+              </a:fontRef>
+            </p:style>
+            <p:txBody>
+              <a:bodyPr rtlCol="0" anchor="ctr"/>
+              <a:lstStyle/>
+              <a:p>
+                <a:pPr algn="ctr"/>
+                <a:endParaRPr lang="en-US"/>
+              </a:p>
+            </p:txBody>
+          </p:sp>
+          <p:sp>
+            <p:nvSpPr>
+              <p:cNvPr id="235" name="Rectangle 234">
+                <a:extLst>
+                  <a:ext uri="{FF2B5EF4-FFF2-40B4-BE49-F238E27FC236}">
+                    <a16:creationId xmlns:a16="http://schemas.microsoft.com/office/drawing/2014/main" id="{E84109D9-CB37-6044-B288-25BFAA1618E8}"/>
+                  </a:ext>
+                </a:extLst>
+              </p:cNvPr>
+              <p:cNvSpPr/>
+              <p:nvPr/>
+            </p:nvSpPr>
+            <p:spPr>
+              <a:xfrm>
+                <a:off x="3069768" y="1774371"/>
+                <a:ext cx="620486" cy="566058"/>
+              </a:xfrm>
+              <a:prstGeom prst="rect">
+                <a:avLst/>
+              </a:prstGeom>
+              <a:noFill/>
+            </p:spPr>
+            <p:style>
+              <a:lnRef idx="2">
+                <a:schemeClr val="accent1">
+                  <a:shade val="50000"/>
+                </a:schemeClr>
+              </a:lnRef>
+              <a:fillRef idx="1">
+                <a:schemeClr val="accent1"/>
+              </a:fillRef>
+              <a:effectRef idx="0">
+                <a:schemeClr val="accent1"/>
+              </a:effectRef>
+              <a:fontRef idx="minor">
+                <a:schemeClr val="lt1"/>
+              </a:fontRef>
+            </p:style>
+            <p:txBody>
+              <a:bodyPr rtlCol="0" anchor="ctr"/>
+              <a:lstStyle/>
+              <a:p>
+                <a:pPr algn="ctr"/>
+                <a:r>
+                  <a:rPr lang="en-US" sz="2800" dirty="0">
+                    <a:solidFill>
+                      <a:schemeClr val="tx1"/>
+                    </a:solidFill>
+                  </a:rPr>
+                  <a:t>7</a:t>
+                </a:r>
+              </a:p>
+            </p:txBody>
+          </p:sp>
+          <p:sp>
+            <p:nvSpPr>
+              <p:cNvPr id="236" name="Rectangle 235">
+                <a:extLst>
+                  <a:ext uri="{FF2B5EF4-FFF2-40B4-BE49-F238E27FC236}">
+                    <a16:creationId xmlns:a16="http://schemas.microsoft.com/office/drawing/2014/main" id="{84D869DB-1B61-F24E-AC96-5CD9A8CD0BFF}"/>
+                  </a:ext>
+                </a:extLst>
+              </p:cNvPr>
+              <p:cNvSpPr/>
+              <p:nvPr/>
+            </p:nvSpPr>
+            <p:spPr>
+              <a:xfrm>
+                <a:off x="3690254" y="1774371"/>
+                <a:ext cx="620486" cy="566058"/>
+              </a:xfrm>
+              <a:prstGeom prst="rect">
+                <a:avLst/>
+              </a:prstGeom>
+              <a:noFill/>
+            </p:spPr>
+            <p:style>
+              <a:lnRef idx="2">
+                <a:schemeClr val="accent1">
+                  <a:shade val="50000"/>
+                </a:schemeClr>
+              </a:lnRef>
+              <a:fillRef idx="1">
+                <a:schemeClr val="accent1"/>
+              </a:fillRef>
+              <a:effectRef idx="0">
+                <a:schemeClr val="accent1"/>
+              </a:effectRef>
+              <a:fontRef idx="minor">
+                <a:schemeClr val="lt1"/>
+              </a:fontRef>
+            </p:style>
+            <p:txBody>
+              <a:bodyPr rtlCol="0" anchor="ctr"/>
+              <a:lstStyle/>
+              <a:p>
+                <a:pPr algn="ctr"/>
+                <a:endParaRPr lang="en-US"/>
+              </a:p>
+            </p:txBody>
+          </p:sp>
+        </p:grpSp>
+        <p:grpSp>
+          <p:nvGrpSpPr>
+            <p:cNvPr id="230" name="Group 229">
+              <a:extLst>
+                <a:ext uri="{FF2B5EF4-FFF2-40B4-BE49-F238E27FC236}">
+                  <a16:creationId xmlns:a16="http://schemas.microsoft.com/office/drawing/2014/main" id="{5696CBC4-4A79-514D-A4C6-3A381D756EF9}"/>
+                </a:ext>
+              </a:extLst>
+            </p:cNvPr>
+            <p:cNvGrpSpPr/>
+            <p:nvPr/>
+          </p:nvGrpSpPr>
+          <p:grpSpPr>
+            <a:xfrm>
+              <a:off x="2449284" y="4038603"/>
+              <a:ext cx="1861456" cy="566058"/>
+              <a:chOff x="2449284" y="1774371"/>
+              <a:chExt cx="1861456" cy="566058"/>
+            </a:xfrm>
+          </p:grpSpPr>
+          <p:sp>
+            <p:nvSpPr>
+              <p:cNvPr id="231" name="Rectangle 230">
+                <a:extLst>
+                  <a:ext uri="{FF2B5EF4-FFF2-40B4-BE49-F238E27FC236}">
+                    <a16:creationId xmlns:a16="http://schemas.microsoft.com/office/drawing/2014/main" id="{BE179D4D-7D80-C943-8E74-51321562B71B}"/>
+                  </a:ext>
+                </a:extLst>
+              </p:cNvPr>
+              <p:cNvSpPr/>
+              <p:nvPr/>
+            </p:nvSpPr>
+            <p:spPr>
+              <a:xfrm>
+                <a:off x="2449284" y="1774371"/>
+                <a:ext cx="620486" cy="566058"/>
+              </a:xfrm>
+              <a:prstGeom prst="rect">
+                <a:avLst/>
+              </a:prstGeom>
+              <a:noFill/>
+            </p:spPr>
+            <p:style>
+              <a:lnRef idx="2">
+                <a:schemeClr val="accent1">
+                  <a:shade val="50000"/>
+                </a:schemeClr>
+              </a:lnRef>
+              <a:fillRef idx="1">
+                <a:schemeClr val="accent1"/>
+              </a:fillRef>
+              <a:effectRef idx="0">
+                <a:schemeClr val="accent1"/>
+              </a:effectRef>
+              <a:fontRef idx="minor">
+                <a:schemeClr val="lt1"/>
+              </a:fontRef>
+            </p:style>
+            <p:txBody>
+              <a:bodyPr rtlCol="0" anchor="ctr"/>
+              <a:lstStyle/>
+              <a:p>
+                <a:pPr algn="ctr"/>
+                <a:endParaRPr lang="en-US"/>
+              </a:p>
+            </p:txBody>
+          </p:sp>
+          <p:sp>
+            <p:nvSpPr>
+              <p:cNvPr id="232" name="Rectangle 231">
+                <a:extLst>
+                  <a:ext uri="{FF2B5EF4-FFF2-40B4-BE49-F238E27FC236}">
+                    <a16:creationId xmlns:a16="http://schemas.microsoft.com/office/drawing/2014/main" id="{3B8851EA-9C7D-F446-AEFB-4E93B0DEC7CC}"/>
+                  </a:ext>
+                </a:extLst>
+              </p:cNvPr>
+              <p:cNvSpPr/>
+              <p:nvPr/>
+            </p:nvSpPr>
+            <p:spPr>
+              <a:xfrm>
+                <a:off x="3069768" y="1774371"/>
+                <a:ext cx="620486" cy="566058"/>
+              </a:xfrm>
+              <a:prstGeom prst="rect">
+                <a:avLst/>
+              </a:prstGeom>
+              <a:noFill/>
+            </p:spPr>
+            <p:style>
+              <a:lnRef idx="2">
+                <a:schemeClr val="accent1">
+                  <a:shade val="50000"/>
+                </a:schemeClr>
+              </a:lnRef>
+              <a:fillRef idx="1">
+                <a:schemeClr val="accent1"/>
+              </a:fillRef>
+              <a:effectRef idx="0">
+                <a:schemeClr val="accent1"/>
+              </a:effectRef>
+              <a:fontRef idx="minor">
+                <a:schemeClr val="lt1"/>
+              </a:fontRef>
+            </p:style>
+            <p:txBody>
+              <a:bodyPr rtlCol="0" anchor="ctr"/>
+              <a:lstStyle/>
+              <a:p>
+                <a:pPr algn="ctr"/>
+                <a:r>
+                  <a:rPr lang="en-US" dirty="0"/>
+                  <a:t>5</a:t>
+                </a:r>
+              </a:p>
+            </p:txBody>
+          </p:sp>
+          <p:sp>
+            <p:nvSpPr>
+              <p:cNvPr id="233" name="Rectangle 232">
+                <a:extLst>
+                  <a:ext uri="{FF2B5EF4-FFF2-40B4-BE49-F238E27FC236}">
+                    <a16:creationId xmlns:a16="http://schemas.microsoft.com/office/drawing/2014/main" id="{7D3DB122-49FE-E74A-BE3D-B531D6CF83C8}"/>
+                  </a:ext>
+                </a:extLst>
+              </p:cNvPr>
+              <p:cNvSpPr/>
+              <p:nvPr/>
+            </p:nvSpPr>
+            <p:spPr>
+              <a:xfrm>
+                <a:off x="3690254" y="1774371"/>
+                <a:ext cx="620486" cy="566058"/>
+              </a:xfrm>
+              <a:prstGeom prst="rect">
+                <a:avLst/>
+              </a:prstGeom>
+              <a:noFill/>
+            </p:spPr>
+            <p:style>
+              <a:lnRef idx="2">
+                <a:schemeClr val="accent1">
+                  <a:shade val="50000"/>
+                </a:schemeClr>
+              </a:lnRef>
+              <a:fillRef idx="1">
+                <a:schemeClr val="accent1"/>
+              </a:fillRef>
+              <a:effectRef idx="0">
+                <a:schemeClr val="accent1"/>
+              </a:effectRef>
+              <a:fontRef idx="minor">
+                <a:schemeClr val="lt1"/>
+              </a:fontRef>
+            </p:style>
+            <p:txBody>
+              <a:bodyPr rtlCol="0" anchor="ctr"/>
+              <a:lstStyle/>
+              <a:p>
+                <a:pPr algn="ctr"/>
+                <a:endParaRPr lang="en-US"/>
+              </a:p>
+            </p:txBody>
+          </p:sp>
+        </p:grpSp>
+      </p:grpSp>
+      <p:grpSp>
+        <p:nvGrpSpPr>
+          <p:cNvPr id="242" name="Group 241">
+            <a:extLst>
+              <a:ext uri="{FF2B5EF4-FFF2-40B4-BE49-F238E27FC236}">
+                <a16:creationId xmlns:a16="http://schemas.microsoft.com/office/drawing/2014/main" id="{E5E53BA5-02DB-A446-B381-C808AFE7471E}"/>
+              </a:ext>
+            </a:extLst>
+          </p:cNvPr>
+          <p:cNvGrpSpPr/>
+          <p:nvPr/>
+        </p:nvGrpSpPr>
+        <p:grpSpPr>
+          <a:xfrm>
+            <a:off x="6904251" y="4626443"/>
+            <a:ext cx="1861456" cy="1698174"/>
+            <a:chOff x="2449284" y="2906487"/>
+            <a:chExt cx="1861456" cy="1698174"/>
+          </a:xfrm>
+        </p:grpSpPr>
+        <p:grpSp>
+          <p:nvGrpSpPr>
+            <p:cNvPr id="243" name="Group 242">
+              <a:extLst>
+                <a:ext uri="{FF2B5EF4-FFF2-40B4-BE49-F238E27FC236}">
+                  <a16:creationId xmlns:a16="http://schemas.microsoft.com/office/drawing/2014/main" id="{38E74B85-E0A2-294C-B83A-01C32228CCC2}"/>
+                </a:ext>
+              </a:extLst>
+            </p:cNvPr>
+            <p:cNvGrpSpPr/>
+            <p:nvPr/>
+          </p:nvGrpSpPr>
+          <p:grpSpPr>
+            <a:xfrm>
+              <a:off x="2449284" y="2906487"/>
+              <a:ext cx="1861456" cy="566058"/>
+              <a:chOff x="2449284" y="1774371"/>
+              <a:chExt cx="1861456" cy="566058"/>
+            </a:xfrm>
+          </p:grpSpPr>
+          <p:sp>
+            <p:nvSpPr>
+              <p:cNvPr id="252" name="Rectangle 251">
+                <a:extLst>
+                  <a:ext uri="{FF2B5EF4-FFF2-40B4-BE49-F238E27FC236}">
+                    <a16:creationId xmlns:a16="http://schemas.microsoft.com/office/drawing/2014/main" id="{82F27E6C-7929-1048-8728-BD9537F74831}"/>
+                  </a:ext>
+                </a:extLst>
+              </p:cNvPr>
+              <p:cNvSpPr/>
+              <p:nvPr/>
+            </p:nvSpPr>
+            <p:spPr>
+              <a:xfrm>
+                <a:off x="2449284" y="1774371"/>
+                <a:ext cx="620486" cy="566058"/>
+              </a:xfrm>
+              <a:prstGeom prst="rect">
+                <a:avLst/>
+              </a:prstGeom>
+              <a:noFill/>
+            </p:spPr>
+            <p:style>
+              <a:lnRef idx="2">
+                <a:schemeClr val="accent1">
+                  <a:shade val="50000"/>
+                </a:schemeClr>
+              </a:lnRef>
+              <a:fillRef idx="1">
+                <a:schemeClr val="accent1"/>
+              </a:fillRef>
+              <a:effectRef idx="0">
+                <a:schemeClr val="accent1"/>
+              </a:effectRef>
+              <a:fontRef idx="minor">
+                <a:schemeClr val="lt1"/>
+              </a:fontRef>
+            </p:style>
+            <p:txBody>
+              <a:bodyPr rtlCol="0" anchor="ctr"/>
+              <a:lstStyle/>
+              <a:p>
+                <a:pPr algn="ctr"/>
+                <a:r>
+                  <a:rPr lang="en-US" dirty="0"/>
+                  <a:t>5</a:t>
+                </a:r>
+              </a:p>
+            </p:txBody>
+          </p:sp>
+          <p:sp>
+            <p:nvSpPr>
+              <p:cNvPr id="253" name="Rectangle 252">
+                <a:extLst>
+                  <a:ext uri="{FF2B5EF4-FFF2-40B4-BE49-F238E27FC236}">
+                    <a16:creationId xmlns:a16="http://schemas.microsoft.com/office/drawing/2014/main" id="{75AEDD58-5607-B349-B9BB-803120BDD8EB}"/>
+                  </a:ext>
+                </a:extLst>
+              </p:cNvPr>
+              <p:cNvSpPr/>
+              <p:nvPr/>
+            </p:nvSpPr>
+            <p:spPr>
+              <a:xfrm>
+                <a:off x="3069768" y="1774371"/>
+                <a:ext cx="620486" cy="566058"/>
+              </a:xfrm>
+              <a:prstGeom prst="rect">
+                <a:avLst/>
+              </a:prstGeom>
+              <a:noFill/>
+            </p:spPr>
+            <p:style>
+              <a:lnRef idx="2">
+                <a:schemeClr val="accent1">
+                  <a:shade val="50000"/>
+                </a:schemeClr>
+              </a:lnRef>
+              <a:fillRef idx="1">
+                <a:schemeClr val="accent1"/>
+              </a:fillRef>
+              <a:effectRef idx="0">
+                <a:schemeClr val="accent1"/>
+              </a:effectRef>
+              <a:fontRef idx="minor">
+                <a:schemeClr val="lt1"/>
+              </a:fontRef>
+            </p:style>
+            <p:txBody>
+              <a:bodyPr rtlCol="0" anchor="ctr"/>
+              <a:lstStyle/>
+              <a:p>
+                <a:pPr algn="ctr"/>
+                <a:endParaRPr lang="en-US"/>
+              </a:p>
+            </p:txBody>
+          </p:sp>
+          <p:sp>
+            <p:nvSpPr>
+              <p:cNvPr id="254" name="Rectangle 253">
+                <a:extLst>
+                  <a:ext uri="{FF2B5EF4-FFF2-40B4-BE49-F238E27FC236}">
+                    <a16:creationId xmlns:a16="http://schemas.microsoft.com/office/drawing/2014/main" id="{B8C15241-1E3E-B149-86C4-3559E87F73C2}"/>
+                  </a:ext>
+                </a:extLst>
+              </p:cNvPr>
+              <p:cNvSpPr/>
+              <p:nvPr/>
+            </p:nvSpPr>
+            <p:spPr>
+              <a:xfrm>
+                <a:off x="3690254" y="1774371"/>
+                <a:ext cx="620486" cy="566058"/>
+              </a:xfrm>
+              <a:prstGeom prst="rect">
+                <a:avLst/>
+              </a:prstGeom>
+              <a:noFill/>
+            </p:spPr>
+            <p:style>
+              <a:lnRef idx="2">
+                <a:schemeClr val="accent1">
+                  <a:shade val="50000"/>
+                </a:schemeClr>
+              </a:lnRef>
+              <a:fillRef idx="1">
+                <a:schemeClr val="accent1"/>
+              </a:fillRef>
+              <a:effectRef idx="0">
+                <a:schemeClr val="accent1"/>
+              </a:effectRef>
+              <a:fontRef idx="minor">
+                <a:schemeClr val="lt1"/>
+              </a:fontRef>
+            </p:style>
+            <p:txBody>
+              <a:bodyPr rtlCol="0" anchor="ctr"/>
+              <a:lstStyle/>
+              <a:p>
+                <a:pPr algn="ctr"/>
+                <a:endParaRPr lang="en-US"/>
+              </a:p>
+            </p:txBody>
+          </p:sp>
+        </p:grpSp>
+        <p:grpSp>
+          <p:nvGrpSpPr>
+            <p:cNvPr id="244" name="Group 243">
+              <a:extLst>
+                <a:ext uri="{FF2B5EF4-FFF2-40B4-BE49-F238E27FC236}">
+                  <a16:creationId xmlns:a16="http://schemas.microsoft.com/office/drawing/2014/main" id="{F5FE0F80-73A9-7F46-964F-793D78E2E8C9}"/>
+                </a:ext>
+              </a:extLst>
+            </p:cNvPr>
+            <p:cNvGrpSpPr/>
+            <p:nvPr/>
+          </p:nvGrpSpPr>
+          <p:grpSpPr>
+            <a:xfrm>
+              <a:off x="2449284" y="3472545"/>
+              <a:ext cx="1861456" cy="566058"/>
+              <a:chOff x="2449284" y="1774371"/>
+              <a:chExt cx="1861456" cy="566058"/>
+            </a:xfrm>
+          </p:grpSpPr>
+          <p:sp>
+            <p:nvSpPr>
+              <p:cNvPr id="249" name="Rectangle 248">
+                <a:extLst>
+                  <a:ext uri="{FF2B5EF4-FFF2-40B4-BE49-F238E27FC236}">
+                    <a16:creationId xmlns:a16="http://schemas.microsoft.com/office/drawing/2014/main" id="{322C23DB-66AD-D640-820A-7281A287F486}"/>
+                  </a:ext>
+                </a:extLst>
+              </p:cNvPr>
+              <p:cNvSpPr/>
+              <p:nvPr/>
+            </p:nvSpPr>
+            <p:spPr>
+              <a:xfrm>
+                <a:off x="2449284" y="1774371"/>
+                <a:ext cx="620486" cy="566058"/>
+              </a:xfrm>
+              <a:prstGeom prst="rect">
+                <a:avLst/>
+              </a:prstGeom>
+              <a:noFill/>
+            </p:spPr>
+            <p:style>
+              <a:lnRef idx="2">
+                <a:schemeClr val="accent1">
+                  <a:shade val="50000"/>
+                </a:schemeClr>
+              </a:lnRef>
+              <a:fillRef idx="1">
+                <a:schemeClr val="accent1"/>
+              </a:fillRef>
+              <a:effectRef idx="0">
+                <a:schemeClr val="accent1"/>
+              </a:effectRef>
+              <a:fontRef idx="minor">
+                <a:schemeClr val="lt1"/>
+              </a:fontRef>
+            </p:style>
+            <p:txBody>
+              <a:bodyPr rtlCol="0" anchor="ctr"/>
+              <a:lstStyle/>
+              <a:p>
+                <a:pPr algn="ctr"/>
+                <a:endParaRPr lang="en-US"/>
+              </a:p>
+            </p:txBody>
+          </p:sp>
+          <p:sp>
+            <p:nvSpPr>
+              <p:cNvPr id="250" name="Rectangle 249">
+                <a:extLst>
+                  <a:ext uri="{FF2B5EF4-FFF2-40B4-BE49-F238E27FC236}">
+                    <a16:creationId xmlns:a16="http://schemas.microsoft.com/office/drawing/2014/main" id="{C201C9CF-7E22-B94D-922A-A1CD1511D3A3}"/>
+                  </a:ext>
+                </a:extLst>
+              </p:cNvPr>
+              <p:cNvSpPr/>
+              <p:nvPr/>
+            </p:nvSpPr>
+            <p:spPr>
+              <a:xfrm>
+                <a:off x="3069768" y="1774371"/>
+                <a:ext cx="620486" cy="566058"/>
+              </a:xfrm>
+              <a:prstGeom prst="rect">
+                <a:avLst/>
+              </a:prstGeom>
+              <a:noFill/>
+            </p:spPr>
+            <p:style>
+              <a:lnRef idx="2">
+                <a:schemeClr val="accent1">
+                  <a:shade val="50000"/>
+                </a:schemeClr>
+              </a:lnRef>
+              <a:fillRef idx="1">
+                <a:schemeClr val="accent1"/>
+              </a:fillRef>
+              <a:effectRef idx="0">
+                <a:schemeClr val="accent1"/>
+              </a:effectRef>
+              <a:fontRef idx="minor">
+                <a:schemeClr val="lt1"/>
+              </a:fontRef>
+            </p:style>
+            <p:txBody>
+              <a:bodyPr rtlCol="0" anchor="ctr"/>
+              <a:lstStyle/>
+              <a:p>
+                <a:pPr algn="ctr"/>
+                <a:r>
+                  <a:rPr lang="en-US" sz="2800" dirty="0">
+                    <a:solidFill>
+                      <a:schemeClr val="tx1"/>
+                    </a:solidFill>
+                  </a:rPr>
+                  <a:t>7</a:t>
+                </a:r>
+              </a:p>
+            </p:txBody>
+          </p:sp>
+          <p:sp>
+            <p:nvSpPr>
+              <p:cNvPr id="251" name="Rectangle 250">
+                <a:extLst>
+                  <a:ext uri="{FF2B5EF4-FFF2-40B4-BE49-F238E27FC236}">
+                    <a16:creationId xmlns:a16="http://schemas.microsoft.com/office/drawing/2014/main" id="{AB3264ED-8EAD-7441-A766-104F088D8991}"/>
+                  </a:ext>
+                </a:extLst>
+              </p:cNvPr>
+              <p:cNvSpPr/>
+              <p:nvPr/>
+            </p:nvSpPr>
+            <p:spPr>
+              <a:xfrm>
+                <a:off x="3690254" y="1774371"/>
+                <a:ext cx="620486" cy="566058"/>
+              </a:xfrm>
+              <a:prstGeom prst="rect">
+                <a:avLst/>
+              </a:prstGeom>
+              <a:noFill/>
+            </p:spPr>
+            <p:style>
+              <a:lnRef idx="2">
+                <a:schemeClr val="accent1">
+                  <a:shade val="50000"/>
+                </a:schemeClr>
+              </a:lnRef>
+              <a:fillRef idx="1">
+                <a:schemeClr val="accent1"/>
+              </a:fillRef>
+              <a:effectRef idx="0">
+                <a:schemeClr val="accent1"/>
+              </a:effectRef>
+              <a:fontRef idx="minor">
+                <a:schemeClr val="lt1"/>
+              </a:fontRef>
+            </p:style>
+            <p:txBody>
+              <a:bodyPr rtlCol="0" anchor="ctr"/>
+              <a:lstStyle/>
+              <a:p>
+                <a:pPr algn="ctr"/>
+                <a:r>
+                  <a:rPr lang="en-US" dirty="0"/>
+                  <a:t>0</a:t>
+                </a:r>
+              </a:p>
+            </p:txBody>
+          </p:sp>
+        </p:grpSp>
+        <p:grpSp>
+          <p:nvGrpSpPr>
+            <p:cNvPr id="245" name="Group 244">
+              <a:extLst>
+                <a:ext uri="{FF2B5EF4-FFF2-40B4-BE49-F238E27FC236}">
+                  <a16:creationId xmlns:a16="http://schemas.microsoft.com/office/drawing/2014/main" id="{686DAC95-8088-7F4A-BA98-B7216773B556}"/>
+                </a:ext>
+              </a:extLst>
+            </p:cNvPr>
+            <p:cNvGrpSpPr/>
+            <p:nvPr/>
+          </p:nvGrpSpPr>
+          <p:grpSpPr>
+            <a:xfrm>
+              <a:off x="2449284" y="4038603"/>
+              <a:ext cx="1861456" cy="566058"/>
+              <a:chOff x="2449284" y="1774371"/>
+              <a:chExt cx="1861456" cy="566058"/>
+            </a:xfrm>
+          </p:grpSpPr>
+          <p:sp>
+            <p:nvSpPr>
+              <p:cNvPr id="246" name="Rectangle 245">
+                <a:extLst>
+                  <a:ext uri="{FF2B5EF4-FFF2-40B4-BE49-F238E27FC236}">
+                    <a16:creationId xmlns:a16="http://schemas.microsoft.com/office/drawing/2014/main" id="{EF9951C5-53B8-BE4E-BE80-CDCF3D36E1C5}"/>
+                  </a:ext>
+                </a:extLst>
+              </p:cNvPr>
+              <p:cNvSpPr/>
+              <p:nvPr/>
+            </p:nvSpPr>
+            <p:spPr>
+              <a:xfrm>
+                <a:off x="2449284" y="1774371"/>
+                <a:ext cx="620486" cy="566058"/>
+              </a:xfrm>
+              <a:prstGeom prst="rect">
+                <a:avLst/>
+              </a:prstGeom>
+              <a:noFill/>
+            </p:spPr>
+            <p:style>
+              <a:lnRef idx="2">
+                <a:schemeClr val="accent1">
+                  <a:shade val="50000"/>
+                </a:schemeClr>
+              </a:lnRef>
+              <a:fillRef idx="1">
+                <a:schemeClr val="accent1"/>
+              </a:fillRef>
+              <a:effectRef idx="0">
+                <a:schemeClr val="accent1"/>
+              </a:effectRef>
+              <a:fontRef idx="minor">
+                <a:schemeClr val="lt1"/>
+              </a:fontRef>
+            </p:style>
+            <p:txBody>
+              <a:bodyPr rtlCol="0" anchor="ctr"/>
+              <a:lstStyle/>
+              <a:p>
+                <a:pPr algn="ctr"/>
+                <a:endParaRPr lang="en-US"/>
+              </a:p>
+            </p:txBody>
+          </p:sp>
+          <p:sp>
+            <p:nvSpPr>
+              <p:cNvPr id="247" name="Rectangle 246">
+                <a:extLst>
+                  <a:ext uri="{FF2B5EF4-FFF2-40B4-BE49-F238E27FC236}">
+                    <a16:creationId xmlns:a16="http://schemas.microsoft.com/office/drawing/2014/main" id="{5187BD20-56F1-A04C-8A4E-87C5D5B5EEF2}"/>
+                  </a:ext>
+                </a:extLst>
+              </p:cNvPr>
+              <p:cNvSpPr/>
+              <p:nvPr/>
+            </p:nvSpPr>
+            <p:spPr>
+              <a:xfrm>
+                <a:off x="3069768" y="1774371"/>
+                <a:ext cx="620486" cy="566058"/>
+              </a:xfrm>
+              <a:prstGeom prst="rect">
+                <a:avLst/>
+              </a:prstGeom>
+              <a:noFill/>
+            </p:spPr>
+            <p:style>
+              <a:lnRef idx="2">
+                <a:schemeClr val="accent1">
+                  <a:shade val="50000"/>
+                </a:schemeClr>
+              </a:lnRef>
+              <a:fillRef idx="1">
+                <a:schemeClr val="accent1"/>
+              </a:fillRef>
+              <a:effectRef idx="0">
+                <a:schemeClr val="accent1"/>
+              </a:effectRef>
+              <a:fontRef idx="minor">
+                <a:schemeClr val="lt1"/>
+              </a:fontRef>
+            </p:style>
+            <p:txBody>
+              <a:bodyPr rtlCol="0" anchor="ctr"/>
+              <a:lstStyle/>
+              <a:p>
+                <a:pPr algn="ctr"/>
+                <a:r>
+                  <a:rPr lang="en-US" dirty="0"/>
+                  <a:t>2</a:t>
+                </a:r>
+              </a:p>
+            </p:txBody>
+          </p:sp>
+          <p:sp>
+            <p:nvSpPr>
+              <p:cNvPr id="248" name="Rectangle 247">
+                <a:extLst>
+                  <a:ext uri="{FF2B5EF4-FFF2-40B4-BE49-F238E27FC236}">
+                    <a16:creationId xmlns:a16="http://schemas.microsoft.com/office/drawing/2014/main" id="{B2986F08-8606-B149-9AD6-19294B0F4D7A}"/>
+                  </a:ext>
+                </a:extLst>
+              </p:cNvPr>
+              <p:cNvSpPr/>
+              <p:nvPr/>
+            </p:nvSpPr>
+            <p:spPr>
+              <a:xfrm>
+                <a:off x="3690254" y="1774371"/>
+                <a:ext cx="620486" cy="566058"/>
+              </a:xfrm>
+              <a:prstGeom prst="rect">
+                <a:avLst/>
+              </a:prstGeom>
+              <a:noFill/>
+            </p:spPr>
+            <p:style>
+              <a:lnRef idx="2">
+                <a:schemeClr val="accent1">
+                  <a:shade val="50000"/>
+                </a:schemeClr>
+              </a:lnRef>
+              <a:fillRef idx="1">
+                <a:schemeClr val="accent1"/>
+              </a:fillRef>
+              <a:effectRef idx="0">
+                <a:schemeClr val="accent1"/>
+              </a:effectRef>
+              <a:fontRef idx="minor">
+                <a:schemeClr val="lt1"/>
+              </a:fontRef>
+            </p:style>
+            <p:txBody>
+              <a:bodyPr rtlCol="0" anchor="ctr"/>
+              <a:lstStyle/>
+              <a:p>
+                <a:pPr algn="ctr"/>
+                <a:endParaRPr lang="en-US"/>
+              </a:p>
+            </p:txBody>
+          </p:sp>
+        </p:grpSp>
+      </p:grpSp>
+      <p:grpSp>
+        <p:nvGrpSpPr>
+          <p:cNvPr id="260" name="Group 259">
+            <a:extLst>
+              <a:ext uri="{FF2B5EF4-FFF2-40B4-BE49-F238E27FC236}">
+                <a16:creationId xmlns:a16="http://schemas.microsoft.com/office/drawing/2014/main" id="{5C4B65F9-F110-804F-91CC-14FA773AC094}"/>
+              </a:ext>
+            </a:extLst>
+          </p:cNvPr>
+          <p:cNvGrpSpPr/>
+          <p:nvPr/>
+        </p:nvGrpSpPr>
+        <p:grpSpPr>
+          <a:xfrm>
+            <a:off x="2767687" y="4626443"/>
+            <a:ext cx="1861456" cy="1698174"/>
+            <a:chOff x="2449284" y="2906487"/>
+            <a:chExt cx="1861456" cy="1698174"/>
+          </a:xfrm>
+        </p:grpSpPr>
+        <p:grpSp>
+          <p:nvGrpSpPr>
+            <p:cNvPr id="261" name="Group 260">
+              <a:extLst>
+                <a:ext uri="{FF2B5EF4-FFF2-40B4-BE49-F238E27FC236}">
+                  <a16:creationId xmlns:a16="http://schemas.microsoft.com/office/drawing/2014/main" id="{A98D75E6-4FBD-6247-80BD-8483AFAFDEC1}"/>
+                </a:ext>
+              </a:extLst>
+            </p:cNvPr>
+            <p:cNvGrpSpPr/>
+            <p:nvPr/>
+          </p:nvGrpSpPr>
+          <p:grpSpPr>
+            <a:xfrm>
+              <a:off x="2449284" y="2906487"/>
+              <a:ext cx="1861456" cy="566058"/>
+              <a:chOff x="2449284" y="1774371"/>
+              <a:chExt cx="1861456" cy="566058"/>
+            </a:xfrm>
+          </p:grpSpPr>
+          <p:sp>
+            <p:nvSpPr>
+              <p:cNvPr id="270" name="Rectangle 269">
+                <a:extLst>
+                  <a:ext uri="{FF2B5EF4-FFF2-40B4-BE49-F238E27FC236}">
+                    <a16:creationId xmlns:a16="http://schemas.microsoft.com/office/drawing/2014/main" id="{BF0854FC-5F7A-9E4E-A2B9-5B153D489943}"/>
+                  </a:ext>
+                </a:extLst>
+              </p:cNvPr>
+              <p:cNvSpPr/>
+              <p:nvPr/>
+            </p:nvSpPr>
+            <p:spPr>
+              <a:xfrm>
+                <a:off x="2449284" y="1774371"/>
+                <a:ext cx="620486" cy="566058"/>
+              </a:xfrm>
+              <a:prstGeom prst="rect">
+                <a:avLst/>
+              </a:prstGeom>
+              <a:noFill/>
+            </p:spPr>
+            <p:style>
+              <a:lnRef idx="2">
+                <a:schemeClr val="accent1">
+                  <a:shade val="50000"/>
+                </a:schemeClr>
+              </a:lnRef>
+              <a:fillRef idx="1">
+                <a:schemeClr val="accent1"/>
+              </a:fillRef>
+              <a:effectRef idx="0">
+                <a:schemeClr val="accent1"/>
+              </a:effectRef>
+              <a:fontRef idx="minor">
+                <a:schemeClr val="lt1"/>
+              </a:fontRef>
+            </p:style>
+            <p:txBody>
+              <a:bodyPr rtlCol="0" anchor="ctr"/>
+              <a:lstStyle/>
+              <a:p>
+                <a:pPr algn="ctr"/>
+                <a:endParaRPr lang="en-US"/>
+              </a:p>
+            </p:txBody>
+          </p:sp>
+          <p:sp>
+            <p:nvSpPr>
+              <p:cNvPr id="271" name="Rectangle 270">
+                <a:extLst>
+                  <a:ext uri="{FF2B5EF4-FFF2-40B4-BE49-F238E27FC236}">
+                    <a16:creationId xmlns:a16="http://schemas.microsoft.com/office/drawing/2014/main" id="{0393C466-E297-0644-B2F8-48909457BBA0}"/>
+                  </a:ext>
+                </a:extLst>
+              </p:cNvPr>
+              <p:cNvSpPr/>
+              <p:nvPr/>
+            </p:nvSpPr>
+            <p:spPr>
+              <a:xfrm>
+                <a:off x="3069768" y="1774371"/>
+                <a:ext cx="620486" cy="566058"/>
+              </a:xfrm>
+              <a:prstGeom prst="rect">
+                <a:avLst/>
+              </a:prstGeom>
+              <a:noFill/>
+            </p:spPr>
+            <p:style>
+              <a:lnRef idx="2">
+                <a:schemeClr val="accent1">
+                  <a:shade val="50000"/>
+                </a:schemeClr>
+              </a:lnRef>
+              <a:fillRef idx="1">
+                <a:schemeClr val="accent1"/>
+              </a:fillRef>
+              <a:effectRef idx="0">
+                <a:schemeClr val="accent1"/>
+              </a:effectRef>
+              <a:fontRef idx="minor">
+                <a:schemeClr val="lt1"/>
+              </a:fontRef>
+            </p:style>
+            <p:txBody>
+              <a:bodyPr rtlCol="0" anchor="ctr"/>
+              <a:lstStyle/>
+              <a:p>
+                <a:pPr algn="ctr"/>
+                <a:r>
+                  <a:rPr lang="en-US" dirty="0"/>
+                  <a:t>0</a:t>
+                </a:r>
+              </a:p>
+            </p:txBody>
+          </p:sp>
+          <p:sp>
+            <p:nvSpPr>
+              <p:cNvPr id="272" name="Rectangle 271">
+                <a:extLst>
+                  <a:ext uri="{FF2B5EF4-FFF2-40B4-BE49-F238E27FC236}">
+                    <a16:creationId xmlns:a16="http://schemas.microsoft.com/office/drawing/2014/main" id="{9096E642-F665-2247-B1BC-6F7565153841}"/>
+                  </a:ext>
+                </a:extLst>
+              </p:cNvPr>
+              <p:cNvSpPr/>
+              <p:nvPr/>
+            </p:nvSpPr>
+            <p:spPr>
+              <a:xfrm>
+                <a:off x="3690254" y="1774371"/>
+                <a:ext cx="620486" cy="566058"/>
+              </a:xfrm>
+              <a:prstGeom prst="rect">
+                <a:avLst/>
+              </a:prstGeom>
+              <a:noFill/>
+            </p:spPr>
+            <p:style>
+              <a:lnRef idx="2">
+                <a:schemeClr val="accent1">
+                  <a:shade val="50000"/>
+                </a:schemeClr>
+              </a:lnRef>
+              <a:fillRef idx="1">
+                <a:schemeClr val="accent1"/>
+              </a:fillRef>
+              <a:effectRef idx="0">
+                <a:schemeClr val="accent1"/>
+              </a:effectRef>
+              <a:fontRef idx="minor">
+                <a:schemeClr val="lt1"/>
+              </a:fontRef>
+            </p:style>
+            <p:txBody>
+              <a:bodyPr rtlCol="0" anchor="ctr"/>
+              <a:lstStyle/>
+              <a:p>
+                <a:pPr algn="ctr"/>
+                <a:endParaRPr lang="en-US"/>
+              </a:p>
+            </p:txBody>
+          </p:sp>
+        </p:grpSp>
+        <p:grpSp>
+          <p:nvGrpSpPr>
+            <p:cNvPr id="262" name="Group 261">
+              <a:extLst>
+                <a:ext uri="{FF2B5EF4-FFF2-40B4-BE49-F238E27FC236}">
+                  <a16:creationId xmlns:a16="http://schemas.microsoft.com/office/drawing/2014/main" id="{25E8C5B6-6A95-984D-B5EE-B3FF8FADF940}"/>
+                </a:ext>
+              </a:extLst>
+            </p:cNvPr>
+            <p:cNvGrpSpPr/>
+            <p:nvPr/>
+          </p:nvGrpSpPr>
+          <p:grpSpPr>
+            <a:xfrm>
+              <a:off x="2449284" y="3472545"/>
+              <a:ext cx="1861456" cy="566058"/>
+              <a:chOff x="2449284" y="1774371"/>
+              <a:chExt cx="1861456" cy="566058"/>
+            </a:xfrm>
+          </p:grpSpPr>
+          <p:sp>
+            <p:nvSpPr>
+              <p:cNvPr id="267" name="Rectangle 266">
+                <a:extLst>
+                  <a:ext uri="{FF2B5EF4-FFF2-40B4-BE49-F238E27FC236}">
+                    <a16:creationId xmlns:a16="http://schemas.microsoft.com/office/drawing/2014/main" id="{804615CD-FBDA-444C-A192-732199551B7D}"/>
+                  </a:ext>
+                </a:extLst>
+              </p:cNvPr>
+              <p:cNvSpPr/>
+              <p:nvPr/>
+            </p:nvSpPr>
+            <p:spPr>
+              <a:xfrm>
+                <a:off x="2449284" y="1774371"/>
+                <a:ext cx="620486" cy="566058"/>
+              </a:xfrm>
+              <a:prstGeom prst="rect">
+                <a:avLst/>
+              </a:prstGeom>
+              <a:noFill/>
+            </p:spPr>
+            <p:style>
+              <a:lnRef idx="2">
+                <a:schemeClr val="accent1">
+                  <a:shade val="50000"/>
+                </a:schemeClr>
+              </a:lnRef>
+              <a:fillRef idx="1">
+                <a:schemeClr val="accent1"/>
+              </a:fillRef>
+              <a:effectRef idx="0">
+                <a:schemeClr val="accent1"/>
+              </a:effectRef>
+              <a:fontRef idx="minor">
+                <a:schemeClr val="lt1"/>
+              </a:fontRef>
+            </p:style>
+            <p:txBody>
+              <a:bodyPr rtlCol="0" anchor="ctr"/>
+              <a:lstStyle/>
+              <a:p>
+                <a:pPr algn="ctr"/>
+                <a:endParaRPr lang="en-US"/>
+              </a:p>
+            </p:txBody>
+          </p:sp>
+          <p:sp>
+            <p:nvSpPr>
+              <p:cNvPr id="268" name="Rectangle 267">
+                <a:extLst>
+                  <a:ext uri="{FF2B5EF4-FFF2-40B4-BE49-F238E27FC236}">
+                    <a16:creationId xmlns:a16="http://schemas.microsoft.com/office/drawing/2014/main" id="{F0673A7E-A0AC-2A49-845E-D6EA04C4DA30}"/>
+                  </a:ext>
+                </a:extLst>
+              </p:cNvPr>
+              <p:cNvSpPr/>
+              <p:nvPr/>
+            </p:nvSpPr>
+            <p:spPr>
+              <a:xfrm>
+                <a:off x="3069768" y="1774371"/>
+                <a:ext cx="620486" cy="566058"/>
+              </a:xfrm>
+              <a:prstGeom prst="rect">
+                <a:avLst/>
+              </a:prstGeom>
+              <a:noFill/>
+            </p:spPr>
+            <p:style>
+              <a:lnRef idx="2">
+                <a:schemeClr val="accent1">
+                  <a:shade val="50000"/>
+                </a:schemeClr>
+              </a:lnRef>
+              <a:fillRef idx="1">
+                <a:schemeClr val="accent1"/>
+              </a:fillRef>
+              <a:effectRef idx="0">
+                <a:schemeClr val="accent1"/>
+              </a:effectRef>
+              <a:fontRef idx="minor">
+                <a:schemeClr val="lt1"/>
+              </a:fontRef>
+            </p:style>
+            <p:txBody>
+              <a:bodyPr rtlCol="0" anchor="ctr"/>
+              <a:lstStyle/>
+              <a:p>
+                <a:pPr algn="ctr"/>
+                <a:r>
+                  <a:rPr lang="en-US" sz="2800" dirty="0">
+                    <a:solidFill>
+                      <a:schemeClr val="tx1"/>
+                    </a:solidFill>
+                  </a:rPr>
+                  <a:t>6</a:t>
+                </a:r>
+              </a:p>
+            </p:txBody>
+          </p:sp>
+          <p:sp>
+            <p:nvSpPr>
+              <p:cNvPr id="269" name="Rectangle 268">
+                <a:extLst>
+                  <a:ext uri="{FF2B5EF4-FFF2-40B4-BE49-F238E27FC236}">
+                    <a16:creationId xmlns:a16="http://schemas.microsoft.com/office/drawing/2014/main" id="{B196D7D3-9399-144E-9E6F-DB418BB53174}"/>
+                  </a:ext>
+                </a:extLst>
+              </p:cNvPr>
+              <p:cNvSpPr/>
+              <p:nvPr/>
+            </p:nvSpPr>
+            <p:spPr>
+              <a:xfrm>
+                <a:off x="3690254" y="1774371"/>
+                <a:ext cx="620486" cy="566058"/>
+              </a:xfrm>
+              <a:prstGeom prst="rect">
+                <a:avLst/>
+              </a:prstGeom>
+              <a:noFill/>
+            </p:spPr>
+            <p:style>
+              <a:lnRef idx="2">
+                <a:schemeClr val="accent1">
+                  <a:shade val="50000"/>
+                </a:schemeClr>
+              </a:lnRef>
+              <a:fillRef idx="1">
+                <a:schemeClr val="accent1"/>
+              </a:fillRef>
+              <a:effectRef idx="0">
+                <a:schemeClr val="accent1"/>
+              </a:effectRef>
+              <a:fontRef idx="minor">
+                <a:schemeClr val="lt1"/>
+              </a:fontRef>
+            </p:style>
+            <p:txBody>
+              <a:bodyPr rtlCol="0" anchor="ctr"/>
+              <a:lstStyle/>
+              <a:p>
+                <a:pPr algn="ctr"/>
+                <a:r>
+                  <a:rPr lang="en-US" dirty="0"/>
+                  <a:t>2</a:t>
+                </a:r>
+              </a:p>
+            </p:txBody>
+          </p:sp>
+        </p:grpSp>
+        <p:grpSp>
+          <p:nvGrpSpPr>
+            <p:cNvPr id="263" name="Group 262">
+              <a:extLst>
+                <a:ext uri="{FF2B5EF4-FFF2-40B4-BE49-F238E27FC236}">
+                  <a16:creationId xmlns:a16="http://schemas.microsoft.com/office/drawing/2014/main" id="{F479134A-D776-A941-91FA-8DBB98A11893}"/>
+                </a:ext>
+              </a:extLst>
+            </p:cNvPr>
+            <p:cNvGrpSpPr/>
+            <p:nvPr/>
+          </p:nvGrpSpPr>
+          <p:grpSpPr>
+            <a:xfrm>
+              <a:off x="2449284" y="4038603"/>
+              <a:ext cx="1861456" cy="566058"/>
+              <a:chOff x="2449284" y="1774371"/>
+              <a:chExt cx="1861456" cy="566058"/>
+            </a:xfrm>
+          </p:grpSpPr>
+          <p:sp>
+            <p:nvSpPr>
+              <p:cNvPr id="264" name="Rectangle 263">
+                <a:extLst>
+                  <a:ext uri="{FF2B5EF4-FFF2-40B4-BE49-F238E27FC236}">
+                    <a16:creationId xmlns:a16="http://schemas.microsoft.com/office/drawing/2014/main" id="{81952B0B-071E-314F-A1CA-347EBD1F02B1}"/>
+                  </a:ext>
+                </a:extLst>
+              </p:cNvPr>
+              <p:cNvSpPr/>
+              <p:nvPr/>
+            </p:nvSpPr>
+            <p:spPr>
+              <a:xfrm>
+                <a:off x="2449284" y="1774371"/>
+                <a:ext cx="620486" cy="566058"/>
+              </a:xfrm>
+              <a:prstGeom prst="rect">
+                <a:avLst/>
+              </a:prstGeom>
+              <a:noFill/>
+            </p:spPr>
+            <p:style>
+              <a:lnRef idx="2">
+                <a:schemeClr val="accent1">
+                  <a:shade val="50000"/>
+                </a:schemeClr>
+              </a:lnRef>
+              <a:fillRef idx="1">
+                <a:schemeClr val="accent1"/>
+              </a:fillRef>
+              <a:effectRef idx="0">
+                <a:schemeClr val="accent1"/>
+              </a:effectRef>
+              <a:fontRef idx="minor">
+                <a:schemeClr val="lt1"/>
+              </a:fontRef>
+            </p:style>
+            <p:txBody>
+              <a:bodyPr rtlCol="0" anchor="ctr"/>
+              <a:lstStyle/>
+              <a:p>
+                <a:pPr algn="ctr"/>
+                <a:endParaRPr lang="en-US"/>
+              </a:p>
+            </p:txBody>
+          </p:sp>
+          <p:sp>
+            <p:nvSpPr>
+              <p:cNvPr id="265" name="Rectangle 264">
+                <a:extLst>
+                  <a:ext uri="{FF2B5EF4-FFF2-40B4-BE49-F238E27FC236}">
+                    <a16:creationId xmlns:a16="http://schemas.microsoft.com/office/drawing/2014/main" id="{116A5C7D-B8E8-0C49-B48F-00A4686736AE}"/>
+                  </a:ext>
+                </a:extLst>
+              </p:cNvPr>
+              <p:cNvSpPr/>
+              <p:nvPr/>
+            </p:nvSpPr>
+            <p:spPr>
+              <a:xfrm>
+                <a:off x="3069768" y="1774371"/>
+                <a:ext cx="620486" cy="566058"/>
+              </a:xfrm>
+              <a:prstGeom prst="rect">
+                <a:avLst/>
+              </a:prstGeom>
+              <a:noFill/>
+            </p:spPr>
+            <p:style>
+              <a:lnRef idx="2">
+                <a:schemeClr val="accent1">
+                  <a:shade val="50000"/>
+                </a:schemeClr>
+              </a:lnRef>
+              <a:fillRef idx="1">
+                <a:schemeClr val="accent1"/>
+              </a:fillRef>
+              <a:effectRef idx="0">
+                <a:schemeClr val="accent1"/>
+              </a:effectRef>
+              <a:fontRef idx="minor">
+                <a:schemeClr val="lt1"/>
+              </a:fontRef>
+            </p:style>
+            <p:txBody>
+              <a:bodyPr rtlCol="0" anchor="ctr"/>
+              <a:lstStyle/>
+              <a:p>
+                <a:pPr algn="ctr"/>
+                <a:r>
+                  <a:rPr lang="en-US" dirty="0"/>
+                  <a:t>4</a:t>
+                </a:r>
+              </a:p>
+            </p:txBody>
+          </p:sp>
+          <p:sp>
+            <p:nvSpPr>
+              <p:cNvPr id="266" name="Rectangle 265">
+                <a:extLst>
+                  <a:ext uri="{FF2B5EF4-FFF2-40B4-BE49-F238E27FC236}">
+                    <a16:creationId xmlns:a16="http://schemas.microsoft.com/office/drawing/2014/main" id="{6880D336-9896-0541-8C80-4014BC41B2BE}"/>
+                  </a:ext>
+                </a:extLst>
+              </p:cNvPr>
+              <p:cNvSpPr/>
+              <p:nvPr/>
+            </p:nvSpPr>
+            <p:spPr>
+              <a:xfrm>
+                <a:off x="3690254" y="1774371"/>
+                <a:ext cx="620486" cy="566058"/>
+              </a:xfrm>
+              <a:prstGeom prst="rect">
+                <a:avLst/>
+              </a:prstGeom>
+              <a:noFill/>
+            </p:spPr>
+            <p:style>
+              <a:lnRef idx="2">
+                <a:schemeClr val="accent1">
+                  <a:shade val="50000"/>
+                </a:schemeClr>
+              </a:lnRef>
+              <a:fillRef idx="1">
+                <a:schemeClr val="accent1"/>
+              </a:fillRef>
+              <a:effectRef idx="0">
+                <a:schemeClr val="accent1"/>
+              </a:effectRef>
+              <a:fontRef idx="minor">
+                <a:schemeClr val="lt1"/>
+              </a:fontRef>
+            </p:style>
+            <p:txBody>
+              <a:bodyPr rtlCol="0" anchor="ctr"/>
+              <a:lstStyle/>
+              <a:p>
+                <a:pPr algn="ctr"/>
+                <a:endParaRPr lang="en-US"/>
+              </a:p>
+            </p:txBody>
+          </p:sp>
+        </p:grpSp>
+      </p:grpSp>
+      <p:grpSp>
+        <p:nvGrpSpPr>
+          <p:cNvPr id="5" name="Group 4">
+            <a:extLst>
+              <a:ext uri="{FF2B5EF4-FFF2-40B4-BE49-F238E27FC236}">
+                <a16:creationId xmlns:a16="http://schemas.microsoft.com/office/drawing/2014/main" id="{72AB0B0A-2E6B-5340-BDE3-A545442E6F4B}"/>
+              </a:ext>
+            </a:extLst>
+          </p:cNvPr>
+          <p:cNvGrpSpPr/>
+          <p:nvPr/>
+        </p:nvGrpSpPr>
+        <p:grpSpPr>
+          <a:xfrm>
+            <a:off x="6904253" y="870871"/>
+            <a:ext cx="1861456" cy="1698174"/>
+            <a:chOff x="2449284" y="2906487"/>
+            <a:chExt cx="1861456" cy="1698174"/>
+          </a:xfrm>
+        </p:grpSpPr>
+        <p:grpSp>
+          <p:nvGrpSpPr>
+            <p:cNvPr id="54" name="Group 53">
+              <a:extLst>
+                <a:ext uri="{FF2B5EF4-FFF2-40B4-BE49-F238E27FC236}">
+                  <a16:creationId xmlns:a16="http://schemas.microsoft.com/office/drawing/2014/main" id="{A0DFFC9F-4A48-AC4C-8504-4318A6DEE2BE}"/>
+                </a:ext>
+              </a:extLst>
+            </p:cNvPr>
+            <p:cNvGrpSpPr/>
+            <p:nvPr/>
+          </p:nvGrpSpPr>
+          <p:grpSpPr>
+            <a:xfrm>
+              <a:off x="2449284" y="2906487"/>
+              <a:ext cx="1861456" cy="566058"/>
+              <a:chOff x="2449284" y="1774371"/>
+              <a:chExt cx="1861456" cy="566058"/>
+            </a:xfrm>
+          </p:grpSpPr>
+          <p:sp>
+            <p:nvSpPr>
+              <p:cNvPr id="89" name="Rectangle 88">
+                <a:extLst>
+                  <a:ext uri="{FF2B5EF4-FFF2-40B4-BE49-F238E27FC236}">
+                    <a16:creationId xmlns:a16="http://schemas.microsoft.com/office/drawing/2014/main" id="{9C00D6B2-6D87-6A4D-8D2B-0F331BFF4874}"/>
+                  </a:ext>
+                </a:extLst>
+              </p:cNvPr>
+              <p:cNvSpPr/>
+              <p:nvPr/>
+            </p:nvSpPr>
+            <p:spPr>
+              <a:xfrm>
+                <a:off x="2449284" y="1774371"/>
+                <a:ext cx="620486" cy="566058"/>
+              </a:xfrm>
+              <a:prstGeom prst="rect">
+                <a:avLst/>
+              </a:prstGeom>
+              <a:noFill/>
+            </p:spPr>
+            <p:style>
+              <a:lnRef idx="2">
+                <a:schemeClr val="accent1">
+                  <a:shade val="50000"/>
+                </a:schemeClr>
+              </a:lnRef>
+              <a:fillRef idx="1">
+                <a:schemeClr val="accent1"/>
+              </a:fillRef>
+              <a:effectRef idx="0">
+                <a:schemeClr val="accent1"/>
+              </a:effectRef>
+              <a:fontRef idx="minor">
+                <a:schemeClr val="lt1"/>
+              </a:fontRef>
+            </p:style>
+            <p:txBody>
+              <a:bodyPr rtlCol="0" anchor="ctr"/>
+              <a:lstStyle/>
+              <a:p>
+                <a:pPr algn="ctr"/>
+                <a:r>
+                  <a:rPr lang="en-US" dirty="0"/>
+                  <a:t>0</a:t>
+                </a:r>
+              </a:p>
+            </p:txBody>
+          </p:sp>
+          <p:sp>
+            <p:nvSpPr>
+              <p:cNvPr id="90" name="Rectangle 89">
+                <a:extLst>
+                  <a:ext uri="{FF2B5EF4-FFF2-40B4-BE49-F238E27FC236}">
+                    <a16:creationId xmlns:a16="http://schemas.microsoft.com/office/drawing/2014/main" id="{4FFEE57F-7730-794A-AD5B-A90E8F9BBA49}"/>
+                  </a:ext>
+                </a:extLst>
+              </p:cNvPr>
+              <p:cNvSpPr/>
+              <p:nvPr/>
+            </p:nvSpPr>
+            <p:spPr>
+              <a:xfrm>
+                <a:off x="3069768" y="1774371"/>
+                <a:ext cx="620486" cy="566058"/>
+              </a:xfrm>
+              <a:prstGeom prst="rect">
+                <a:avLst/>
+              </a:prstGeom>
+              <a:noFill/>
+            </p:spPr>
+            <p:style>
+              <a:lnRef idx="2">
+                <a:schemeClr val="accent1">
+                  <a:shade val="50000"/>
+                </a:schemeClr>
+              </a:lnRef>
+              <a:fillRef idx="1">
+                <a:schemeClr val="accent1"/>
+              </a:fillRef>
+              <a:effectRef idx="0">
+                <a:schemeClr val="accent1"/>
+              </a:effectRef>
+              <a:fontRef idx="minor">
+                <a:schemeClr val="lt1"/>
+              </a:fontRef>
+            </p:style>
+            <p:txBody>
+              <a:bodyPr rtlCol="0" anchor="ctr"/>
+              <a:lstStyle/>
+              <a:p>
+                <a:pPr algn="ctr"/>
+                <a:r>
+                  <a:rPr lang="en-US" dirty="0"/>
+                  <a:t>1</a:t>
+                </a:r>
+              </a:p>
+            </p:txBody>
+          </p:sp>
+          <p:sp>
+            <p:nvSpPr>
+              <p:cNvPr id="91" name="Rectangle 90">
+                <a:extLst>
+                  <a:ext uri="{FF2B5EF4-FFF2-40B4-BE49-F238E27FC236}">
+                    <a16:creationId xmlns:a16="http://schemas.microsoft.com/office/drawing/2014/main" id="{A7B437A8-6109-B34D-945E-06C6CABD5675}"/>
+                  </a:ext>
+                </a:extLst>
+              </p:cNvPr>
+              <p:cNvSpPr/>
+              <p:nvPr/>
+            </p:nvSpPr>
+            <p:spPr>
+              <a:xfrm>
+                <a:off x="3690254" y="1774371"/>
+                <a:ext cx="620486" cy="566058"/>
+              </a:xfrm>
+              <a:prstGeom prst="rect">
+                <a:avLst/>
+              </a:prstGeom>
+              <a:noFill/>
+            </p:spPr>
+            <p:style>
+              <a:lnRef idx="2">
+                <a:schemeClr val="accent1">
+                  <a:shade val="50000"/>
+                </a:schemeClr>
+              </a:lnRef>
+              <a:fillRef idx="1">
+                <a:schemeClr val="accent1"/>
+              </a:fillRef>
+              <a:effectRef idx="0">
+                <a:schemeClr val="accent1"/>
+              </a:effectRef>
+              <a:fontRef idx="minor">
+                <a:schemeClr val="lt1"/>
+              </a:fontRef>
+            </p:style>
+            <p:txBody>
+              <a:bodyPr rtlCol="0" anchor="ctr"/>
+              <a:lstStyle/>
+              <a:p>
+                <a:pPr algn="ctr"/>
+                <a:r>
+                  <a:rPr lang="en-US" dirty="0"/>
+                  <a:t>2</a:t>
+                </a:r>
+              </a:p>
+            </p:txBody>
+          </p:sp>
+        </p:grpSp>
+        <p:grpSp>
+          <p:nvGrpSpPr>
+            <p:cNvPr id="55" name="Group 54">
+              <a:extLst>
+                <a:ext uri="{FF2B5EF4-FFF2-40B4-BE49-F238E27FC236}">
+                  <a16:creationId xmlns:a16="http://schemas.microsoft.com/office/drawing/2014/main" id="{718433BE-9F1B-604B-929E-D31E2877A30D}"/>
+                </a:ext>
+              </a:extLst>
+            </p:cNvPr>
+            <p:cNvGrpSpPr/>
+            <p:nvPr/>
+          </p:nvGrpSpPr>
+          <p:grpSpPr>
+            <a:xfrm>
+              <a:off x="2449284" y="3472545"/>
+              <a:ext cx="1861456" cy="566058"/>
+              <a:chOff x="2449284" y="1774371"/>
+              <a:chExt cx="1861456" cy="566058"/>
+            </a:xfrm>
+          </p:grpSpPr>
+          <p:sp>
+            <p:nvSpPr>
+              <p:cNvPr id="82" name="Rectangle 81">
+                <a:extLst>
+                  <a:ext uri="{FF2B5EF4-FFF2-40B4-BE49-F238E27FC236}">
+                    <a16:creationId xmlns:a16="http://schemas.microsoft.com/office/drawing/2014/main" id="{5DEF9CE6-A123-0A47-8940-81C18BA8C6FA}"/>
+                  </a:ext>
+                </a:extLst>
+              </p:cNvPr>
+              <p:cNvSpPr/>
+              <p:nvPr/>
+            </p:nvSpPr>
+            <p:spPr>
+              <a:xfrm>
+                <a:off x="2449284" y="1774371"/>
+                <a:ext cx="620486" cy="566058"/>
+              </a:xfrm>
+              <a:prstGeom prst="rect">
+                <a:avLst/>
+              </a:prstGeom>
+              <a:noFill/>
+            </p:spPr>
+            <p:style>
+              <a:lnRef idx="2">
+                <a:schemeClr val="accent1">
+                  <a:shade val="50000"/>
+                </a:schemeClr>
+              </a:lnRef>
+              <a:fillRef idx="1">
+                <a:schemeClr val="accent1"/>
+              </a:fillRef>
+              <a:effectRef idx="0">
+                <a:schemeClr val="accent1"/>
+              </a:effectRef>
+              <a:fontRef idx="minor">
+                <a:schemeClr val="lt1"/>
+              </a:fontRef>
+            </p:style>
+            <p:txBody>
+              <a:bodyPr rtlCol="0" anchor="ctr"/>
+              <a:lstStyle/>
+              <a:p>
+                <a:pPr algn="ctr"/>
+                <a:r>
+                  <a:rPr lang="en-US" dirty="0"/>
+                  <a:t>7</a:t>
+                </a:r>
+              </a:p>
+            </p:txBody>
+          </p:sp>
+          <p:sp>
+            <p:nvSpPr>
+              <p:cNvPr id="83" name="Rectangle 82">
+                <a:extLst>
+                  <a:ext uri="{FF2B5EF4-FFF2-40B4-BE49-F238E27FC236}">
+                    <a16:creationId xmlns:a16="http://schemas.microsoft.com/office/drawing/2014/main" id="{F1F4FAF3-E2BE-2443-B609-8958F3D17354}"/>
+                  </a:ext>
+                </a:extLst>
+              </p:cNvPr>
+              <p:cNvSpPr/>
+              <p:nvPr/>
+            </p:nvSpPr>
+            <p:spPr>
+              <a:xfrm>
+                <a:off x="3069768" y="1774371"/>
+                <a:ext cx="620486" cy="566058"/>
+              </a:xfrm>
+              <a:prstGeom prst="rect">
+                <a:avLst/>
+              </a:prstGeom>
+              <a:noFill/>
+            </p:spPr>
+            <p:style>
+              <a:lnRef idx="2">
+                <a:schemeClr val="accent1">
+                  <a:shade val="50000"/>
+                </a:schemeClr>
+              </a:lnRef>
+              <a:fillRef idx="1">
+                <a:schemeClr val="accent1"/>
+              </a:fillRef>
+              <a:effectRef idx="0">
+                <a:schemeClr val="accent1"/>
+              </a:effectRef>
+              <a:fontRef idx="minor">
+                <a:schemeClr val="lt1"/>
+              </a:fontRef>
+            </p:style>
+            <p:txBody>
+              <a:bodyPr rtlCol="0" anchor="ctr"/>
+              <a:lstStyle/>
+              <a:p>
+                <a:pPr algn="ctr"/>
+                <a:endParaRPr lang="en-US"/>
+              </a:p>
+            </p:txBody>
+          </p:sp>
+          <p:sp>
+            <p:nvSpPr>
+              <p:cNvPr id="84" name="Rectangle 83">
+                <a:extLst>
+                  <a:ext uri="{FF2B5EF4-FFF2-40B4-BE49-F238E27FC236}">
+                    <a16:creationId xmlns:a16="http://schemas.microsoft.com/office/drawing/2014/main" id="{34F3173B-333A-284D-9F4B-CAF0914A4B1F}"/>
+                  </a:ext>
+                </a:extLst>
+              </p:cNvPr>
+              <p:cNvSpPr/>
+              <p:nvPr/>
+            </p:nvSpPr>
+            <p:spPr>
+              <a:xfrm>
+                <a:off x="3690254" y="1774371"/>
+                <a:ext cx="620486" cy="566058"/>
+              </a:xfrm>
+              <a:prstGeom prst="rect">
+                <a:avLst/>
+              </a:prstGeom>
+              <a:noFill/>
+            </p:spPr>
+            <p:style>
+              <a:lnRef idx="2">
+                <a:schemeClr val="accent1">
+                  <a:shade val="50000"/>
+                </a:schemeClr>
+              </a:lnRef>
+              <a:fillRef idx="1">
+                <a:schemeClr val="accent1"/>
+              </a:fillRef>
+              <a:effectRef idx="0">
+                <a:schemeClr val="accent1"/>
+              </a:effectRef>
+              <a:fontRef idx="minor">
+                <a:schemeClr val="lt1"/>
+              </a:fontRef>
+            </p:style>
+            <p:txBody>
+              <a:bodyPr rtlCol="0" anchor="ctr"/>
+              <a:lstStyle/>
+              <a:p>
+                <a:pPr algn="ctr"/>
+                <a:r>
+                  <a:rPr lang="en-US" dirty="0"/>
+                  <a:t>3</a:t>
+                </a:r>
+              </a:p>
+            </p:txBody>
+          </p:sp>
+        </p:grpSp>
+        <p:grpSp>
+          <p:nvGrpSpPr>
+            <p:cNvPr id="56" name="Group 55">
+              <a:extLst>
+                <a:ext uri="{FF2B5EF4-FFF2-40B4-BE49-F238E27FC236}">
+                  <a16:creationId xmlns:a16="http://schemas.microsoft.com/office/drawing/2014/main" id="{7D145D76-E0BD-A741-A9DF-15F9E388C078}"/>
+                </a:ext>
+              </a:extLst>
+            </p:cNvPr>
+            <p:cNvGrpSpPr/>
+            <p:nvPr/>
+          </p:nvGrpSpPr>
+          <p:grpSpPr>
+            <a:xfrm>
+              <a:off x="2449284" y="4038603"/>
+              <a:ext cx="1861456" cy="566058"/>
+              <a:chOff x="2449284" y="1774371"/>
+              <a:chExt cx="1861456" cy="566058"/>
+            </a:xfrm>
+          </p:grpSpPr>
+          <p:sp>
+            <p:nvSpPr>
+              <p:cNvPr id="75" name="Rectangle 74">
+                <a:extLst>
+                  <a:ext uri="{FF2B5EF4-FFF2-40B4-BE49-F238E27FC236}">
+                    <a16:creationId xmlns:a16="http://schemas.microsoft.com/office/drawing/2014/main" id="{65E70B06-1006-024A-A167-CD6046AEC270}"/>
+                  </a:ext>
+                </a:extLst>
+              </p:cNvPr>
+              <p:cNvSpPr/>
+              <p:nvPr/>
+            </p:nvSpPr>
+            <p:spPr>
+              <a:xfrm>
+                <a:off x="2449284" y="1774371"/>
+                <a:ext cx="620486" cy="566058"/>
+              </a:xfrm>
+              <a:prstGeom prst="rect">
+                <a:avLst/>
+              </a:prstGeom>
+              <a:noFill/>
+            </p:spPr>
+            <p:style>
+              <a:lnRef idx="2">
+                <a:schemeClr val="accent1">
+                  <a:shade val="50000"/>
+                </a:schemeClr>
+              </a:lnRef>
+              <a:fillRef idx="1">
+                <a:schemeClr val="accent1"/>
+              </a:fillRef>
+              <a:effectRef idx="0">
+                <a:schemeClr val="accent1"/>
+              </a:effectRef>
+              <a:fontRef idx="minor">
+                <a:schemeClr val="lt1"/>
+              </a:fontRef>
+            </p:style>
+            <p:txBody>
+              <a:bodyPr rtlCol="0" anchor="ctr"/>
+              <a:lstStyle/>
+              <a:p>
+                <a:pPr algn="ctr"/>
+                <a:r>
+                  <a:rPr lang="en-US" dirty="0"/>
+                  <a:t>6</a:t>
+                </a:r>
+              </a:p>
+            </p:txBody>
+          </p:sp>
+          <p:sp>
+            <p:nvSpPr>
+              <p:cNvPr id="76" name="Rectangle 75">
+                <a:extLst>
+                  <a:ext uri="{FF2B5EF4-FFF2-40B4-BE49-F238E27FC236}">
+                    <a16:creationId xmlns:a16="http://schemas.microsoft.com/office/drawing/2014/main" id="{5881296D-2991-5946-A68C-0D5225D2A3E7}"/>
+                  </a:ext>
+                </a:extLst>
+              </p:cNvPr>
+              <p:cNvSpPr/>
+              <p:nvPr/>
+            </p:nvSpPr>
+            <p:spPr>
+              <a:xfrm>
+                <a:off x="3069768" y="1774371"/>
+                <a:ext cx="620486" cy="566058"/>
+              </a:xfrm>
+              <a:prstGeom prst="rect">
+                <a:avLst/>
+              </a:prstGeom>
+              <a:noFill/>
+            </p:spPr>
+            <p:style>
+              <a:lnRef idx="2">
+                <a:schemeClr val="accent1">
+                  <a:shade val="50000"/>
+                </a:schemeClr>
+              </a:lnRef>
+              <a:fillRef idx="1">
+                <a:schemeClr val="accent1"/>
+              </a:fillRef>
+              <a:effectRef idx="0">
+                <a:schemeClr val="accent1"/>
+              </a:effectRef>
+              <a:fontRef idx="minor">
+                <a:schemeClr val="lt1"/>
+              </a:fontRef>
+            </p:style>
+            <p:txBody>
+              <a:bodyPr rtlCol="0" anchor="ctr"/>
+              <a:lstStyle/>
+              <a:p>
+                <a:pPr algn="ctr"/>
+                <a:r>
+                  <a:rPr lang="en-US" dirty="0"/>
+                  <a:t>5</a:t>
+                </a:r>
+              </a:p>
+            </p:txBody>
+          </p:sp>
+          <p:sp>
+            <p:nvSpPr>
+              <p:cNvPr id="77" name="Rectangle 76">
+                <a:extLst>
+                  <a:ext uri="{FF2B5EF4-FFF2-40B4-BE49-F238E27FC236}">
+                    <a16:creationId xmlns:a16="http://schemas.microsoft.com/office/drawing/2014/main" id="{33DADE37-1026-654C-A482-9F5CCF84ABEF}"/>
+                  </a:ext>
+                </a:extLst>
+              </p:cNvPr>
+              <p:cNvSpPr/>
+              <p:nvPr/>
+            </p:nvSpPr>
+            <p:spPr>
+              <a:xfrm>
+                <a:off x="3690254" y="1774371"/>
+                <a:ext cx="620486" cy="566058"/>
+              </a:xfrm>
+              <a:prstGeom prst="rect">
+                <a:avLst/>
+              </a:prstGeom>
+              <a:noFill/>
+            </p:spPr>
+            <p:style>
+              <a:lnRef idx="2">
+                <a:schemeClr val="accent1">
+                  <a:shade val="50000"/>
+                </a:schemeClr>
+              </a:lnRef>
+              <a:fillRef idx="1">
+                <a:schemeClr val="accent1"/>
+              </a:fillRef>
+              <a:effectRef idx="0">
+                <a:schemeClr val="accent1"/>
+              </a:effectRef>
+              <a:fontRef idx="minor">
+                <a:schemeClr val="lt1"/>
+              </a:fontRef>
+            </p:style>
+            <p:txBody>
+              <a:bodyPr rtlCol="0" anchor="ctr"/>
+              <a:lstStyle/>
+              <a:p>
+                <a:pPr algn="ctr"/>
+                <a:r>
+                  <a:rPr lang="en-US" dirty="0"/>
+                  <a:t>4</a:t>
+                </a:r>
+              </a:p>
+            </p:txBody>
+          </p:sp>
+        </p:grpSp>
+      </p:grpSp>
+      <p:sp>
+        <p:nvSpPr>
+          <p:cNvPr id="276" name="Oval 275">
+            <a:extLst>
+              <a:ext uri="{FF2B5EF4-FFF2-40B4-BE49-F238E27FC236}">
+                <a16:creationId xmlns:a16="http://schemas.microsoft.com/office/drawing/2014/main" id="{D01F2FCF-FBB4-4643-8B10-B1F13F465F5F}"/>
+              </a:ext>
+            </a:extLst>
+          </p:cNvPr>
+          <p:cNvSpPr/>
+          <p:nvPr/>
+        </p:nvSpPr>
+        <p:spPr>
+          <a:xfrm>
+            <a:off x="8324833" y="2911942"/>
+            <a:ext cx="261257" cy="272142"/>
+          </a:xfrm>
+          <a:prstGeom prst="ellipse">
+            <a:avLst/>
+          </a:prstGeom>
+          <a:ln>
+            <a:solidFill>
+              <a:srgbClr val="0070C0"/>
+            </a:solidFill>
+          </a:ln>
+        </p:spPr>
+        <p:style>
+          <a:lnRef idx="2">
+            <a:schemeClr val="accent1">
+              <a:shade val="50000"/>
+            </a:schemeClr>
+          </a:lnRef>
+          <a:fillRef idx="1">
+            <a:schemeClr val="accent1"/>
+          </a:fillRef>
+          <a:effectRef idx="0">
+            <a:schemeClr val="accent1"/>
+          </a:effectRef>
+          <a:fontRef idx="minor">
+            <a:schemeClr val="lt1"/>
+          </a:fontRef>
+        </p:style>
+        <p:txBody>
+          <a:bodyPr rtlCol="0" anchor="ctr"/>
+          <a:lstStyle/>
+          <a:p>
+            <a:pPr algn="ctr"/>
+            <a:endParaRPr lang="en-US"/>
+          </a:p>
+        </p:txBody>
+      </p:sp>
+      <p:sp>
+        <p:nvSpPr>
+          <p:cNvPr id="277" name="Oval 276">
+            <a:extLst>
+              <a:ext uri="{FF2B5EF4-FFF2-40B4-BE49-F238E27FC236}">
+                <a16:creationId xmlns:a16="http://schemas.microsoft.com/office/drawing/2014/main" id="{265C2C7F-2672-B141-997D-75404F7377B8}"/>
+              </a:ext>
+            </a:extLst>
+          </p:cNvPr>
+          <p:cNvSpPr/>
+          <p:nvPr/>
+        </p:nvSpPr>
+        <p:spPr>
+          <a:xfrm>
+            <a:off x="8324837" y="3467114"/>
+            <a:ext cx="261257" cy="272142"/>
+          </a:xfrm>
+          <a:prstGeom prst="ellipse">
+            <a:avLst/>
+          </a:prstGeom>
+          <a:ln>
+            <a:solidFill>
+              <a:srgbClr val="0070C0"/>
+            </a:solidFill>
+          </a:ln>
+        </p:spPr>
+        <p:style>
+          <a:lnRef idx="2">
+            <a:schemeClr val="accent1">
+              <a:shade val="50000"/>
+            </a:schemeClr>
+          </a:lnRef>
+          <a:fillRef idx="1">
+            <a:schemeClr val="accent1"/>
+          </a:fillRef>
+          <a:effectRef idx="0">
+            <a:schemeClr val="accent1"/>
+          </a:effectRef>
+          <a:fontRef idx="minor">
+            <a:schemeClr val="lt1"/>
+          </a:fontRef>
+        </p:style>
+        <p:txBody>
+          <a:bodyPr rtlCol="0" anchor="ctr"/>
+          <a:lstStyle/>
+          <a:p>
+            <a:pPr algn="ctr"/>
+            <a:endParaRPr lang="en-US"/>
+          </a:p>
+        </p:txBody>
+      </p:sp>
+      <p:sp>
+        <p:nvSpPr>
+          <p:cNvPr id="278" name="Oval 277">
+            <a:extLst>
+              <a:ext uri="{FF2B5EF4-FFF2-40B4-BE49-F238E27FC236}">
+                <a16:creationId xmlns:a16="http://schemas.microsoft.com/office/drawing/2014/main" id="{E1CC3116-A357-2C4F-9A41-2EF384325FC3}"/>
+              </a:ext>
+            </a:extLst>
+          </p:cNvPr>
+          <p:cNvSpPr/>
+          <p:nvPr/>
+        </p:nvSpPr>
+        <p:spPr>
+          <a:xfrm>
+            <a:off x="8324833" y="4033174"/>
+            <a:ext cx="261257" cy="272142"/>
+          </a:xfrm>
+          <a:prstGeom prst="ellipse">
+            <a:avLst/>
+          </a:prstGeom>
+          <a:ln>
+            <a:solidFill>
+              <a:srgbClr val="0070C0"/>
+            </a:solidFill>
+          </a:ln>
+        </p:spPr>
+        <p:style>
+          <a:lnRef idx="2">
+            <a:schemeClr val="accent1">
+              <a:shade val="50000"/>
+            </a:schemeClr>
+          </a:lnRef>
+          <a:fillRef idx="1">
+            <a:schemeClr val="accent1"/>
+          </a:fillRef>
+          <a:effectRef idx="0">
+            <a:schemeClr val="accent1"/>
+          </a:effectRef>
+          <a:fontRef idx="minor">
+            <a:schemeClr val="lt1"/>
+          </a:fontRef>
+        </p:style>
+        <p:txBody>
+          <a:bodyPr rtlCol="0" anchor="ctr"/>
+          <a:lstStyle/>
+          <a:p>
+            <a:pPr algn="ctr"/>
+            <a:endParaRPr lang="en-US"/>
+          </a:p>
+        </p:txBody>
+      </p:sp>
+      <p:sp>
+        <p:nvSpPr>
+          <p:cNvPr id="279" name="Oval 278">
+            <a:extLst>
+              <a:ext uri="{FF2B5EF4-FFF2-40B4-BE49-F238E27FC236}">
+                <a16:creationId xmlns:a16="http://schemas.microsoft.com/office/drawing/2014/main" id="{E7AF836B-EACC-FE4D-A60A-4E4C715E3268}"/>
+              </a:ext>
+            </a:extLst>
+          </p:cNvPr>
+          <p:cNvSpPr/>
+          <p:nvPr/>
+        </p:nvSpPr>
+        <p:spPr>
+          <a:xfrm>
+            <a:off x="7715232" y="4044057"/>
+            <a:ext cx="261257" cy="272142"/>
+          </a:xfrm>
+          <a:prstGeom prst="ellipse">
+            <a:avLst/>
+          </a:prstGeom>
+          <a:ln>
+            <a:solidFill>
+              <a:srgbClr val="0070C0"/>
+            </a:solidFill>
+          </a:ln>
+        </p:spPr>
+        <p:style>
+          <a:lnRef idx="2">
+            <a:schemeClr val="accent1">
+              <a:shade val="50000"/>
+            </a:schemeClr>
+          </a:lnRef>
+          <a:fillRef idx="1">
+            <a:schemeClr val="accent1"/>
+          </a:fillRef>
+          <a:effectRef idx="0">
+            <a:schemeClr val="accent1"/>
+          </a:effectRef>
+          <a:fontRef idx="minor">
+            <a:schemeClr val="lt1"/>
+          </a:fontRef>
+        </p:style>
+        <p:txBody>
+          <a:bodyPr rtlCol="0" anchor="ctr"/>
+          <a:lstStyle/>
+          <a:p>
+            <a:pPr algn="ctr"/>
+            <a:endParaRPr lang="en-US"/>
+          </a:p>
+        </p:txBody>
+      </p:sp>
+      <p:sp>
+        <p:nvSpPr>
+          <p:cNvPr id="280" name="Oval 279">
+            <a:extLst>
+              <a:ext uri="{FF2B5EF4-FFF2-40B4-BE49-F238E27FC236}">
+                <a16:creationId xmlns:a16="http://schemas.microsoft.com/office/drawing/2014/main" id="{5AA3800A-3FED-894C-9691-F021D5167C8C}"/>
+              </a:ext>
+            </a:extLst>
+          </p:cNvPr>
+          <p:cNvSpPr/>
+          <p:nvPr/>
+        </p:nvSpPr>
+        <p:spPr>
+          <a:xfrm>
+            <a:off x="7094746" y="4044059"/>
+            <a:ext cx="261257" cy="272142"/>
+          </a:xfrm>
+          <a:prstGeom prst="ellipse">
+            <a:avLst/>
+          </a:prstGeom>
+          <a:ln>
+            <a:solidFill>
+              <a:srgbClr val="0070C0"/>
+            </a:solidFill>
+          </a:ln>
+        </p:spPr>
+        <p:style>
+          <a:lnRef idx="2">
+            <a:schemeClr val="accent1">
+              <a:shade val="50000"/>
+            </a:schemeClr>
+          </a:lnRef>
+          <a:fillRef idx="1">
+            <a:schemeClr val="accent1"/>
+          </a:fillRef>
+          <a:effectRef idx="0">
+            <a:schemeClr val="accent1"/>
+          </a:effectRef>
+          <a:fontRef idx="minor">
+            <a:schemeClr val="lt1"/>
+          </a:fontRef>
+        </p:style>
+        <p:txBody>
+          <a:bodyPr rtlCol="0" anchor="ctr"/>
+          <a:lstStyle/>
+          <a:p>
+            <a:pPr algn="ctr"/>
+            <a:endParaRPr lang="en-US"/>
+          </a:p>
+        </p:txBody>
+      </p:sp>
+      <p:sp>
+        <p:nvSpPr>
+          <p:cNvPr id="281" name="Oval 280">
+            <a:extLst>
+              <a:ext uri="{FF2B5EF4-FFF2-40B4-BE49-F238E27FC236}">
+                <a16:creationId xmlns:a16="http://schemas.microsoft.com/office/drawing/2014/main" id="{F5B7A1F5-2BCB-C24D-9CCA-E91F33AAB6EB}"/>
+              </a:ext>
+            </a:extLst>
+          </p:cNvPr>
+          <p:cNvSpPr/>
+          <p:nvPr/>
+        </p:nvSpPr>
+        <p:spPr>
+          <a:xfrm>
+            <a:off x="7704345" y="2911942"/>
+            <a:ext cx="261257" cy="272142"/>
+          </a:xfrm>
+          <a:prstGeom prst="ellipse">
+            <a:avLst/>
+          </a:prstGeom>
+          <a:ln>
+            <a:solidFill>
+              <a:srgbClr val="0070C0"/>
+            </a:solidFill>
+          </a:ln>
+        </p:spPr>
+        <p:style>
+          <a:lnRef idx="2">
+            <a:schemeClr val="accent1">
+              <a:shade val="50000"/>
+            </a:schemeClr>
+          </a:lnRef>
+          <a:fillRef idx="1">
+            <a:schemeClr val="accent1"/>
+          </a:fillRef>
+          <a:effectRef idx="0">
+            <a:schemeClr val="accent1"/>
+          </a:effectRef>
+          <a:fontRef idx="minor">
+            <a:schemeClr val="lt1"/>
+          </a:fontRef>
+        </p:style>
+        <p:txBody>
+          <a:bodyPr rtlCol="0" anchor="ctr"/>
+          <a:lstStyle/>
+          <a:p>
+            <a:pPr algn="ctr"/>
+            <a:endParaRPr lang="en-US"/>
+          </a:p>
+        </p:txBody>
+      </p:sp>
+      <p:sp>
+        <p:nvSpPr>
+          <p:cNvPr id="282" name="Oval 281">
+            <a:extLst>
+              <a:ext uri="{FF2B5EF4-FFF2-40B4-BE49-F238E27FC236}">
+                <a16:creationId xmlns:a16="http://schemas.microsoft.com/office/drawing/2014/main" id="{A39A62D3-1121-7B41-8776-E578A4D07EC9}"/>
+              </a:ext>
+            </a:extLst>
+          </p:cNvPr>
+          <p:cNvSpPr/>
+          <p:nvPr/>
+        </p:nvSpPr>
+        <p:spPr>
+          <a:xfrm>
+            <a:off x="7704349" y="3478000"/>
+            <a:ext cx="261257" cy="272142"/>
+          </a:xfrm>
+          <a:prstGeom prst="ellipse">
+            <a:avLst/>
+          </a:prstGeom>
+          <a:ln>
+            <a:solidFill>
+              <a:srgbClr val="0070C0"/>
+            </a:solidFill>
+          </a:ln>
+        </p:spPr>
+        <p:style>
+          <a:lnRef idx="2">
+            <a:schemeClr val="accent1">
+              <a:shade val="50000"/>
+            </a:schemeClr>
+          </a:lnRef>
+          <a:fillRef idx="1">
+            <a:schemeClr val="accent1"/>
+          </a:fillRef>
+          <a:effectRef idx="0">
+            <a:schemeClr val="accent1"/>
+          </a:effectRef>
+          <a:fontRef idx="minor">
+            <a:schemeClr val="lt1"/>
+          </a:fontRef>
+        </p:style>
+        <p:txBody>
+          <a:bodyPr rtlCol="0" anchor="ctr"/>
+          <a:lstStyle/>
+          <a:p>
+            <a:pPr algn="ctr"/>
+            <a:endParaRPr lang="en-US"/>
+          </a:p>
+        </p:txBody>
+      </p:sp>
+      <p:sp>
+        <p:nvSpPr>
+          <p:cNvPr id="283" name="Oval 282">
+            <a:extLst>
+              <a:ext uri="{FF2B5EF4-FFF2-40B4-BE49-F238E27FC236}">
+                <a16:creationId xmlns:a16="http://schemas.microsoft.com/office/drawing/2014/main" id="{CA237381-0C1E-8546-80EF-73143FD27815}"/>
+              </a:ext>
+            </a:extLst>
+          </p:cNvPr>
+          <p:cNvSpPr/>
+          <p:nvPr/>
+        </p:nvSpPr>
+        <p:spPr>
+          <a:xfrm>
+            <a:off x="7083856" y="2911942"/>
+            <a:ext cx="261257" cy="272142"/>
+          </a:xfrm>
+          <a:prstGeom prst="ellipse">
+            <a:avLst/>
+          </a:prstGeom>
+          <a:ln>
+            <a:solidFill>
+              <a:srgbClr val="0070C0"/>
+            </a:solidFill>
+          </a:ln>
+        </p:spPr>
+        <p:style>
+          <a:lnRef idx="2">
+            <a:schemeClr val="accent1">
+              <a:shade val="50000"/>
+            </a:schemeClr>
+          </a:lnRef>
+          <a:fillRef idx="1">
+            <a:schemeClr val="accent1"/>
+          </a:fillRef>
+          <a:effectRef idx="0">
+            <a:schemeClr val="accent1"/>
+          </a:effectRef>
+          <a:fontRef idx="minor">
+            <a:schemeClr val="lt1"/>
+          </a:fontRef>
+        </p:style>
+        <p:txBody>
+          <a:bodyPr rtlCol="0" anchor="ctr"/>
+          <a:lstStyle/>
+          <a:p>
+            <a:pPr algn="ctr"/>
+            <a:endParaRPr lang="en-US"/>
+          </a:p>
+        </p:txBody>
+      </p:sp>
+      <p:sp>
+        <p:nvSpPr>
+          <p:cNvPr id="284" name="Oval 283">
+            <a:extLst>
+              <a:ext uri="{FF2B5EF4-FFF2-40B4-BE49-F238E27FC236}">
+                <a16:creationId xmlns:a16="http://schemas.microsoft.com/office/drawing/2014/main" id="{9D663148-0611-6745-9856-0E7745664DD8}"/>
+              </a:ext>
+            </a:extLst>
+          </p:cNvPr>
+          <p:cNvSpPr/>
+          <p:nvPr/>
+        </p:nvSpPr>
+        <p:spPr>
+          <a:xfrm>
+            <a:off x="7083860" y="3488886"/>
+            <a:ext cx="261257" cy="272142"/>
+          </a:xfrm>
+          <a:prstGeom prst="ellipse">
+            <a:avLst/>
+          </a:prstGeom>
+          <a:ln>
+            <a:solidFill>
+              <a:srgbClr val="0070C0"/>
+            </a:solidFill>
+          </a:ln>
+        </p:spPr>
+        <p:style>
+          <a:lnRef idx="2">
+            <a:schemeClr val="accent1">
+              <a:shade val="50000"/>
+            </a:schemeClr>
+          </a:lnRef>
+          <a:fillRef idx="1">
+            <a:schemeClr val="accent1"/>
+          </a:fillRef>
+          <a:effectRef idx="0">
+            <a:schemeClr val="accent1"/>
+          </a:effectRef>
+          <a:fontRef idx="minor">
+            <a:schemeClr val="lt1"/>
+          </a:fontRef>
+        </p:style>
+        <p:txBody>
+          <a:bodyPr rtlCol="0" anchor="ctr"/>
+          <a:lstStyle/>
+          <a:p>
+            <a:pPr algn="ctr"/>
+            <a:endParaRPr lang="en-US"/>
+          </a:p>
+        </p:txBody>
+      </p:sp>
+      <p:grpSp>
+        <p:nvGrpSpPr>
+          <p:cNvPr id="285" name="Group 284">
+            <a:extLst>
+              <a:ext uri="{FF2B5EF4-FFF2-40B4-BE49-F238E27FC236}">
+                <a16:creationId xmlns:a16="http://schemas.microsoft.com/office/drawing/2014/main" id="{13F3912B-ED79-7F45-BEAC-A8480C1E490D}"/>
+              </a:ext>
+            </a:extLst>
+          </p:cNvPr>
+          <p:cNvGrpSpPr/>
+          <p:nvPr/>
+        </p:nvGrpSpPr>
+        <p:grpSpPr>
+          <a:xfrm>
+            <a:off x="6904255" y="2754099"/>
+            <a:ext cx="1861456" cy="1698174"/>
+            <a:chOff x="2449284" y="2906487"/>
+            <a:chExt cx="1861456" cy="1698174"/>
+          </a:xfrm>
+        </p:grpSpPr>
+        <p:grpSp>
+          <p:nvGrpSpPr>
+            <p:cNvPr id="286" name="Group 285">
+              <a:extLst>
+                <a:ext uri="{FF2B5EF4-FFF2-40B4-BE49-F238E27FC236}">
+                  <a16:creationId xmlns:a16="http://schemas.microsoft.com/office/drawing/2014/main" id="{A7791FF8-79B0-B448-A895-0397EBE9DF84}"/>
+                </a:ext>
+              </a:extLst>
+            </p:cNvPr>
+            <p:cNvGrpSpPr/>
+            <p:nvPr/>
+          </p:nvGrpSpPr>
+          <p:grpSpPr>
+            <a:xfrm>
+              <a:off x="2449284" y="2906487"/>
+              <a:ext cx="1861456" cy="566058"/>
+              <a:chOff x="2449284" y="1774371"/>
+              <a:chExt cx="1861456" cy="566058"/>
+            </a:xfrm>
+          </p:grpSpPr>
+          <p:sp>
+            <p:nvSpPr>
+              <p:cNvPr id="295" name="Rectangle 294">
+                <a:extLst>
+                  <a:ext uri="{FF2B5EF4-FFF2-40B4-BE49-F238E27FC236}">
+                    <a16:creationId xmlns:a16="http://schemas.microsoft.com/office/drawing/2014/main" id="{8689B171-7D9C-1740-B365-10EF118E7CD7}"/>
+                  </a:ext>
+                </a:extLst>
+              </p:cNvPr>
+              <p:cNvSpPr/>
+              <p:nvPr/>
+            </p:nvSpPr>
+            <p:spPr>
+              <a:xfrm>
+                <a:off x="2449284" y="1774371"/>
+                <a:ext cx="620486" cy="566058"/>
+              </a:xfrm>
+              <a:prstGeom prst="rect">
+                <a:avLst/>
+              </a:prstGeom>
+              <a:noFill/>
+            </p:spPr>
+            <p:style>
+              <a:lnRef idx="2">
+                <a:schemeClr val="accent1">
+                  <a:shade val="50000"/>
+                </a:schemeClr>
+              </a:lnRef>
+              <a:fillRef idx="1">
+                <a:schemeClr val="accent1"/>
+              </a:fillRef>
+              <a:effectRef idx="0">
+                <a:schemeClr val="accent1"/>
+              </a:effectRef>
+              <a:fontRef idx="minor">
+                <a:schemeClr val="lt1"/>
+              </a:fontRef>
+            </p:style>
+            <p:txBody>
+              <a:bodyPr rtlCol="0" anchor="ctr"/>
+              <a:lstStyle/>
+              <a:p>
+                <a:pPr algn="ctr"/>
+                <a:r>
+                  <a:rPr lang="en-US" dirty="0"/>
+                  <a:t>1</a:t>
+                </a:r>
+              </a:p>
+            </p:txBody>
+          </p:sp>
+          <p:sp>
+            <p:nvSpPr>
+              <p:cNvPr id="296" name="Rectangle 295">
+                <a:extLst>
+                  <a:ext uri="{FF2B5EF4-FFF2-40B4-BE49-F238E27FC236}">
+                    <a16:creationId xmlns:a16="http://schemas.microsoft.com/office/drawing/2014/main" id="{FE723CDE-149D-B141-B1FD-24B101B43D86}"/>
+                  </a:ext>
+                </a:extLst>
+              </p:cNvPr>
+              <p:cNvSpPr/>
+              <p:nvPr/>
+            </p:nvSpPr>
+            <p:spPr>
+              <a:xfrm>
+                <a:off x="3069768" y="1774371"/>
+                <a:ext cx="620486" cy="566058"/>
+              </a:xfrm>
+              <a:prstGeom prst="rect">
+                <a:avLst/>
+              </a:prstGeom>
+              <a:noFill/>
+            </p:spPr>
+            <p:style>
+              <a:lnRef idx="2">
+                <a:schemeClr val="accent1">
+                  <a:shade val="50000"/>
+                </a:schemeClr>
+              </a:lnRef>
+              <a:fillRef idx="1">
+                <a:schemeClr val="accent1"/>
+              </a:fillRef>
+              <a:effectRef idx="0">
+                <a:schemeClr val="accent1"/>
+              </a:effectRef>
+              <a:fontRef idx="minor">
+                <a:schemeClr val="lt1"/>
+              </a:fontRef>
+            </p:style>
+            <p:txBody>
+              <a:bodyPr rtlCol="0" anchor="ctr"/>
+              <a:lstStyle/>
+              <a:p>
+                <a:pPr algn="ctr"/>
+                <a:r>
+                  <a:rPr lang="en-US" dirty="0"/>
+                  <a:t>2</a:t>
+                </a:r>
+              </a:p>
+            </p:txBody>
+          </p:sp>
+          <p:sp>
+            <p:nvSpPr>
+              <p:cNvPr id="297" name="Rectangle 296">
+                <a:extLst>
+                  <a:ext uri="{FF2B5EF4-FFF2-40B4-BE49-F238E27FC236}">
+                    <a16:creationId xmlns:a16="http://schemas.microsoft.com/office/drawing/2014/main" id="{8A251118-8383-E14F-A504-C047356CAAA8}"/>
+                  </a:ext>
+                </a:extLst>
+              </p:cNvPr>
+              <p:cNvSpPr/>
+              <p:nvPr/>
+            </p:nvSpPr>
+            <p:spPr>
+              <a:xfrm>
+                <a:off x="3690254" y="1774371"/>
+                <a:ext cx="620486" cy="566058"/>
+              </a:xfrm>
+              <a:prstGeom prst="rect">
+                <a:avLst/>
+              </a:prstGeom>
+              <a:noFill/>
+            </p:spPr>
+            <p:style>
+              <a:lnRef idx="2">
+                <a:schemeClr val="accent1">
+                  <a:shade val="50000"/>
+                </a:schemeClr>
+              </a:lnRef>
+              <a:fillRef idx="1">
+                <a:schemeClr val="accent1"/>
+              </a:fillRef>
+              <a:effectRef idx="0">
+                <a:schemeClr val="accent1"/>
+              </a:effectRef>
+              <a:fontRef idx="minor">
+                <a:schemeClr val="lt1"/>
+              </a:fontRef>
+            </p:style>
+            <p:txBody>
+              <a:bodyPr rtlCol="0" anchor="ctr"/>
+              <a:lstStyle/>
+              <a:p>
+                <a:pPr algn="ctr"/>
+                <a:r>
+                  <a:rPr lang="en-US" dirty="0"/>
+                  <a:t>3</a:t>
+                </a:r>
+              </a:p>
+            </p:txBody>
+          </p:sp>
+        </p:grpSp>
+        <p:grpSp>
+          <p:nvGrpSpPr>
+            <p:cNvPr id="287" name="Group 286">
+              <a:extLst>
+                <a:ext uri="{FF2B5EF4-FFF2-40B4-BE49-F238E27FC236}">
+                  <a16:creationId xmlns:a16="http://schemas.microsoft.com/office/drawing/2014/main" id="{B513960B-B7DC-D145-99B6-B75B9D909437}"/>
+                </a:ext>
+              </a:extLst>
+            </p:cNvPr>
+            <p:cNvGrpSpPr/>
+            <p:nvPr/>
+          </p:nvGrpSpPr>
+          <p:grpSpPr>
+            <a:xfrm>
+              <a:off x="2449284" y="3472545"/>
+              <a:ext cx="1861456" cy="566058"/>
+              <a:chOff x="2449284" y="1774371"/>
+              <a:chExt cx="1861456" cy="566058"/>
+            </a:xfrm>
+          </p:grpSpPr>
+          <p:sp>
+            <p:nvSpPr>
+              <p:cNvPr id="292" name="Rectangle 291">
+                <a:extLst>
+                  <a:ext uri="{FF2B5EF4-FFF2-40B4-BE49-F238E27FC236}">
+                    <a16:creationId xmlns:a16="http://schemas.microsoft.com/office/drawing/2014/main" id="{867BD296-8056-B44A-A7E9-121D95A3F773}"/>
+                  </a:ext>
+                </a:extLst>
+              </p:cNvPr>
+              <p:cNvSpPr/>
+              <p:nvPr/>
+            </p:nvSpPr>
+            <p:spPr>
+              <a:xfrm>
+                <a:off x="2449284" y="1774371"/>
+                <a:ext cx="620486" cy="566058"/>
+              </a:xfrm>
+              <a:prstGeom prst="rect">
+                <a:avLst/>
+              </a:prstGeom>
+              <a:noFill/>
+            </p:spPr>
+            <p:style>
+              <a:lnRef idx="2">
+                <a:schemeClr val="accent1">
+                  <a:shade val="50000"/>
+                </a:schemeClr>
+              </a:lnRef>
+              <a:fillRef idx="1">
+                <a:schemeClr val="accent1"/>
+              </a:fillRef>
+              <a:effectRef idx="0">
+                <a:schemeClr val="accent1"/>
+              </a:effectRef>
+              <a:fontRef idx="minor">
+                <a:schemeClr val="lt1"/>
+              </a:fontRef>
+            </p:style>
+            <p:txBody>
+              <a:bodyPr rtlCol="0" anchor="ctr"/>
+              <a:lstStyle/>
+              <a:p>
+                <a:pPr algn="ctr"/>
+                <a:r>
+                  <a:rPr lang="en-US" dirty="0"/>
+                  <a:t>0</a:t>
+                </a:r>
+              </a:p>
+            </p:txBody>
+          </p:sp>
+          <p:sp>
+            <p:nvSpPr>
+              <p:cNvPr id="293" name="Rectangle 292">
+                <a:extLst>
+                  <a:ext uri="{FF2B5EF4-FFF2-40B4-BE49-F238E27FC236}">
+                    <a16:creationId xmlns:a16="http://schemas.microsoft.com/office/drawing/2014/main" id="{27B0A1CF-A920-1B4A-AA00-00EC87E42BF9}"/>
+                  </a:ext>
+                </a:extLst>
+              </p:cNvPr>
+              <p:cNvSpPr/>
+              <p:nvPr/>
+            </p:nvSpPr>
+            <p:spPr>
+              <a:xfrm>
+                <a:off x="3069768" y="1774371"/>
+                <a:ext cx="620486" cy="566058"/>
+              </a:xfrm>
+              <a:prstGeom prst="rect">
+                <a:avLst/>
+              </a:prstGeom>
+              <a:noFill/>
+            </p:spPr>
+            <p:style>
+              <a:lnRef idx="2">
+                <a:schemeClr val="accent1">
+                  <a:shade val="50000"/>
+                </a:schemeClr>
+              </a:lnRef>
+              <a:fillRef idx="1">
+                <a:schemeClr val="accent1"/>
+              </a:fillRef>
+              <a:effectRef idx="0">
+                <a:schemeClr val="accent1"/>
+              </a:effectRef>
+              <a:fontRef idx="minor">
+                <a:schemeClr val="lt1"/>
+              </a:fontRef>
+            </p:style>
+            <p:txBody>
+              <a:bodyPr rtlCol="0" anchor="ctr"/>
+              <a:lstStyle/>
+              <a:p>
+                <a:pPr algn="ctr"/>
+                <a:endParaRPr lang="en-US"/>
+              </a:p>
+            </p:txBody>
+          </p:sp>
+          <p:sp>
+            <p:nvSpPr>
+              <p:cNvPr id="294" name="Rectangle 293">
+                <a:extLst>
+                  <a:ext uri="{FF2B5EF4-FFF2-40B4-BE49-F238E27FC236}">
+                    <a16:creationId xmlns:a16="http://schemas.microsoft.com/office/drawing/2014/main" id="{DC16E7D6-49F5-504A-9686-216E2621272C}"/>
+                  </a:ext>
+                </a:extLst>
+              </p:cNvPr>
+              <p:cNvSpPr/>
+              <p:nvPr/>
+            </p:nvSpPr>
+            <p:spPr>
+              <a:xfrm>
+                <a:off x="3690254" y="1774371"/>
+                <a:ext cx="620486" cy="566058"/>
+              </a:xfrm>
+              <a:prstGeom prst="rect">
+                <a:avLst/>
+              </a:prstGeom>
+              <a:noFill/>
+            </p:spPr>
+            <p:style>
+              <a:lnRef idx="2">
+                <a:schemeClr val="accent1">
+                  <a:shade val="50000"/>
+                </a:schemeClr>
+              </a:lnRef>
+              <a:fillRef idx="1">
+                <a:schemeClr val="accent1"/>
+              </a:fillRef>
+              <a:effectRef idx="0">
+                <a:schemeClr val="accent1"/>
+              </a:effectRef>
+              <a:fontRef idx="minor">
+                <a:schemeClr val="lt1"/>
+              </a:fontRef>
+            </p:style>
+            <p:txBody>
+              <a:bodyPr rtlCol="0" anchor="ctr"/>
+              <a:lstStyle/>
+              <a:p>
+                <a:pPr algn="ctr"/>
+                <a:r>
+                  <a:rPr lang="en-US" dirty="0"/>
+                  <a:t>4</a:t>
+                </a:r>
+              </a:p>
+            </p:txBody>
+          </p:sp>
+        </p:grpSp>
+        <p:grpSp>
+          <p:nvGrpSpPr>
+            <p:cNvPr id="288" name="Group 287">
+              <a:extLst>
+                <a:ext uri="{FF2B5EF4-FFF2-40B4-BE49-F238E27FC236}">
+                  <a16:creationId xmlns:a16="http://schemas.microsoft.com/office/drawing/2014/main" id="{302F59A0-B0ED-044F-9F9A-BCE13ED08FF0}"/>
+                </a:ext>
+              </a:extLst>
+            </p:cNvPr>
+            <p:cNvGrpSpPr/>
+            <p:nvPr/>
+          </p:nvGrpSpPr>
+          <p:grpSpPr>
+            <a:xfrm>
+              <a:off x="2449284" y="4038603"/>
+              <a:ext cx="1861456" cy="566058"/>
+              <a:chOff x="2449284" y="1774371"/>
+              <a:chExt cx="1861456" cy="566058"/>
+            </a:xfrm>
+          </p:grpSpPr>
+          <p:sp>
+            <p:nvSpPr>
+              <p:cNvPr id="289" name="Rectangle 288">
+                <a:extLst>
+                  <a:ext uri="{FF2B5EF4-FFF2-40B4-BE49-F238E27FC236}">
+                    <a16:creationId xmlns:a16="http://schemas.microsoft.com/office/drawing/2014/main" id="{FC3BE145-6CBA-264A-8C68-B5D300A847D1}"/>
+                  </a:ext>
+                </a:extLst>
+              </p:cNvPr>
+              <p:cNvSpPr/>
+              <p:nvPr/>
+            </p:nvSpPr>
+            <p:spPr>
+              <a:xfrm>
+                <a:off x="2449284" y="1774371"/>
+                <a:ext cx="620486" cy="566058"/>
+              </a:xfrm>
+              <a:prstGeom prst="rect">
+                <a:avLst/>
+              </a:prstGeom>
+              <a:noFill/>
+            </p:spPr>
+            <p:style>
+              <a:lnRef idx="2">
+                <a:schemeClr val="accent1">
+                  <a:shade val="50000"/>
+                </a:schemeClr>
+              </a:lnRef>
+              <a:fillRef idx="1">
+                <a:schemeClr val="accent1"/>
+              </a:fillRef>
+              <a:effectRef idx="0">
+                <a:schemeClr val="accent1"/>
+              </a:effectRef>
+              <a:fontRef idx="minor">
+                <a:schemeClr val="lt1"/>
+              </a:fontRef>
+            </p:style>
+            <p:txBody>
+              <a:bodyPr rtlCol="0" anchor="ctr"/>
+              <a:lstStyle/>
+              <a:p>
+                <a:pPr algn="ctr"/>
+                <a:r>
+                  <a:rPr lang="en-US" dirty="0"/>
+                  <a:t>7</a:t>
+                </a:r>
+              </a:p>
+            </p:txBody>
+          </p:sp>
+          <p:sp>
+            <p:nvSpPr>
+              <p:cNvPr id="290" name="Rectangle 289">
+                <a:extLst>
+                  <a:ext uri="{FF2B5EF4-FFF2-40B4-BE49-F238E27FC236}">
+                    <a16:creationId xmlns:a16="http://schemas.microsoft.com/office/drawing/2014/main" id="{445198EA-8E79-384B-854C-BF7FF93A68B5}"/>
+                  </a:ext>
+                </a:extLst>
+              </p:cNvPr>
+              <p:cNvSpPr/>
+              <p:nvPr/>
+            </p:nvSpPr>
+            <p:spPr>
+              <a:xfrm>
+                <a:off x="3069768" y="1774371"/>
+                <a:ext cx="620486" cy="566058"/>
+              </a:xfrm>
+              <a:prstGeom prst="rect">
+                <a:avLst/>
+              </a:prstGeom>
+              <a:noFill/>
+            </p:spPr>
+            <p:style>
+              <a:lnRef idx="2">
+                <a:schemeClr val="accent1">
+                  <a:shade val="50000"/>
+                </a:schemeClr>
+              </a:lnRef>
+              <a:fillRef idx="1">
+                <a:schemeClr val="accent1"/>
+              </a:fillRef>
+              <a:effectRef idx="0">
+                <a:schemeClr val="accent1"/>
+              </a:effectRef>
+              <a:fontRef idx="minor">
+                <a:schemeClr val="lt1"/>
+              </a:fontRef>
+            </p:style>
+            <p:txBody>
+              <a:bodyPr rtlCol="0" anchor="ctr"/>
+              <a:lstStyle/>
+              <a:p>
+                <a:pPr algn="ctr"/>
+                <a:r>
+                  <a:rPr lang="en-US" dirty="0"/>
+                  <a:t>6</a:t>
+                </a:r>
+              </a:p>
+            </p:txBody>
+          </p:sp>
+          <p:sp>
+            <p:nvSpPr>
+              <p:cNvPr id="291" name="Rectangle 290">
+                <a:extLst>
+                  <a:ext uri="{FF2B5EF4-FFF2-40B4-BE49-F238E27FC236}">
+                    <a16:creationId xmlns:a16="http://schemas.microsoft.com/office/drawing/2014/main" id="{94D78F09-2C8C-924B-9541-7DD9351C9DE7}"/>
+                  </a:ext>
+                </a:extLst>
+              </p:cNvPr>
+              <p:cNvSpPr/>
+              <p:nvPr/>
+            </p:nvSpPr>
+            <p:spPr>
+              <a:xfrm>
+                <a:off x="3690254" y="1774371"/>
+                <a:ext cx="620486" cy="566058"/>
+              </a:xfrm>
+              <a:prstGeom prst="rect">
+                <a:avLst/>
+              </a:prstGeom>
+              <a:noFill/>
+            </p:spPr>
+            <p:style>
+              <a:lnRef idx="2">
+                <a:schemeClr val="accent1">
+                  <a:shade val="50000"/>
+                </a:schemeClr>
+              </a:lnRef>
+              <a:fillRef idx="1">
+                <a:schemeClr val="accent1"/>
+              </a:fillRef>
+              <a:effectRef idx="0">
+                <a:schemeClr val="accent1"/>
+              </a:effectRef>
+              <a:fontRef idx="minor">
+                <a:schemeClr val="lt1"/>
+              </a:fontRef>
+            </p:style>
+            <p:txBody>
+              <a:bodyPr rtlCol="0" anchor="ctr"/>
+              <a:lstStyle/>
+              <a:p>
+                <a:pPr algn="ctr"/>
+                <a:r>
+                  <a:rPr lang="en-US" dirty="0"/>
+                  <a:t>5</a:t>
+                </a:r>
+              </a:p>
+            </p:txBody>
+          </p:sp>
+        </p:grpSp>
+      </p:grpSp>
+      <p:sp>
+        <p:nvSpPr>
+          <p:cNvPr id="300" name="Title 1">
+            <a:extLst>
+              <a:ext uri="{FF2B5EF4-FFF2-40B4-BE49-F238E27FC236}">
+                <a16:creationId xmlns:a16="http://schemas.microsoft.com/office/drawing/2014/main" id="{EF99EFD2-82A6-3141-AC8E-FB051326E8EA}"/>
+              </a:ext>
+            </a:extLst>
+          </p:cNvPr>
+          <p:cNvSpPr>
+            <a:spLocks noGrp="1"/>
+          </p:cNvSpPr>
+          <p:nvPr>
+            <p:ph type="title"/>
+          </p:nvPr>
+        </p:nvSpPr>
+        <p:spPr>
+          <a:xfrm>
+            <a:off x="900773" y="60728"/>
+            <a:ext cx="7886700" cy="866667"/>
+          </a:xfrm>
+        </p:spPr>
+        <p:txBody>
+          <a:bodyPr/>
+          <a:lstStyle/>
+          <a:p>
+            <a:r>
+              <a:rPr lang="en-US" dirty="0"/>
+              <a:t>3-live-neighbour configurations</a:t>
+            </a:r>
+          </a:p>
+        </p:txBody>
+      </p:sp>
+      <p:sp>
+        <p:nvSpPr>
+          <p:cNvPr id="301" name="Left Brace 300">
+            <a:extLst>
+              <a:ext uri="{FF2B5EF4-FFF2-40B4-BE49-F238E27FC236}">
+                <a16:creationId xmlns:a16="http://schemas.microsoft.com/office/drawing/2014/main" id="{EA994D8B-3A02-BD44-85D7-C570AE5CA1A3}"/>
+              </a:ext>
+            </a:extLst>
+          </p:cNvPr>
+          <p:cNvSpPr/>
+          <p:nvPr/>
+        </p:nvSpPr>
+        <p:spPr>
+          <a:xfrm rot="16200000">
+            <a:off x="2590798" y="4631882"/>
+            <a:ext cx="149660" cy="3856286"/>
+          </a:xfrm>
+          <a:prstGeom prst="leftBrace">
+            <a:avLst/>
+          </a:prstGeom>
+          <a:ln w="19050"/>
+        </p:spPr>
+        <p:style>
+          <a:lnRef idx="1">
+            <a:schemeClr val="accent1"/>
+          </a:lnRef>
+          <a:fillRef idx="0">
+            <a:schemeClr val="accent1"/>
+          </a:fillRef>
+          <a:effectRef idx="0">
+            <a:schemeClr val="accent1"/>
+          </a:effectRef>
+          <a:fontRef idx="minor">
+            <a:schemeClr val="tx1"/>
+          </a:fontRef>
+        </p:style>
+        <p:txBody>
+          <a:bodyPr rtlCol="0" anchor="ctr"/>
+          <a:lstStyle/>
+          <a:p>
+            <a:pPr algn="ctr"/>
+            <a:endParaRPr lang="en-US"/>
+          </a:p>
+        </p:txBody>
+      </p:sp>
+      <p:sp>
+        <p:nvSpPr>
+          <p:cNvPr id="302" name="Left Brace 301">
+            <a:extLst>
+              <a:ext uri="{FF2B5EF4-FFF2-40B4-BE49-F238E27FC236}">
+                <a16:creationId xmlns:a16="http://schemas.microsoft.com/office/drawing/2014/main" id="{A66D2BE4-DC0A-794F-981E-091FBC07386E}"/>
+              </a:ext>
+            </a:extLst>
+          </p:cNvPr>
+          <p:cNvSpPr/>
+          <p:nvPr/>
+        </p:nvSpPr>
+        <p:spPr>
+          <a:xfrm rot="16200000">
+            <a:off x="6683827" y="4620997"/>
+            <a:ext cx="149660" cy="3856286"/>
+          </a:xfrm>
+          <a:prstGeom prst="leftBrace">
+            <a:avLst/>
+          </a:prstGeom>
+          <a:ln w="19050">
+            <a:solidFill>
+              <a:srgbClr val="0070C0"/>
+            </a:solidFill>
+          </a:ln>
+        </p:spPr>
+        <p:style>
+          <a:lnRef idx="1">
+            <a:schemeClr val="accent1"/>
+          </a:lnRef>
+          <a:fillRef idx="0">
+            <a:schemeClr val="accent1"/>
+          </a:fillRef>
+          <a:effectRef idx="0">
+            <a:schemeClr val="accent1"/>
+          </a:effectRef>
+          <a:fontRef idx="minor">
+            <a:schemeClr val="tx1"/>
+          </a:fontRef>
+        </p:style>
+        <p:txBody>
+          <a:bodyPr rtlCol="0" anchor="ctr"/>
+          <a:lstStyle/>
+          <a:p>
+            <a:pPr algn="ctr"/>
+            <a:endParaRPr lang="en-US"/>
+          </a:p>
+        </p:txBody>
+      </p:sp>
+      <p:grpSp>
+        <p:nvGrpSpPr>
+          <p:cNvPr id="108" name="Group 107">
+            <a:extLst>
+              <a:ext uri="{FF2B5EF4-FFF2-40B4-BE49-F238E27FC236}">
+                <a16:creationId xmlns:a16="http://schemas.microsoft.com/office/drawing/2014/main" id="{1B6FBD0B-75EC-FC4D-9743-B7E505315C46}"/>
+              </a:ext>
+            </a:extLst>
+          </p:cNvPr>
+          <p:cNvGrpSpPr/>
+          <p:nvPr/>
+        </p:nvGrpSpPr>
+        <p:grpSpPr>
+          <a:xfrm>
+            <a:off x="710285" y="870871"/>
+            <a:ext cx="1861456" cy="1698174"/>
+            <a:chOff x="2449284" y="2906487"/>
+            <a:chExt cx="1861456" cy="1698174"/>
+          </a:xfrm>
+        </p:grpSpPr>
+        <p:grpSp>
+          <p:nvGrpSpPr>
+            <p:cNvPr id="109" name="Group 108">
+              <a:extLst>
+                <a:ext uri="{FF2B5EF4-FFF2-40B4-BE49-F238E27FC236}">
+                  <a16:creationId xmlns:a16="http://schemas.microsoft.com/office/drawing/2014/main" id="{BE738C50-E7A4-6D48-A6B2-7482B3FD64B1}"/>
+                </a:ext>
+              </a:extLst>
+            </p:cNvPr>
+            <p:cNvGrpSpPr/>
+            <p:nvPr/>
+          </p:nvGrpSpPr>
+          <p:grpSpPr>
+            <a:xfrm>
+              <a:off x="2449284" y="2906487"/>
+              <a:ext cx="1861456" cy="566058"/>
+              <a:chOff x="2449284" y="1774371"/>
+              <a:chExt cx="1861456" cy="566058"/>
+            </a:xfrm>
+          </p:grpSpPr>
+          <p:sp>
+            <p:nvSpPr>
+              <p:cNvPr id="119" name="Rectangle 118">
+                <a:extLst>
+                  <a:ext uri="{FF2B5EF4-FFF2-40B4-BE49-F238E27FC236}">
+                    <a16:creationId xmlns:a16="http://schemas.microsoft.com/office/drawing/2014/main" id="{9D8041D7-2CA4-2A42-8E2F-9909625C2A6B}"/>
+                  </a:ext>
+                </a:extLst>
+              </p:cNvPr>
+              <p:cNvSpPr/>
+              <p:nvPr/>
+            </p:nvSpPr>
+            <p:spPr>
+              <a:xfrm>
+                <a:off x="3069768" y="1774371"/>
+                <a:ext cx="620486" cy="566058"/>
+              </a:xfrm>
+              <a:prstGeom prst="rect">
+                <a:avLst/>
+              </a:prstGeom>
+              <a:noFill/>
+            </p:spPr>
+            <p:style>
+              <a:lnRef idx="2">
+                <a:schemeClr val="accent1">
+                  <a:shade val="50000"/>
+                </a:schemeClr>
+              </a:lnRef>
+              <a:fillRef idx="1">
+                <a:schemeClr val="accent1"/>
+              </a:fillRef>
+              <a:effectRef idx="0">
+                <a:schemeClr val="accent1"/>
+              </a:effectRef>
+              <a:fontRef idx="minor">
+                <a:schemeClr val="lt1"/>
+              </a:fontRef>
+            </p:style>
+            <p:txBody>
+              <a:bodyPr rtlCol="0" anchor="ctr"/>
+              <a:lstStyle/>
+              <a:p>
+                <a:pPr algn="ctr"/>
+                <a:r>
+                  <a:rPr lang="en-US" dirty="0"/>
+                  <a:t>1</a:t>
+                </a:r>
+              </a:p>
+            </p:txBody>
+          </p:sp>
+          <p:sp>
+            <p:nvSpPr>
+              <p:cNvPr id="120" name="Rectangle 119">
+                <a:extLst>
+                  <a:ext uri="{FF2B5EF4-FFF2-40B4-BE49-F238E27FC236}">
+                    <a16:creationId xmlns:a16="http://schemas.microsoft.com/office/drawing/2014/main" id="{8A57C9FE-5102-194B-BBA7-A71A36D1A57F}"/>
+                  </a:ext>
+                </a:extLst>
+              </p:cNvPr>
+              <p:cNvSpPr/>
+              <p:nvPr/>
+            </p:nvSpPr>
+            <p:spPr>
+              <a:xfrm>
+                <a:off x="3690254" y="1774371"/>
+                <a:ext cx="620486" cy="566058"/>
+              </a:xfrm>
+              <a:prstGeom prst="rect">
+                <a:avLst/>
+              </a:prstGeom>
+              <a:noFill/>
+            </p:spPr>
+            <p:style>
+              <a:lnRef idx="2">
+                <a:schemeClr val="accent1">
+                  <a:shade val="50000"/>
+                </a:schemeClr>
+              </a:lnRef>
+              <a:fillRef idx="1">
+                <a:schemeClr val="accent1"/>
+              </a:fillRef>
+              <a:effectRef idx="0">
+                <a:schemeClr val="accent1"/>
+              </a:effectRef>
+              <a:fontRef idx="minor">
+                <a:schemeClr val="lt1"/>
+              </a:fontRef>
+            </p:style>
+            <p:txBody>
+              <a:bodyPr rtlCol="0" anchor="ctr"/>
+              <a:lstStyle/>
+              <a:p>
+                <a:pPr algn="ctr"/>
+                <a:r>
+                  <a:rPr lang="en-US" dirty="0"/>
+                  <a:t>2</a:t>
+                </a:r>
+              </a:p>
+            </p:txBody>
+          </p:sp>
+          <p:sp>
+            <p:nvSpPr>
+              <p:cNvPr id="118" name="Rectangle 117">
+                <a:extLst>
+                  <a:ext uri="{FF2B5EF4-FFF2-40B4-BE49-F238E27FC236}">
+                    <a16:creationId xmlns:a16="http://schemas.microsoft.com/office/drawing/2014/main" id="{6B0B109E-1DE1-564A-814A-4765E7894953}"/>
+                  </a:ext>
+                </a:extLst>
+              </p:cNvPr>
+              <p:cNvSpPr/>
+              <p:nvPr/>
+            </p:nvSpPr>
+            <p:spPr>
+              <a:xfrm>
+                <a:off x="2449284" y="1774371"/>
+                <a:ext cx="620486" cy="566058"/>
+              </a:xfrm>
+              <a:prstGeom prst="rect">
+                <a:avLst/>
+              </a:prstGeom>
+              <a:noFill/>
+            </p:spPr>
+            <p:style>
+              <a:lnRef idx="2">
+                <a:schemeClr val="accent1">
+                  <a:shade val="50000"/>
+                </a:schemeClr>
+              </a:lnRef>
+              <a:fillRef idx="1">
+                <a:schemeClr val="accent1"/>
+              </a:fillRef>
+              <a:effectRef idx="0">
+                <a:schemeClr val="accent1"/>
+              </a:effectRef>
+              <a:fontRef idx="minor">
+                <a:schemeClr val="lt1"/>
+              </a:fontRef>
+            </p:style>
+            <p:txBody>
+              <a:bodyPr rtlCol="0" anchor="ctr"/>
+              <a:lstStyle/>
+              <a:p>
+                <a:pPr algn="ctr"/>
+                <a:r>
+                  <a:rPr lang="en-US" dirty="0">
+                    <a:solidFill>
+                      <a:schemeClr val="bg1"/>
+                    </a:solidFill>
+                  </a:rPr>
+                  <a:t>0</a:t>
+                </a:r>
+              </a:p>
+            </p:txBody>
+          </p:sp>
+        </p:grpSp>
+        <p:grpSp>
+          <p:nvGrpSpPr>
+            <p:cNvPr id="110" name="Group 109">
+              <a:extLst>
+                <a:ext uri="{FF2B5EF4-FFF2-40B4-BE49-F238E27FC236}">
+                  <a16:creationId xmlns:a16="http://schemas.microsoft.com/office/drawing/2014/main" id="{9FD54AFF-E43A-EB41-8D4A-467F184E600A}"/>
+                </a:ext>
+              </a:extLst>
+            </p:cNvPr>
+            <p:cNvGrpSpPr/>
+            <p:nvPr/>
+          </p:nvGrpSpPr>
+          <p:grpSpPr>
+            <a:xfrm>
+              <a:off x="2449284" y="3472545"/>
+              <a:ext cx="1861456" cy="566058"/>
+              <a:chOff x="2449284" y="1774371"/>
+              <a:chExt cx="1861456" cy="566058"/>
+            </a:xfrm>
+          </p:grpSpPr>
+          <p:sp>
+            <p:nvSpPr>
+              <p:cNvPr id="115" name="Rectangle 114">
+                <a:extLst>
+                  <a:ext uri="{FF2B5EF4-FFF2-40B4-BE49-F238E27FC236}">
+                    <a16:creationId xmlns:a16="http://schemas.microsoft.com/office/drawing/2014/main" id="{990A2B6B-5D67-A549-954E-08DE29A35959}"/>
+                  </a:ext>
+                </a:extLst>
+              </p:cNvPr>
+              <p:cNvSpPr/>
+              <p:nvPr/>
+            </p:nvSpPr>
+            <p:spPr>
+              <a:xfrm>
+                <a:off x="2449284" y="1774371"/>
+                <a:ext cx="620486" cy="566058"/>
+              </a:xfrm>
+              <a:prstGeom prst="rect">
+                <a:avLst/>
+              </a:prstGeom>
+              <a:noFill/>
+            </p:spPr>
+            <p:style>
+              <a:lnRef idx="2">
+                <a:schemeClr val="accent1">
+                  <a:shade val="50000"/>
+                </a:schemeClr>
+              </a:lnRef>
+              <a:fillRef idx="1">
+                <a:schemeClr val="accent1"/>
+              </a:fillRef>
+              <a:effectRef idx="0">
+                <a:schemeClr val="accent1"/>
+              </a:effectRef>
+              <a:fontRef idx="minor">
+                <a:schemeClr val="lt1"/>
+              </a:fontRef>
+            </p:style>
+            <p:txBody>
+              <a:bodyPr rtlCol="0" anchor="ctr"/>
+              <a:lstStyle/>
+              <a:p>
+                <a:pPr algn="ctr"/>
+                <a:endParaRPr lang="en-US"/>
+              </a:p>
+            </p:txBody>
+          </p:sp>
+          <p:sp>
+            <p:nvSpPr>
+              <p:cNvPr id="116" name="Rectangle 115">
+                <a:extLst>
+                  <a:ext uri="{FF2B5EF4-FFF2-40B4-BE49-F238E27FC236}">
+                    <a16:creationId xmlns:a16="http://schemas.microsoft.com/office/drawing/2014/main" id="{9C2144B5-9819-324F-AA91-D1C3BEAA96E1}"/>
+                  </a:ext>
+                </a:extLst>
+              </p:cNvPr>
+              <p:cNvSpPr/>
+              <p:nvPr/>
+            </p:nvSpPr>
+            <p:spPr>
+              <a:xfrm>
+                <a:off x="3069768" y="1774371"/>
+                <a:ext cx="620486" cy="566058"/>
+              </a:xfrm>
+              <a:prstGeom prst="rect">
+                <a:avLst/>
+              </a:prstGeom>
+              <a:noFill/>
+            </p:spPr>
+            <p:style>
+              <a:lnRef idx="2">
+                <a:schemeClr val="accent1">
+                  <a:shade val="50000"/>
+                </a:schemeClr>
+              </a:lnRef>
+              <a:fillRef idx="1">
+                <a:schemeClr val="accent1"/>
+              </a:fillRef>
+              <a:effectRef idx="0">
+                <a:schemeClr val="accent1"/>
+              </a:effectRef>
+              <a:fontRef idx="minor">
+                <a:schemeClr val="lt1"/>
+              </a:fontRef>
+            </p:style>
+            <p:txBody>
+              <a:bodyPr rtlCol="0" anchor="ctr"/>
+              <a:lstStyle/>
+              <a:p>
+                <a:pPr algn="ctr"/>
+                <a:r>
+                  <a:rPr lang="en-US" sz="2800" dirty="0">
+                    <a:solidFill>
+                      <a:schemeClr val="tx1"/>
+                    </a:solidFill>
+                  </a:rPr>
+                  <a:t>1</a:t>
+                </a:r>
+              </a:p>
+            </p:txBody>
+          </p:sp>
+          <p:sp>
+            <p:nvSpPr>
+              <p:cNvPr id="117" name="Rectangle 116">
+                <a:extLst>
+                  <a:ext uri="{FF2B5EF4-FFF2-40B4-BE49-F238E27FC236}">
+                    <a16:creationId xmlns:a16="http://schemas.microsoft.com/office/drawing/2014/main" id="{4D84EF71-19E1-A84C-980E-9C6CE3AD4EA1}"/>
+                  </a:ext>
+                </a:extLst>
+              </p:cNvPr>
+              <p:cNvSpPr/>
+              <p:nvPr/>
+            </p:nvSpPr>
+            <p:spPr>
+              <a:xfrm>
+                <a:off x="3690254" y="1774371"/>
+                <a:ext cx="620486" cy="566058"/>
+              </a:xfrm>
+              <a:prstGeom prst="rect">
+                <a:avLst/>
+              </a:prstGeom>
+              <a:noFill/>
+            </p:spPr>
+            <p:style>
+              <a:lnRef idx="2">
+                <a:schemeClr val="accent1">
+                  <a:shade val="50000"/>
+                </a:schemeClr>
+              </a:lnRef>
+              <a:fillRef idx="1">
+                <a:schemeClr val="accent1"/>
+              </a:fillRef>
+              <a:effectRef idx="0">
+                <a:schemeClr val="accent1"/>
+              </a:effectRef>
+              <a:fontRef idx="minor">
+                <a:schemeClr val="lt1"/>
+              </a:fontRef>
+            </p:style>
+            <p:txBody>
+              <a:bodyPr rtlCol="0" anchor="ctr"/>
+              <a:lstStyle/>
+              <a:p>
+                <a:pPr algn="ctr"/>
+                <a:endParaRPr lang="en-US"/>
+              </a:p>
+            </p:txBody>
+          </p:sp>
+        </p:grpSp>
+        <p:grpSp>
+          <p:nvGrpSpPr>
+            <p:cNvPr id="111" name="Group 110">
+              <a:extLst>
+                <a:ext uri="{FF2B5EF4-FFF2-40B4-BE49-F238E27FC236}">
+                  <a16:creationId xmlns:a16="http://schemas.microsoft.com/office/drawing/2014/main" id="{13D22D65-B66C-2B45-A4E1-A1523A743CD3}"/>
+                </a:ext>
+              </a:extLst>
+            </p:cNvPr>
+            <p:cNvGrpSpPr/>
+            <p:nvPr/>
+          </p:nvGrpSpPr>
+          <p:grpSpPr>
+            <a:xfrm>
+              <a:off x="2449284" y="4038603"/>
+              <a:ext cx="1861456" cy="566058"/>
+              <a:chOff x="2449284" y="1774371"/>
+              <a:chExt cx="1861456" cy="566058"/>
+            </a:xfrm>
+          </p:grpSpPr>
+          <p:sp>
+            <p:nvSpPr>
+              <p:cNvPr id="112" name="Rectangle 111">
+                <a:extLst>
+                  <a:ext uri="{FF2B5EF4-FFF2-40B4-BE49-F238E27FC236}">
+                    <a16:creationId xmlns:a16="http://schemas.microsoft.com/office/drawing/2014/main" id="{99B9FC99-1A17-D54A-8727-E9ACC0668BDA}"/>
+                  </a:ext>
+                </a:extLst>
+              </p:cNvPr>
+              <p:cNvSpPr/>
+              <p:nvPr/>
+            </p:nvSpPr>
+            <p:spPr>
+              <a:xfrm>
+                <a:off x="2449284" y="1774371"/>
+                <a:ext cx="620486" cy="566058"/>
+              </a:xfrm>
+              <a:prstGeom prst="rect">
+                <a:avLst/>
+              </a:prstGeom>
+              <a:noFill/>
+            </p:spPr>
+            <p:style>
+              <a:lnRef idx="2">
+                <a:schemeClr val="accent1">
+                  <a:shade val="50000"/>
+                </a:schemeClr>
+              </a:lnRef>
+              <a:fillRef idx="1">
+                <a:schemeClr val="accent1"/>
+              </a:fillRef>
+              <a:effectRef idx="0">
+                <a:schemeClr val="accent1"/>
+              </a:effectRef>
+              <a:fontRef idx="minor">
+                <a:schemeClr val="lt1"/>
+              </a:fontRef>
+            </p:style>
+            <p:txBody>
+              <a:bodyPr rtlCol="0" anchor="ctr"/>
+              <a:lstStyle/>
+              <a:p>
+                <a:pPr algn="ctr"/>
+                <a:endParaRPr lang="en-US"/>
+              </a:p>
+            </p:txBody>
+          </p:sp>
+          <p:sp>
+            <p:nvSpPr>
+              <p:cNvPr id="113" name="Rectangle 112">
+                <a:extLst>
+                  <a:ext uri="{FF2B5EF4-FFF2-40B4-BE49-F238E27FC236}">
+                    <a16:creationId xmlns:a16="http://schemas.microsoft.com/office/drawing/2014/main" id="{89FAAF8A-B2FB-F445-B025-BCDAB5904EDE}"/>
+                  </a:ext>
+                </a:extLst>
+              </p:cNvPr>
+              <p:cNvSpPr/>
+              <p:nvPr/>
+            </p:nvSpPr>
+            <p:spPr>
+              <a:xfrm>
+                <a:off x="3069768" y="1774371"/>
+                <a:ext cx="620486" cy="566058"/>
+              </a:xfrm>
+              <a:prstGeom prst="rect">
+                <a:avLst/>
+              </a:prstGeom>
+              <a:noFill/>
+            </p:spPr>
+            <p:style>
+              <a:lnRef idx="2">
+                <a:schemeClr val="accent1">
+                  <a:shade val="50000"/>
+                </a:schemeClr>
+              </a:lnRef>
+              <a:fillRef idx="1">
+                <a:schemeClr val="accent1"/>
+              </a:fillRef>
+              <a:effectRef idx="0">
+                <a:schemeClr val="accent1"/>
+              </a:effectRef>
+              <a:fontRef idx="minor">
+                <a:schemeClr val="lt1"/>
+              </a:fontRef>
+            </p:style>
+            <p:txBody>
+              <a:bodyPr rtlCol="0" anchor="ctr"/>
+              <a:lstStyle/>
+              <a:p>
+                <a:pPr algn="ctr"/>
+                <a:endParaRPr lang="en-US"/>
+              </a:p>
+            </p:txBody>
+          </p:sp>
+          <p:sp>
+            <p:nvSpPr>
+              <p:cNvPr id="114" name="Rectangle 113">
+                <a:extLst>
+                  <a:ext uri="{FF2B5EF4-FFF2-40B4-BE49-F238E27FC236}">
+                    <a16:creationId xmlns:a16="http://schemas.microsoft.com/office/drawing/2014/main" id="{A36A1035-1057-4947-B777-E434D10C69A9}"/>
+                  </a:ext>
+                </a:extLst>
+              </p:cNvPr>
+              <p:cNvSpPr/>
+              <p:nvPr/>
+            </p:nvSpPr>
+            <p:spPr>
+              <a:xfrm>
+                <a:off x="3690254" y="1774371"/>
+                <a:ext cx="620486" cy="566058"/>
+              </a:xfrm>
+              <a:prstGeom prst="rect">
+                <a:avLst/>
+              </a:prstGeom>
+              <a:noFill/>
+            </p:spPr>
+            <p:style>
+              <a:lnRef idx="2">
+                <a:schemeClr val="accent1">
+                  <a:shade val="50000"/>
+                </a:schemeClr>
+              </a:lnRef>
+              <a:fillRef idx="1">
+                <a:schemeClr val="accent1"/>
+              </a:fillRef>
+              <a:effectRef idx="0">
+                <a:schemeClr val="accent1"/>
+              </a:effectRef>
+              <a:fontRef idx="minor">
+                <a:schemeClr val="lt1"/>
+              </a:fontRef>
+            </p:style>
+            <p:txBody>
+              <a:bodyPr rtlCol="0" anchor="ctr"/>
+              <a:lstStyle/>
+              <a:p>
+                <a:pPr algn="ctr"/>
+                <a:endParaRPr lang="en-US"/>
+              </a:p>
+            </p:txBody>
+          </p:sp>
+        </p:grpSp>
+      </p:grpSp>
+    </p:spTree>
+    <p:extLst>
+      <p:ext uri="{BB962C8B-B14F-4D97-AF65-F5344CB8AC3E}">
+        <p14:creationId xmlns:p14="http://schemas.microsoft.com/office/powerpoint/2010/main" val="84549511"/>
+      </p:ext>
+    </p:extLst>
+  </p:cSld>
+  <p:clrMapOvr>
+    <a:masterClrMapping/>
+  </p:clrMapOvr>
+</p:sld>
+</file>
+
 <file path=ppt/theme/theme1.xml><?xml version="1.0" encoding="utf-8"?>
 <a:theme xmlns:a="http://schemas.openxmlformats.org/drawingml/2006/main" name="Office Theme">
   <a:themeElements>
@@ -8152,4 +17573,299 @@
     </a:ext>
   </a:extLst>
 </a:theme>
+</file>
+
+<file path=ppt/theme/theme2.xml><?xml version="1.0" encoding="utf-8"?>
+<a:theme xmlns:a="http://schemas.openxmlformats.org/drawingml/2006/main" name="Office Theme">
+  <a:themeElements>
+    <a:clrScheme name="Office">
+      <a:dk1>
+        <a:sysClr val="windowText" lastClr="000000"/>
+      </a:dk1>
+      <a:lt1>
+        <a:sysClr val="window" lastClr="FFFFFF"/>
+      </a:lt1>
+      <a:dk2>
+        <a:srgbClr val="44546A"/>
+      </a:dk2>
+      <a:lt2>
+        <a:srgbClr val="E7E6E6"/>
+      </a:lt2>
+      <a:accent1>
+        <a:srgbClr val="4472C4"/>
+      </a:accent1>
+      <a:accent2>
+        <a:srgbClr val="ED7D31"/>
+      </a:accent2>
+      <a:accent3>
+        <a:srgbClr val="A5A5A5"/>
+      </a:accent3>
+      <a:accent4>
+        <a:srgbClr val="FFC000"/>
+      </a:accent4>
+      <a:accent5>
+        <a:srgbClr val="5B9BD5"/>
+      </a:accent5>
+      <a:accent6>
+        <a:srgbClr val="70AD47"/>
+      </a:accent6>
+      <a:hlink>
+        <a:srgbClr val="0563C1"/>
+      </a:hlink>
+      <a:folHlink>
+        <a:srgbClr val="954F72"/>
+      </a:folHlink>
+    </a:clrScheme>
+    <a:fontScheme name="Office">
+      <a:majorFont>
+        <a:latin typeface="Calibri Light" panose="020F0302020204030204"/>
+        <a:ea typeface=""/>
+        <a:cs typeface=""/>
+        <a:font script="Jpan" typeface="游ゴシック Light"/>
+        <a:font script="Hang" typeface="맑은 고딕"/>
+        <a:font script="Hans" typeface="等线 Light"/>
+        <a:font script="Hant" typeface="新細明體"/>
+        <a:font script="Arab" typeface="Times New Roman"/>
+        <a:font script="Hebr" typeface="Times New Roman"/>
+        <a:font script="Thai" typeface="Angsana New"/>
+        <a:font script="Ethi" typeface="Nyala"/>
+        <a:font script="Beng" typeface="Vrinda"/>
+        <a:font script="Gujr" typeface="Shruti"/>
+        <a:font script="Khmr" typeface="MoolBoran"/>
+        <a:font script="Knda" typeface="Tunga"/>
+        <a:font script="Guru" typeface="Raavi"/>
+        <a:font script="Cans" typeface="Euphemia"/>
+        <a:font script="Cher" typeface="Plantagenet Cherokee"/>
+        <a:font script="Yiii" typeface="Microsoft Yi Baiti"/>
+        <a:font script="Tibt" typeface="Microsoft Himalaya"/>
+        <a:font script="Thaa" typeface="MV Boli"/>
+        <a:font script="Deva" typeface="Mangal"/>
+        <a:font script="Telu" typeface="Gautami"/>
+        <a:font script="Taml" typeface="Latha"/>
+        <a:font script="Syrc" typeface="Estrangelo Edessa"/>
+        <a:font script="Orya" typeface="Kalinga"/>
+        <a:font script="Mlym" typeface="Kartika"/>
+        <a:font script="Laoo" typeface="DokChampa"/>
+        <a:font script="Sinh" typeface="Iskoola Pota"/>
+        <a:font script="Mong" typeface="Mongolian Baiti"/>
+        <a:font script="Viet" typeface="Times New Roman"/>
+        <a:font script="Uigh" typeface="Microsoft Uighur"/>
+        <a:font script="Geor" typeface="Sylfaen"/>
+        <a:font script="Armn" typeface="Arial"/>
+        <a:font script="Bugi" typeface="Leelawadee UI"/>
+        <a:font script="Bopo" typeface="Microsoft JhengHei"/>
+        <a:font script="Java" typeface="Javanese Text"/>
+        <a:font script="Lisu" typeface="Segoe UI"/>
+        <a:font script="Mymr" typeface="Myanmar Text"/>
+        <a:font script="Nkoo" typeface="Ebrima"/>
+        <a:font script="Olck" typeface="Nirmala UI"/>
+        <a:font script="Osma" typeface="Ebrima"/>
+        <a:font script="Phag" typeface="Phagspa"/>
+        <a:font script="Syrn" typeface="Estrangelo Edessa"/>
+        <a:font script="Syrj" typeface="Estrangelo Edessa"/>
+        <a:font script="Syre" typeface="Estrangelo Edessa"/>
+        <a:font script="Sora" typeface="Nirmala UI"/>
+        <a:font script="Tale" typeface="Microsoft Tai Le"/>
+        <a:font script="Talu" typeface="Microsoft New Tai Lue"/>
+        <a:font script="Tfng" typeface="Ebrima"/>
+      </a:majorFont>
+      <a:minorFont>
+        <a:latin typeface="Calibri" panose="020F0502020204030204"/>
+        <a:ea typeface=""/>
+        <a:cs typeface=""/>
+        <a:font script="Jpan" typeface="游ゴシック"/>
+        <a:font script="Hang" typeface="맑은 고딕"/>
+        <a:font script="Hans" typeface="等线"/>
+        <a:font script="Hant" typeface="新細明體"/>
+        <a:font script="Arab" typeface="Arial"/>
+        <a:font script="Hebr" typeface="Arial"/>
+        <a:font script="Thai" typeface="Cordia New"/>
+        <a:font script="Ethi" typeface="Nyala"/>
+        <a:font script="Beng" typeface="Vrinda"/>
+        <a:font script="Gujr" typeface="Shruti"/>
+        <a:font script="Khmr" typeface="DaunPenh"/>
+        <a:font script="Knda" typeface="Tunga"/>
+        <a:font script="Guru" typeface="Raavi"/>
+        <a:font script="Cans" typeface="Euphemia"/>
+        <a:font script="Cher" typeface="Plantagenet Cherokee"/>
+        <a:font script="Yiii" typeface="Microsoft Yi Baiti"/>
+        <a:font script="Tibt" typeface="Microsoft Himalaya"/>
+        <a:font script="Thaa" typeface="MV Boli"/>
+        <a:font script="Deva" typeface="Mangal"/>
+        <a:font script="Telu" typeface="Gautami"/>
+        <a:font script="Taml" typeface="Latha"/>
+        <a:font script="Syrc" typeface="Estrangelo Edessa"/>
+        <a:font script="Orya" typeface="Kalinga"/>
+        <a:font script="Mlym" typeface="Kartika"/>
+        <a:font script="Laoo" typeface="DokChampa"/>
+        <a:font script="Sinh" typeface="Iskoola Pota"/>
+        <a:font script="Mong" typeface="Mongolian Baiti"/>
+        <a:font script="Viet" typeface="Arial"/>
+        <a:font script="Uigh" typeface="Microsoft Uighur"/>
+        <a:font script="Geor" typeface="Sylfaen"/>
+        <a:font script="Armn" typeface="Arial"/>
+        <a:font script="Bugi" typeface="Leelawadee UI"/>
+        <a:font script="Bopo" typeface="Microsoft JhengHei"/>
+        <a:font script="Java" typeface="Javanese Text"/>
+        <a:font script="Lisu" typeface="Segoe UI"/>
+        <a:font script="Mymr" typeface="Myanmar Text"/>
+        <a:font script="Nkoo" typeface="Ebrima"/>
+        <a:font script="Olck" typeface="Nirmala UI"/>
+        <a:font script="Osma" typeface="Ebrima"/>
+        <a:font script="Phag" typeface="Phagspa"/>
+        <a:font script="Syrn" typeface="Estrangelo Edessa"/>
+        <a:font script="Syrj" typeface="Estrangelo Edessa"/>
+        <a:font script="Syre" typeface="Estrangelo Edessa"/>
+        <a:font script="Sora" typeface="Nirmala UI"/>
+        <a:font script="Tale" typeface="Microsoft Tai Le"/>
+        <a:font script="Talu" typeface="Microsoft New Tai Lue"/>
+        <a:font script="Tfng" typeface="Ebrima"/>
+      </a:minorFont>
+    </a:fontScheme>
+    <a:fmtScheme name="Office">
+      <a:fillStyleLst>
+        <a:solidFill>
+          <a:schemeClr val="phClr"/>
+        </a:solidFill>
+        <a:gradFill rotWithShape="1">
+          <a:gsLst>
+            <a:gs pos="0">
+              <a:schemeClr val="phClr">
+                <a:lumMod val="110000"/>
+                <a:satMod val="105000"/>
+                <a:tint val="67000"/>
+              </a:schemeClr>
+            </a:gs>
+            <a:gs pos="50000">
+              <a:schemeClr val="phClr">
+                <a:lumMod val="105000"/>
+                <a:satMod val="103000"/>
+                <a:tint val="73000"/>
+              </a:schemeClr>
+            </a:gs>
+            <a:gs pos="100000">
+              <a:schemeClr val="phClr">
+                <a:lumMod val="105000"/>
+                <a:satMod val="109000"/>
+                <a:tint val="81000"/>
+              </a:schemeClr>
+            </a:gs>
+          </a:gsLst>
+          <a:lin ang="5400000" scaled="0"/>
+        </a:gradFill>
+        <a:gradFill rotWithShape="1">
+          <a:gsLst>
+            <a:gs pos="0">
+              <a:schemeClr val="phClr">
+                <a:satMod val="103000"/>
+                <a:lumMod val="102000"/>
+                <a:tint val="94000"/>
+              </a:schemeClr>
+            </a:gs>
+            <a:gs pos="50000">
+              <a:schemeClr val="phClr">
+                <a:satMod val="110000"/>
+                <a:lumMod val="100000"/>
+                <a:shade val="100000"/>
+              </a:schemeClr>
+            </a:gs>
+            <a:gs pos="100000">
+              <a:schemeClr val="phClr">
+                <a:lumMod val="99000"/>
+                <a:satMod val="120000"/>
+                <a:shade val="78000"/>
+              </a:schemeClr>
+            </a:gs>
+          </a:gsLst>
+          <a:lin ang="5400000" scaled="0"/>
+        </a:gradFill>
+      </a:fillStyleLst>
+      <a:lnStyleLst>
+        <a:ln w="6350" cap="flat" cmpd="sng" algn="ctr">
+          <a:solidFill>
+            <a:schemeClr val="phClr"/>
+          </a:solidFill>
+          <a:prstDash val="solid"/>
+          <a:miter lim="800000"/>
+        </a:ln>
+        <a:ln w="12700" cap="flat" cmpd="sng" algn="ctr">
+          <a:solidFill>
+            <a:schemeClr val="phClr"/>
+          </a:solidFill>
+          <a:prstDash val="solid"/>
+          <a:miter lim="800000"/>
+        </a:ln>
+        <a:ln w="19050" cap="flat" cmpd="sng" algn="ctr">
+          <a:solidFill>
+            <a:schemeClr val="phClr"/>
+          </a:solidFill>
+          <a:prstDash val="solid"/>
+          <a:miter lim="800000"/>
+        </a:ln>
+      </a:lnStyleLst>
+      <a:effectStyleLst>
+        <a:effectStyle>
+          <a:effectLst/>
+        </a:effectStyle>
+        <a:effectStyle>
+          <a:effectLst/>
+        </a:effectStyle>
+        <a:effectStyle>
+          <a:effectLst>
+            <a:outerShdw blurRad="57150" dist="19050" dir="5400000" algn="ctr" rotWithShape="0">
+              <a:srgbClr val="000000">
+                <a:alpha val="63000"/>
+              </a:srgbClr>
+            </a:outerShdw>
+          </a:effectLst>
+        </a:effectStyle>
+      </a:effectStyleLst>
+      <a:bgFillStyleLst>
+        <a:solidFill>
+          <a:schemeClr val="phClr"/>
+        </a:solidFill>
+        <a:solidFill>
+          <a:schemeClr val="phClr">
+            <a:tint val="95000"/>
+            <a:satMod val="170000"/>
+          </a:schemeClr>
+        </a:solidFill>
+        <a:gradFill rotWithShape="1">
+          <a:gsLst>
+            <a:gs pos="0">
+              <a:schemeClr val="phClr">
+                <a:tint val="93000"/>
+                <a:satMod val="150000"/>
+                <a:shade val="98000"/>
+                <a:lumMod val="102000"/>
+              </a:schemeClr>
+            </a:gs>
+            <a:gs pos="50000">
+              <a:schemeClr val="phClr">
+                <a:tint val="98000"/>
+                <a:satMod val="130000"/>
+                <a:shade val="90000"/>
+                <a:lumMod val="103000"/>
+              </a:schemeClr>
+            </a:gs>
+            <a:gs pos="100000">
+              <a:schemeClr val="phClr">
+                <a:shade val="63000"/>
+                <a:satMod val="120000"/>
+              </a:schemeClr>
+            </a:gs>
+          </a:gsLst>
+          <a:lin ang="5400000" scaled="0"/>
+        </a:gradFill>
+      </a:bgFillStyleLst>
+    </a:fmtScheme>
+  </a:themeElements>
+  <a:objectDefaults/>
+  <a:extraClrSchemeLst/>
+  <a:extLst>
+    <a:ext uri="{05A4C25C-085E-4340-85A3-A5531E510DB2}">
+      <thm15:themeFamily xmlns:thm15="http://schemas.microsoft.com/office/thememl/2012/main" name="Office Theme" id="{62F939B6-93AF-4DB8-9C6B-D6C7DFDC589F}" vid="{4A3C46E8-61CC-4603-A589-7422A47A8E4A}"/>
+    </a:ext>
+  </a:extLst>
+</a:theme>
 </file>